--- a/HPC and git talk.pptx
+++ b/HPC and git talk.pptx
@@ -5,7 +5,7 @@
     <p:sldMasterId id="2147483648" r:id="rId1"/>
   </p:sldMasterIdLst>
   <p:notesMasterIdLst>
-    <p:notesMasterId r:id="rId30"/>
+    <p:notesMasterId r:id="rId33"/>
   </p:notesMasterIdLst>
   <p:sldIdLst>
     <p:sldId id="256" r:id="rId2"/>
@@ -20,22 +20,25 @@
     <p:sldId id="275" r:id="rId11"/>
     <p:sldId id="276" r:id="rId12"/>
     <p:sldId id="277" r:id="rId13"/>
-    <p:sldId id="278" r:id="rId14"/>
-    <p:sldId id="257" r:id="rId15"/>
-    <p:sldId id="258" r:id="rId16"/>
-    <p:sldId id="259" r:id="rId17"/>
-    <p:sldId id="260" r:id="rId18"/>
-    <p:sldId id="261" r:id="rId19"/>
-    <p:sldId id="262" r:id="rId20"/>
-    <p:sldId id="263" r:id="rId21"/>
-    <p:sldId id="266" r:id="rId22"/>
-    <p:sldId id="264" r:id="rId23"/>
-    <p:sldId id="265" r:id="rId24"/>
-    <p:sldId id="281" r:id="rId25"/>
-    <p:sldId id="282" r:id="rId26"/>
-    <p:sldId id="279" r:id="rId27"/>
-    <p:sldId id="283" r:id="rId28"/>
-    <p:sldId id="280" r:id="rId29"/>
+    <p:sldId id="285" r:id="rId14"/>
+    <p:sldId id="286" r:id="rId15"/>
+    <p:sldId id="278" r:id="rId16"/>
+    <p:sldId id="257" r:id="rId17"/>
+    <p:sldId id="258" r:id="rId18"/>
+    <p:sldId id="259" r:id="rId19"/>
+    <p:sldId id="260" r:id="rId20"/>
+    <p:sldId id="261" r:id="rId21"/>
+    <p:sldId id="262" r:id="rId22"/>
+    <p:sldId id="263" r:id="rId23"/>
+    <p:sldId id="266" r:id="rId24"/>
+    <p:sldId id="264" r:id="rId25"/>
+    <p:sldId id="265" r:id="rId26"/>
+    <p:sldId id="284" r:id="rId27"/>
+    <p:sldId id="281" r:id="rId28"/>
+    <p:sldId id="282" r:id="rId29"/>
+    <p:sldId id="279" r:id="rId30"/>
+    <p:sldId id="283" r:id="rId31"/>
+    <p:sldId id="280" r:id="rId32"/>
   </p:sldIdLst>
   <p:sldSz cx="12192000" cy="6858000"/>
   <p:notesSz cx="6858000" cy="9144000"/>
@@ -235,7 +238,7 @@
           <a:p>
             <a:fld id="{959E59C8-47F0-4148-92A0-E903AA0AEFBD}" type="datetimeFigureOut">
               <a:rPr lang="en-US" smtClean="0"/>
-              <a:t>7/17/17</a:t>
+              <a:t>7/24/2017</a:t>
             </a:fld>
             <a:endParaRPr lang="en-US"/>
           </a:p>
@@ -630,7 +633,10 @@
           <a:bodyPr/>
           <a:lstStyle/>
           <a:p>
-            <a:endParaRPr lang="en-AU"/>
+            <a:r>
+              <a:rPr lang="en-AU" dirty="0"/>
+              <a:t>Clarify the different storages</a:t>
+            </a:r>
           </a:p>
         </p:txBody>
       </p:sp>
@@ -651,7 +657,178 @@
           <a:p>
             <a:fld id="{03BA8D9E-DD24-EA4F-8256-1AF825A25E9E}" type="slidenum">
               <a:rPr lang="en-US" smtClean="0"/>
-              <a:t>25</a:t>
+              <a:t>14</a:t>
+            </a:fld>
+            <a:endParaRPr lang="en-US"/>
+          </a:p>
+        </p:txBody>
+      </p:sp>
+    </p:spTree>
+    <p:extLst>
+      <p:ext uri="{BB962C8B-B14F-4D97-AF65-F5344CB8AC3E}">
+        <p14:creationId xmlns:p14="http://schemas.microsoft.com/office/powerpoint/2010/main" val="2511566599"/>
+      </p:ext>
+    </p:extLst>
+  </p:cSld>
+  <p:clrMapOvr>
+    <a:masterClrMapping/>
+  </p:clrMapOvr>
+</p:notes>
+</file>
+
+<file path=ppt/notesSlides/notesSlide3.xml><?xml version="1.0" encoding="utf-8"?>
+<p:notes xmlns:a="http://schemas.openxmlformats.org/drawingml/2006/main" xmlns:r="http://schemas.openxmlformats.org/officeDocument/2006/relationships" xmlns:p="http://schemas.openxmlformats.org/presentationml/2006/main">
+  <p:cSld>
+    <p:spTree>
+      <p:nvGrpSpPr>
+        <p:cNvPr id="1" name=""/>
+        <p:cNvGrpSpPr/>
+        <p:nvPr/>
+      </p:nvGrpSpPr>
+      <p:grpSpPr>
+        <a:xfrm>
+          <a:off x="0" y="0"/>
+          <a:ext cx="0" cy="0"/>
+          <a:chOff x="0" y="0"/>
+          <a:chExt cx="0" cy="0"/>
+        </a:xfrm>
+      </p:grpSpPr>
+      <p:sp>
+        <p:nvSpPr>
+          <p:cNvPr id="2" name="Slide Image Placeholder 1"/>
+          <p:cNvSpPr>
+            <a:spLocks noGrp="1" noRot="1" noChangeAspect="1"/>
+          </p:cNvSpPr>
+          <p:nvPr>
+            <p:ph type="sldImg"/>
+          </p:nvPr>
+        </p:nvSpPr>
+        <p:spPr/>
+      </p:sp>
+      <p:sp>
+        <p:nvSpPr>
+          <p:cNvPr id="3" name="Notes Placeholder 2"/>
+          <p:cNvSpPr>
+            <a:spLocks noGrp="1"/>
+          </p:cNvSpPr>
+          <p:nvPr>
+            <p:ph type="body" idx="1"/>
+          </p:nvPr>
+        </p:nvSpPr>
+        <p:spPr/>
+        <p:txBody>
+          <a:bodyPr/>
+          <a:lstStyle/>
+          <a:p>
+            <a:r>
+              <a:rPr lang="en-AU" dirty="0"/>
+              <a:t>Example: Calculate signature scores across 1000s of samples (same process for each sample)</a:t>
+            </a:r>
+          </a:p>
+        </p:txBody>
+      </p:sp>
+      <p:sp>
+        <p:nvSpPr>
+          <p:cNvPr id="4" name="Slide Number Placeholder 3"/>
+          <p:cNvSpPr>
+            <a:spLocks noGrp="1"/>
+          </p:cNvSpPr>
+          <p:nvPr>
+            <p:ph type="sldNum" sz="quarter" idx="10"/>
+          </p:nvPr>
+        </p:nvSpPr>
+        <p:spPr/>
+        <p:txBody>
+          <a:bodyPr/>
+          <a:lstStyle/>
+          <a:p>
+            <a:fld id="{03BA8D9E-DD24-EA4F-8256-1AF825A25E9E}" type="slidenum">
+              <a:rPr lang="en-US" smtClean="0"/>
+              <a:t>16</a:t>
+            </a:fld>
+            <a:endParaRPr lang="en-US"/>
+          </a:p>
+        </p:txBody>
+      </p:sp>
+    </p:spTree>
+    <p:extLst>
+      <p:ext uri="{BB962C8B-B14F-4D97-AF65-F5344CB8AC3E}">
+        <p14:creationId xmlns:p14="http://schemas.microsoft.com/office/powerpoint/2010/main" val="843309140"/>
+      </p:ext>
+    </p:extLst>
+  </p:cSld>
+  <p:clrMapOvr>
+    <a:masterClrMapping/>
+  </p:clrMapOvr>
+</p:notes>
+</file>
+
+<file path=ppt/notesSlides/notesSlide4.xml><?xml version="1.0" encoding="utf-8"?>
+<p:notes xmlns:a="http://schemas.openxmlformats.org/drawingml/2006/main" xmlns:r="http://schemas.openxmlformats.org/officeDocument/2006/relationships" xmlns:p="http://schemas.openxmlformats.org/presentationml/2006/main">
+  <p:cSld>
+    <p:spTree>
+      <p:nvGrpSpPr>
+        <p:cNvPr id="1" name=""/>
+        <p:cNvGrpSpPr/>
+        <p:nvPr/>
+      </p:nvGrpSpPr>
+      <p:grpSpPr>
+        <a:xfrm>
+          <a:off x="0" y="0"/>
+          <a:ext cx="0" cy="0"/>
+          <a:chOff x="0" y="0"/>
+          <a:chExt cx="0" cy="0"/>
+        </a:xfrm>
+      </p:grpSpPr>
+      <p:sp>
+        <p:nvSpPr>
+          <p:cNvPr id="2" name="Slide Image Placeholder 1"/>
+          <p:cNvSpPr>
+            <a:spLocks noGrp="1" noRot="1" noChangeAspect="1"/>
+          </p:cNvSpPr>
+          <p:nvPr>
+            <p:ph type="sldImg"/>
+          </p:nvPr>
+        </p:nvSpPr>
+        <p:spPr/>
+      </p:sp>
+      <p:sp>
+        <p:nvSpPr>
+          <p:cNvPr id="3" name="Notes Placeholder 2"/>
+          <p:cNvSpPr>
+            <a:spLocks noGrp="1"/>
+          </p:cNvSpPr>
+          <p:nvPr>
+            <p:ph type="body" idx="1"/>
+          </p:nvPr>
+        </p:nvSpPr>
+        <p:spPr/>
+        <p:txBody>
+          <a:bodyPr/>
+          <a:lstStyle/>
+          <a:p>
+            <a:endParaRPr lang="en-AU"/>
+          </a:p>
+        </p:txBody>
+      </p:sp>
+      <p:sp>
+        <p:nvSpPr>
+          <p:cNvPr id="4" name="Slide Number Placeholder 3"/>
+          <p:cNvSpPr>
+            <a:spLocks noGrp="1"/>
+          </p:cNvSpPr>
+          <p:nvPr>
+            <p:ph type="sldNum" sz="quarter" idx="10"/>
+          </p:nvPr>
+        </p:nvSpPr>
+        <p:spPr/>
+        <p:txBody>
+          <a:bodyPr/>
+          <a:lstStyle/>
+          <a:p>
+            <a:fld id="{03BA8D9E-DD24-EA4F-8256-1AF825A25E9E}" type="slidenum">
+              <a:rPr lang="en-US" smtClean="0"/>
+              <a:t>28</a:t>
             </a:fld>
             <a:endParaRPr lang="en-US"/>
           </a:p>
@@ -692,7 +869,7 @@
           <p:cNvPr id="2" name="Title 1">
             <a:extLst>
               <a:ext uri="{FF2B5EF4-FFF2-40B4-BE49-F238E27FC236}">
-                <a16:creationId xmlns:a16="http://schemas.microsoft.com/office/drawing/2014/main" xmlns="" id="{B42CDF52-AAE4-4BF1-96B5-CE98861A6695}"/>
+                <a16:creationId xmlns:a16="http://schemas.microsoft.com/office/drawing/2014/main" id="{B42CDF52-AAE4-4BF1-96B5-CE98861A6695}"/>
               </a:ext>
             </a:extLst>
           </p:cNvPr>
@@ -730,7 +907,7 @@
           <p:cNvPr id="3" name="Subtitle 2">
             <a:extLst>
               <a:ext uri="{FF2B5EF4-FFF2-40B4-BE49-F238E27FC236}">
-                <a16:creationId xmlns:a16="http://schemas.microsoft.com/office/drawing/2014/main" xmlns="" id="{762D7731-70DB-46F4-9713-263525BCFB74}"/>
+                <a16:creationId xmlns:a16="http://schemas.microsoft.com/office/drawing/2014/main" id="{762D7731-70DB-46F4-9713-263525BCFB74}"/>
               </a:ext>
             </a:extLst>
           </p:cNvPr>
@@ -801,7 +978,7 @@
           <p:cNvPr id="4" name="Date Placeholder 3">
             <a:extLst>
               <a:ext uri="{FF2B5EF4-FFF2-40B4-BE49-F238E27FC236}">
-                <a16:creationId xmlns:a16="http://schemas.microsoft.com/office/drawing/2014/main" xmlns="" id="{AD08775B-B80C-422E-9198-642F2AA4490D}"/>
+                <a16:creationId xmlns:a16="http://schemas.microsoft.com/office/drawing/2014/main" id="{AD08775B-B80C-422E-9198-642F2AA4490D}"/>
               </a:ext>
             </a:extLst>
           </p:cNvPr>
@@ -819,7 +996,7 @@
           <a:p>
             <a:fld id="{FD37BD70-C169-EE4F-AE0D-7C00031A0453}" type="datetime1">
               <a:rPr lang="en-AU" smtClean="0"/>
-              <a:t>17/7/17</a:t>
+              <a:t>24/07/2017</a:t>
             </a:fld>
             <a:endParaRPr lang="en-AU"/>
           </a:p>
@@ -830,7 +1007,7 @@
           <p:cNvPr id="5" name="Footer Placeholder 4">
             <a:extLst>
               <a:ext uri="{FF2B5EF4-FFF2-40B4-BE49-F238E27FC236}">
-                <a16:creationId xmlns:a16="http://schemas.microsoft.com/office/drawing/2014/main" xmlns="" id="{307EBB7B-3B39-478F-B17D-9544AD681299}"/>
+                <a16:creationId xmlns:a16="http://schemas.microsoft.com/office/drawing/2014/main" id="{307EBB7B-3B39-478F-B17D-9544AD681299}"/>
               </a:ext>
             </a:extLst>
           </p:cNvPr>
@@ -855,7 +1032,7 @@
           <p:cNvPr id="6" name="Slide Number Placeholder 5">
             <a:extLst>
               <a:ext uri="{FF2B5EF4-FFF2-40B4-BE49-F238E27FC236}">
-                <a16:creationId xmlns:a16="http://schemas.microsoft.com/office/drawing/2014/main" xmlns="" id="{E460FA79-AA66-4C20-9772-A5F577FA2224}"/>
+                <a16:creationId xmlns:a16="http://schemas.microsoft.com/office/drawing/2014/main" id="{E460FA79-AA66-4C20-9772-A5F577FA2224}"/>
               </a:ext>
             </a:extLst>
           </p:cNvPr>
@@ -914,7 +1091,7 @@
           <p:cNvPr id="2" name="Title 1">
             <a:extLst>
               <a:ext uri="{FF2B5EF4-FFF2-40B4-BE49-F238E27FC236}">
-                <a16:creationId xmlns:a16="http://schemas.microsoft.com/office/drawing/2014/main" xmlns="" id="{7183F76E-8ABB-451A-BF98-FB76FBA93923}"/>
+                <a16:creationId xmlns:a16="http://schemas.microsoft.com/office/drawing/2014/main" id="{7183F76E-8ABB-451A-BF98-FB76FBA93923}"/>
               </a:ext>
             </a:extLst>
           </p:cNvPr>
@@ -943,7 +1120,7 @@
           <p:cNvPr id="3" name="Vertical Text Placeholder 2">
             <a:extLst>
               <a:ext uri="{FF2B5EF4-FFF2-40B4-BE49-F238E27FC236}">
-                <a16:creationId xmlns:a16="http://schemas.microsoft.com/office/drawing/2014/main" xmlns="" id="{483AE507-EA57-44D1-A424-35D49B6E6719}"/>
+                <a16:creationId xmlns:a16="http://schemas.microsoft.com/office/drawing/2014/main" id="{483AE507-EA57-44D1-A424-35D49B6E6719}"/>
               </a:ext>
             </a:extLst>
           </p:cNvPr>
@@ -1001,7 +1178,7 @@
           <p:cNvPr id="4" name="Date Placeholder 3">
             <a:extLst>
               <a:ext uri="{FF2B5EF4-FFF2-40B4-BE49-F238E27FC236}">
-                <a16:creationId xmlns:a16="http://schemas.microsoft.com/office/drawing/2014/main" xmlns="" id="{6B717FFA-19BF-4A77-BDEF-C6F5CE8C8A37}"/>
+                <a16:creationId xmlns:a16="http://schemas.microsoft.com/office/drawing/2014/main" id="{6B717FFA-19BF-4A77-BDEF-C6F5CE8C8A37}"/>
               </a:ext>
             </a:extLst>
           </p:cNvPr>
@@ -1019,7 +1196,7 @@
           <a:p>
             <a:fld id="{AA5E890D-1061-D549-967B-04E9B46F6844}" type="datetime1">
               <a:rPr lang="en-AU" smtClean="0"/>
-              <a:t>17/7/17</a:t>
+              <a:t>24/07/2017</a:t>
             </a:fld>
             <a:endParaRPr lang="en-AU"/>
           </a:p>
@@ -1030,7 +1207,7 @@
           <p:cNvPr id="5" name="Footer Placeholder 4">
             <a:extLst>
               <a:ext uri="{FF2B5EF4-FFF2-40B4-BE49-F238E27FC236}">
-                <a16:creationId xmlns:a16="http://schemas.microsoft.com/office/drawing/2014/main" xmlns="" id="{34F2DA85-FC4A-4B96-85E2-451A99742610}"/>
+                <a16:creationId xmlns:a16="http://schemas.microsoft.com/office/drawing/2014/main" id="{34F2DA85-FC4A-4B96-85E2-451A99742610}"/>
               </a:ext>
             </a:extLst>
           </p:cNvPr>
@@ -1055,7 +1232,7 @@
           <p:cNvPr id="6" name="Slide Number Placeholder 5">
             <a:extLst>
               <a:ext uri="{FF2B5EF4-FFF2-40B4-BE49-F238E27FC236}">
-                <a16:creationId xmlns:a16="http://schemas.microsoft.com/office/drawing/2014/main" xmlns="" id="{16BCB251-1F6E-4342-B30E-7D4DE0FEF8B1}"/>
+                <a16:creationId xmlns:a16="http://schemas.microsoft.com/office/drawing/2014/main" id="{16BCB251-1F6E-4342-B30E-7D4DE0FEF8B1}"/>
               </a:ext>
             </a:extLst>
           </p:cNvPr>
@@ -1114,7 +1291,7 @@
           <p:cNvPr id="2" name="Vertical Title 1">
             <a:extLst>
               <a:ext uri="{FF2B5EF4-FFF2-40B4-BE49-F238E27FC236}">
-                <a16:creationId xmlns:a16="http://schemas.microsoft.com/office/drawing/2014/main" xmlns="" id="{E69F2F29-9212-4C0B-973C-5BA9CE89306C}"/>
+                <a16:creationId xmlns:a16="http://schemas.microsoft.com/office/drawing/2014/main" id="{E69F2F29-9212-4C0B-973C-5BA9CE89306C}"/>
               </a:ext>
             </a:extLst>
           </p:cNvPr>
@@ -1148,7 +1325,7 @@
           <p:cNvPr id="3" name="Vertical Text Placeholder 2">
             <a:extLst>
               <a:ext uri="{FF2B5EF4-FFF2-40B4-BE49-F238E27FC236}">
-                <a16:creationId xmlns:a16="http://schemas.microsoft.com/office/drawing/2014/main" xmlns="" id="{097C5F51-29A1-4462-B0EB-844051C824FD}"/>
+                <a16:creationId xmlns:a16="http://schemas.microsoft.com/office/drawing/2014/main" id="{097C5F51-29A1-4462-B0EB-844051C824FD}"/>
               </a:ext>
             </a:extLst>
           </p:cNvPr>
@@ -1211,7 +1388,7 @@
           <p:cNvPr id="4" name="Date Placeholder 3">
             <a:extLst>
               <a:ext uri="{FF2B5EF4-FFF2-40B4-BE49-F238E27FC236}">
-                <a16:creationId xmlns:a16="http://schemas.microsoft.com/office/drawing/2014/main" xmlns="" id="{200FA758-44C1-4EC1-B12C-8BC824C0684C}"/>
+                <a16:creationId xmlns:a16="http://schemas.microsoft.com/office/drawing/2014/main" id="{200FA758-44C1-4EC1-B12C-8BC824C0684C}"/>
               </a:ext>
             </a:extLst>
           </p:cNvPr>
@@ -1229,7 +1406,7 @@
           <a:p>
             <a:fld id="{531E7C23-B6B4-F848-9574-D714CDE76D99}" type="datetime1">
               <a:rPr lang="en-AU" smtClean="0"/>
-              <a:t>17/7/17</a:t>
+              <a:t>24/07/2017</a:t>
             </a:fld>
             <a:endParaRPr lang="en-AU"/>
           </a:p>
@@ -1240,7 +1417,7 @@
           <p:cNvPr id="5" name="Footer Placeholder 4">
             <a:extLst>
               <a:ext uri="{FF2B5EF4-FFF2-40B4-BE49-F238E27FC236}">
-                <a16:creationId xmlns:a16="http://schemas.microsoft.com/office/drawing/2014/main" xmlns="" id="{02278603-F1EA-4220-BA09-9843FD547186}"/>
+                <a16:creationId xmlns:a16="http://schemas.microsoft.com/office/drawing/2014/main" id="{02278603-F1EA-4220-BA09-9843FD547186}"/>
               </a:ext>
             </a:extLst>
           </p:cNvPr>
@@ -1265,7 +1442,7 @@
           <p:cNvPr id="6" name="Slide Number Placeholder 5">
             <a:extLst>
               <a:ext uri="{FF2B5EF4-FFF2-40B4-BE49-F238E27FC236}">
-                <a16:creationId xmlns:a16="http://schemas.microsoft.com/office/drawing/2014/main" xmlns="" id="{CC830471-AB6C-4A2D-BFAD-0590FE103BBD}"/>
+                <a16:creationId xmlns:a16="http://schemas.microsoft.com/office/drawing/2014/main" id="{CC830471-AB6C-4A2D-BFAD-0590FE103BBD}"/>
               </a:ext>
             </a:extLst>
           </p:cNvPr>
@@ -1324,7 +1501,7 @@
           <p:cNvPr id="2" name="Title 1">
             <a:extLst>
               <a:ext uri="{FF2B5EF4-FFF2-40B4-BE49-F238E27FC236}">
-                <a16:creationId xmlns:a16="http://schemas.microsoft.com/office/drawing/2014/main" xmlns="" id="{2A9C3CCC-41D1-4813-BFF6-58202A4AB700}"/>
+                <a16:creationId xmlns:a16="http://schemas.microsoft.com/office/drawing/2014/main" id="{2A9C3CCC-41D1-4813-BFF6-58202A4AB700}"/>
               </a:ext>
             </a:extLst>
           </p:cNvPr>
@@ -1353,7 +1530,7 @@
           <p:cNvPr id="3" name="Content Placeholder 2">
             <a:extLst>
               <a:ext uri="{FF2B5EF4-FFF2-40B4-BE49-F238E27FC236}">
-                <a16:creationId xmlns:a16="http://schemas.microsoft.com/office/drawing/2014/main" xmlns="" id="{EBDC119B-0F39-46CD-8CAD-60220D6C2B6C}"/>
+                <a16:creationId xmlns:a16="http://schemas.microsoft.com/office/drawing/2014/main" id="{EBDC119B-0F39-46CD-8CAD-60220D6C2B6C}"/>
               </a:ext>
             </a:extLst>
           </p:cNvPr>
@@ -1411,7 +1588,7 @@
           <p:cNvPr id="4" name="Date Placeholder 3">
             <a:extLst>
               <a:ext uri="{FF2B5EF4-FFF2-40B4-BE49-F238E27FC236}">
-                <a16:creationId xmlns:a16="http://schemas.microsoft.com/office/drawing/2014/main" xmlns="" id="{FCCD99E2-AABA-4189-9BF9-AF037E942227}"/>
+                <a16:creationId xmlns:a16="http://schemas.microsoft.com/office/drawing/2014/main" id="{FCCD99E2-AABA-4189-9BF9-AF037E942227}"/>
               </a:ext>
             </a:extLst>
           </p:cNvPr>
@@ -1429,7 +1606,7 @@
           <a:p>
             <a:fld id="{5D301D3D-5DD0-0F4F-B060-E6738F614076}" type="datetime1">
               <a:rPr lang="en-AU" smtClean="0"/>
-              <a:t>17/7/17</a:t>
+              <a:t>24/07/2017</a:t>
             </a:fld>
             <a:endParaRPr lang="en-AU"/>
           </a:p>
@@ -1440,7 +1617,7 @@
           <p:cNvPr id="5" name="Footer Placeholder 4">
             <a:extLst>
               <a:ext uri="{FF2B5EF4-FFF2-40B4-BE49-F238E27FC236}">
-                <a16:creationId xmlns:a16="http://schemas.microsoft.com/office/drawing/2014/main" xmlns="" id="{84AC3766-DAF9-4A0F-AF85-4DE397A8976D}"/>
+                <a16:creationId xmlns:a16="http://schemas.microsoft.com/office/drawing/2014/main" id="{84AC3766-DAF9-4A0F-AF85-4DE397A8976D}"/>
               </a:ext>
             </a:extLst>
           </p:cNvPr>
@@ -1465,7 +1642,7 @@
           <p:cNvPr id="6" name="Slide Number Placeholder 5">
             <a:extLst>
               <a:ext uri="{FF2B5EF4-FFF2-40B4-BE49-F238E27FC236}">
-                <a16:creationId xmlns:a16="http://schemas.microsoft.com/office/drawing/2014/main" xmlns="" id="{B0FC1266-08A7-40BC-B361-1848F0982087}"/>
+                <a16:creationId xmlns:a16="http://schemas.microsoft.com/office/drawing/2014/main" id="{B0FC1266-08A7-40BC-B361-1848F0982087}"/>
               </a:ext>
             </a:extLst>
           </p:cNvPr>
@@ -1524,7 +1701,7 @@
           <p:cNvPr id="2" name="Title 1">
             <a:extLst>
               <a:ext uri="{FF2B5EF4-FFF2-40B4-BE49-F238E27FC236}">
-                <a16:creationId xmlns:a16="http://schemas.microsoft.com/office/drawing/2014/main" xmlns="" id="{E5718121-4E4B-4082-A16A-AA6972F5905C}"/>
+                <a16:creationId xmlns:a16="http://schemas.microsoft.com/office/drawing/2014/main" id="{E5718121-4E4B-4082-A16A-AA6972F5905C}"/>
               </a:ext>
             </a:extLst>
           </p:cNvPr>
@@ -1562,7 +1739,7 @@
           <p:cNvPr id="3" name="Text Placeholder 2">
             <a:extLst>
               <a:ext uri="{FF2B5EF4-FFF2-40B4-BE49-F238E27FC236}">
-                <a16:creationId xmlns:a16="http://schemas.microsoft.com/office/drawing/2014/main" xmlns="" id="{B97C5024-405F-42FD-B89E-866C2BDF1422}"/>
+                <a16:creationId xmlns:a16="http://schemas.microsoft.com/office/drawing/2014/main" id="{B97C5024-405F-42FD-B89E-866C2BDF1422}"/>
               </a:ext>
             </a:extLst>
           </p:cNvPr>
@@ -1687,7 +1864,7 @@
           <p:cNvPr id="4" name="Date Placeholder 3">
             <a:extLst>
               <a:ext uri="{FF2B5EF4-FFF2-40B4-BE49-F238E27FC236}">
-                <a16:creationId xmlns:a16="http://schemas.microsoft.com/office/drawing/2014/main" xmlns="" id="{0D45D419-9337-478F-970B-1001D6DA6B2B}"/>
+                <a16:creationId xmlns:a16="http://schemas.microsoft.com/office/drawing/2014/main" id="{0D45D419-9337-478F-970B-1001D6DA6B2B}"/>
               </a:ext>
             </a:extLst>
           </p:cNvPr>
@@ -1705,7 +1882,7 @@
           <a:p>
             <a:fld id="{E81D2BDB-45F5-134D-9850-4BAEE7B174DC}" type="datetime1">
               <a:rPr lang="en-AU" smtClean="0"/>
-              <a:t>17/7/17</a:t>
+              <a:t>24/07/2017</a:t>
             </a:fld>
             <a:endParaRPr lang="en-AU"/>
           </a:p>
@@ -1716,7 +1893,7 @@
           <p:cNvPr id="5" name="Footer Placeholder 4">
             <a:extLst>
               <a:ext uri="{FF2B5EF4-FFF2-40B4-BE49-F238E27FC236}">
-                <a16:creationId xmlns:a16="http://schemas.microsoft.com/office/drawing/2014/main" xmlns="" id="{7D32997B-6DAD-45AE-8337-B5DDC31A6C14}"/>
+                <a16:creationId xmlns:a16="http://schemas.microsoft.com/office/drawing/2014/main" id="{7D32997B-6DAD-45AE-8337-B5DDC31A6C14}"/>
               </a:ext>
             </a:extLst>
           </p:cNvPr>
@@ -1741,7 +1918,7 @@
           <p:cNvPr id="6" name="Slide Number Placeholder 5">
             <a:extLst>
               <a:ext uri="{FF2B5EF4-FFF2-40B4-BE49-F238E27FC236}">
-                <a16:creationId xmlns:a16="http://schemas.microsoft.com/office/drawing/2014/main" xmlns="" id="{EABD873B-1AD1-4437-8DDA-B790EF3A07B7}"/>
+                <a16:creationId xmlns:a16="http://schemas.microsoft.com/office/drawing/2014/main" id="{EABD873B-1AD1-4437-8DDA-B790EF3A07B7}"/>
               </a:ext>
             </a:extLst>
           </p:cNvPr>
@@ -1800,7 +1977,7 @@
           <p:cNvPr id="2" name="Title 1">
             <a:extLst>
               <a:ext uri="{FF2B5EF4-FFF2-40B4-BE49-F238E27FC236}">
-                <a16:creationId xmlns:a16="http://schemas.microsoft.com/office/drawing/2014/main" xmlns="" id="{995FA342-7CF0-4470-A694-0B10C662F3E7}"/>
+                <a16:creationId xmlns:a16="http://schemas.microsoft.com/office/drawing/2014/main" id="{995FA342-7CF0-4470-A694-0B10C662F3E7}"/>
               </a:ext>
             </a:extLst>
           </p:cNvPr>
@@ -1829,7 +2006,7 @@
           <p:cNvPr id="3" name="Content Placeholder 2">
             <a:extLst>
               <a:ext uri="{FF2B5EF4-FFF2-40B4-BE49-F238E27FC236}">
-                <a16:creationId xmlns:a16="http://schemas.microsoft.com/office/drawing/2014/main" xmlns="" id="{0D36EBCE-3F8A-4548-BA32-4234383A760D}"/>
+                <a16:creationId xmlns:a16="http://schemas.microsoft.com/office/drawing/2014/main" id="{0D36EBCE-3F8A-4548-BA32-4234383A760D}"/>
               </a:ext>
             </a:extLst>
           </p:cNvPr>
@@ -1892,7 +2069,7 @@
           <p:cNvPr id="4" name="Content Placeholder 3">
             <a:extLst>
               <a:ext uri="{FF2B5EF4-FFF2-40B4-BE49-F238E27FC236}">
-                <a16:creationId xmlns:a16="http://schemas.microsoft.com/office/drawing/2014/main" xmlns="" id="{B9A8D023-490B-43CD-92A2-D3EF784ADC43}"/>
+                <a16:creationId xmlns:a16="http://schemas.microsoft.com/office/drawing/2014/main" id="{B9A8D023-490B-43CD-92A2-D3EF784ADC43}"/>
               </a:ext>
             </a:extLst>
           </p:cNvPr>
@@ -1955,7 +2132,7 @@
           <p:cNvPr id="5" name="Date Placeholder 4">
             <a:extLst>
               <a:ext uri="{FF2B5EF4-FFF2-40B4-BE49-F238E27FC236}">
-                <a16:creationId xmlns:a16="http://schemas.microsoft.com/office/drawing/2014/main" xmlns="" id="{799BB4F7-BA15-4816-9247-EC22FAF08EF5}"/>
+                <a16:creationId xmlns:a16="http://schemas.microsoft.com/office/drawing/2014/main" id="{799BB4F7-BA15-4816-9247-EC22FAF08EF5}"/>
               </a:ext>
             </a:extLst>
           </p:cNvPr>
@@ -1973,7 +2150,7 @@
           <a:p>
             <a:fld id="{B3E296D7-817C-DA4D-8B4E-40754920AF10}" type="datetime1">
               <a:rPr lang="en-AU" smtClean="0"/>
-              <a:t>17/7/17</a:t>
+              <a:t>24/07/2017</a:t>
             </a:fld>
             <a:endParaRPr lang="en-AU"/>
           </a:p>
@@ -1984,7 +2161,7 @@
           <p:cNvPr id="6" name="Footer Placeholder 5">
             <a:extLst>
               <a:ext uri="{FF2B5EF4-FFF2-40B4-BE49-F238E27FC236}">
-                <a16:creationId xmlns:a16="http://schemas.microsoft.com/office/drawing/2014/main" xmlns="" id="{DA8736ED-E371-4B49-A286-602D4C5B7ABF}"/>
+                <a16:creationId xmlns:a16="http://schemas.microsoft.com/office/drawing/2014/main" id="{DA8736ED-E371-4B49-A286-602D4C5B7ABF}"/>
               </a:ext>
             </a:extLst>
           </p:cNvPr>
@@ -2009,7 +2186,7 @@
           <p:cNvPr id="7" name="Slide Number Placeholder 6">
             <a:extLst>
               <a:ext uri="{FF2B5EF4-FFF2-40B4-BE49-F238E27FC236}">
-                <a16:creationId xmlns:a16="http://schemas.microsoft.com/office/drawing/2014/main" xmlns="" id="{12106CF6-413A-4D29-B90B-EA95AD4B7245}"/>
+                <a16:creationId xmlns:a16="http://schemas.microsoft.com/office/drawing/2014/main" id="{12106CF6-413A-4D29-B90B-EA95AD4B7245}"/>
               </a:ext>
             </a:extLst>
           </p:cNvPr>
@@ -2068,7 +2245,7 @@
           <p:cNvPr id="2" name="Title 1">
             <a:extLst>
               <a:ext uri="{FF2B5EF4-FFF2-40B4-BE49-F238E27FC236}">
-                <a16:creationId xmlns:a16="http://schemas.microsoft.com/office/drawing/2014/main" xmlns="" id="{8AA107C8-816D-4C82-8189-41D6A3CB95FA}"/>
+                <a16:creationId xmlns:a16="http://schemas.microsoft.com/office/drawing/2014/main" id="{8AA107C8-816D-4C82-8189-41D6A3CB95FA}"/>
               </a:ext>
             </a:extLst>
           </p:cNvPr>
@@ -2102,7 +2279,7 @@
           <p:cNvPr id="3" name="Text Placeholder 2">
             <a:extLst>
               <a:ext uri="{FF2B5EF4-FFF2-40B4-BE49-F238E27FC236}">
-                <a16:creationId xmlns:a16="http://schemas.microsoft.com/office/drawing/2014/main" xmlns="" id="{53F6477F-7F70-4C7E-9DF4-A3508A56687F}"/>
+                <a16:creationId xmlns:a16="http://schemas.microsoft.com/office/drawing/2014/main" id="{53F6477F-7F70-4C7E-9DF4-A3508A56687F}"/>
               </a:ext>
             </a:extLst>
           </p:cNvPr>
@@ -2173,7 +2350,7 @@
           <p:cNvPr id="4" name="Content Placeholder 3">
             <a:extLst>
               <a:ext uri="{FF2B5EF4-FFF2-40B4-BE49-F238E27FC236}">
-                <a16:creationId xmlns:a16="http://schemas.microsoft.com/office/drawing/2014/main" xmlns="" id="{2D15E32D-865D-4B84-9AF2-A0FEFE7E7363}"/>
+                <a16:creationId xmlns:a16="http://schemas.microsoft.com/office/drawing/2014/main" id="{2D15E32D-865D-4B84-9AF2-A0FEFE7E7363}"/>
               </a:ext>
             </a:extLst>
           </p:cNvPr>
@@ -2236,7 +2413,7 @@
           <p:cNvPr id="5" name="Text Placeholder 4">
             <a:extLst>
               <a:ext uri="{FF2B5EF4-FFF2-40B4-BE49-F238E27FC236}">
-                <a16:creationId xmlns:a16="http://schemas.microsoft.com/office/drawing/2014/main" xmlns="" id="{98DB3536-67F2-4738-A644-C2F2144421E8}"/>
+                <a16:creationId xmlns:a16="http://schemas.microsoft.com/office/drawing/2014/main" id="{98DB3536-67F2-4738-A644-C2F2144421E8}"/>
               </a:ext>
             </a:extLst>
           </p:cNvPr>
@@ -2307,7 +2484,7 @@
           <p:cNvPr id="6" name="Content Placeholder 5">
             <a:extLst>
               <a:ext uri="{FF2B5EF4-FFF2-40B4-BE49-F238E27FC236}">
-                <a16:creationId xmlns:a16="http://schemas.microsoft.com/office/drawing/2014/main" xmlns="" id="{B2BE0091-D894-4644-AD15-121BC3D1E046}"/>
+                <a16:creationId xmlns:a16="http://schemas.microsoft.com/office/drawing/2014/main" id="{B2BE0091-D894-4644-AD15-121BC3D1E046}"/>
               </a:ext>
             </a:extLst>
           </p:cNvPr>
@@ -2370,7 +2547,7 @@
           <p:cNvPr id="7" name="Date Placeholder 6">
             <a:extLst>
               <a:ext uri="{FF2B5EF4-FFF2-40B4-BE49-F238E27FC236}">
-                <a16:creationId xmlns:a16="http://schemas.microsoft.com/office/drawing/2014/main" xmlns="" id="{1F3BA17D-9EB0-47F2-8235-0C575182434A}"/>
+                <a16:creationId xmlns:a16="http://schemas.microsoft.com/office/drawing/2014/main" id="{1F3BA17D-9EB0-47F2-8235-0C575182434A}"/>
               </a:ext>
             </a:extLst>
           </p:cNvPr>
@@ -2388,7 +2565,7 @@
           <a:p>
             <a:fld id="{2D2BF31A-20C5-B545-AA33-6B394EC01457}" type="datetime1">
               <a:rPr lang="en-AU" smtClean="0"/>
-              <a:t>17/7/17</a:t>
+              <a:t>24/07/2017</a:t>
             </a:fld>
             <a:endParaRPr lang="en-AU"/>
           </a:p>
@@ -2399,7 +2576,7 @@
           <p:cNvPr id="8" name="Footer Placeholder 7">
             <a:extLst>
               <a:ext uri="{FF2B5EF4-FFF2-40B4-BE49-F238E27FC236}">
-                <a16:creationId xmlns:a16="http://schemas.microsoft.com/office/drawing/2014/main" xmlns="" id="{65E1AD3C-F9C7-406D-869D-1C37FFE7F070}"/>
+                <a16:creationId xmlns:a16="http://schemas.microsoft.com/office/drawing/2014/main" id="{65E1AD3C-F9C7-406D-869D-1C37FFE7F070}"/>
               </a:ext>
             </a:extLst>
           </p:cNvPr>
@@ -2424,7 +2601,7 @@
           <p:cNvPr id="9" name="Slide Number Placeholder 8">
             <a:extLst>
               <a:ext uri="{FF2B5EF4-FFF2-40B4-BE49-F238E27FC236}">
-                <a16:creationId xmlns:a16="http://schemas.microsoft.com/office/drawing/2014/main" xmlns="" id="{191F8686-B252-4CFA-923B-E85522AB26E1}"/>
+                <a16:creationId xmlns:a16="http://schemas.microsoft.com/office/drawing/2014/main" id="{191F8686-B252-4CFA-923B-E85522AB26E1}"/>
               </a:ext>
             </a:extLst>
           </p:cNvPr>
@@ -2483,7 +2660,7 @@
           <p:cNvPr id="2" name="Title 1">
             <a:extLst>
               <a:ext uri="{FF2B5EF4-FFF2-40B4-BE49-F238E27FC236}">
-                <a16:creationId xmlns:a16="http://schemas.microsoft.com/office/drawing/2014/main" xmlns="" id="{70C791CE-7C07-4C82-A754-28341ED28845}"/>
+                <a16:creationId xmlns:a16="http://schemas.microsoft.com/office/drawing/2014/main" id="{70C791CE-7C07-4C82-A754-28341ED28845}"/>
               </a:ext>
             </a:extLst>
           </p:cNvPr>
@@ -2512,7 +2689,7 @@
           <p:cNvPr id="3" name="Date Placeholder 2">
             <a:extLst>
               <a:ext uri="{FF2B5EF4-FFF2-40B4-BE49-F238E27FC236}">
-                <a16:creationId xmlns:a16="http://schemas.microsoft.com/office/drawing/2014/main" xmlns="" id="{E92BF3F8-567F-4EF9-873A-BC49F085D684}"/>
+                <a16:creationId xmlns:a16="http://schemas.microsoft.com/office/drawing/2014/main" id="{E92BF3F8-567F-4EF9-873A-BC49F085D684}"/>
               </a:ext>
             </a:extLst>
           </p:cNvPr>
@@ -2530,7 +2707,7 @@
           <a:p>
             <a:fld id="{AD65C01F-5870-D24F-BA8A-F4213FEE327C}" type="datetime1">
               <a:rPr lang="en-AU" smtClean="0"/>
-              <a:t>17/7/17</a:t>
+              <a:t>24/07/2017</a:t>
             </a:fld>
             <a:endParaRPr lang="en-AU"/>
           </a:p>
@@ -2541,7 +2718,7 @@
           <p:cNvPr id="4" name="Footer Placeholder 3">
             <a:extLst>
               <a:ext uri="{FF2B5EF4-FFF2-40B4-BE49-F238E27FC236}">
-                <a16:creationId xmlns:a16="http://schemas.microsoft.com/office/drawing/2014/main" xmlns="" id="{4E9DA195-FEAD-44E5-AB55-9CEE1366FCF7}"/>
+                <a16:creationId xmlns:a16="http://schemas.microsoft.com/office/drawing/2014/main" id="{4E9DA195-FEAD-44E5-AB55-9CEE1366FCF7}"/>
               </a:ext>
             </a:extLst>
           </p:cNvPr>
@@ -2566,7 +2743,7 @@
           <p:cNvPr id="5" name="Slide Number Placeholder 4">
             <a:extLst>
               <a:ext uri="{FF2B5EF4-FFF2-40B4-BE49-F238E27FC236}">
-                <a16:creationId xmlns:a16="http://schemas.microsoft.com/office/drawing/2014/main" xmlns="" id="{B2E6F79A-F9B6-42A8-9426-53657AF5E2BE}"/>
+                <a16:creationId xmlns:a16="http://schemas.microsoft.com/office/drawing/2014/main" id="{B2E6F79A-F9B6-42A8-9426-53657AF5E2BE}"/>
               </a:ext>
             </a:extLst>
           </p:cNvPr>
@@ -2625,7 +2802,7 @@
           <p:cNvPr id="2" name="Date Placeholder 1">
             <a:extLst>
               <a:ext uri="{FF2B5EF4-FFF2-40B4-BE49-F238E27FC236}">
-                <a16:creationId xmlns:a16="http://schemas.microsoft.com/office/drawing/2014/main" xmlns="" id="{8A8EE45C-EDD7-4E7A-9E82-A5F67E16B5FB}"/>
+                <a16:creationId xmlns:a16="http://schemas.microsoft.com/office/drawing/2014/main" id="{8A8EE45C-EDD7-4E7A-9E82-A5F67E16B5FB}"/>
               </a:ext>
             </a:extLst>
           </p:cNvPr>
@@ -2643,7 +2820,7 @@
           <a:p>
             <a:fld id="{B4B86442-F9E4-3A45-BC77-41EBC9D70B75}" type="datetime1">
               <a:rPr lang="en-AU" smtClean="0"/>
-              <a:t>17/7/17</a:t>
+              <a:t>24/07/2017</a:t>
             </a:fld>
             <a:endParaRPr lang="en-AU"/>
           </a:p>
@@ -2654,7 +2831,7 @@
           <p:cNvPr id="3" name="Footer Placeholder 2">
             <a:extLst>
               <a:ext uri="{FF2B5EF4-FFF2-40B4-BE49-F238E27FC236}">
-                <a16:creationId xmlns:a16="http://schemas.microsoft.com/office/drawing/2014/main" xmlns="" id="{9AECFB9E-151A-4039-BC79-31F2723AF690}"/>
+                <a16:creationId xmlns:a16="http://schemas.microsoft.com/office/drawing/2014/main" id="{9AECFB9E-151A-4039-BC79-31F2723AF690}"/>
               </a:ext>
             </a:extLst>
           </p:cNvPr>
@@ -2679,7 +2856,7 @@
           <p:cNvPr id="4" name="Slide Number Placeholder 3">
             <a:extLst>
               <a:ext uri="{FF2B5EF4-FFF2-40B4-BE49-F238E27FC236}">
-                <a16:creationId xmlns:a16="http://schemas.microsoft.com/office/drawing/2014/main" xmlns="" id="{DA3933F8-E828-44DF-993E-F7246A5BF9D3}"/>
+                <a16:creationId xmlns:a16="http://schemas.microsoft.com/office/drawing/2014/main" id="{DA3933F8-E828-44DF-993E-F7246A5BF9D3}"/>
               </a:ext>
             </a:extLst>
           </p:cNvPr>
@@ -2738,7 +2915,7 @@
           <p:cNvPr id="2" name="Title 1">
             <a:extLst>
               <a:ext uri="{FF2B5EF4-FFF2-40B4-BE49-F238E27FC236}">
-                <a16:creationId xmlns:a16="http://schemas.microsoft.com/office/drawing/2014/main" xmlns="" id="{7A875BA5-167E-4807-BDF6-A897D92B91E6}"/>
+                <a16:creationId xmlns:a16="http://schemas.microsoft.com/office/drawing/2014/main" id="{7A875BA5-167E-4807-BDF6-A897D92B91E6}"/>
               </a:ext>
             </a:extLst>
           </p:cNvPr>
@@ -2776,7 +2953,7 @@
           <p:cNvPr id="3" name="Content Placeholder 2">
             <a:extLst>
               <a:ext uri="{FF2B5EF4-FFF2-40B4-BE49-F238E27FC236}">
-                <a16:creationId xmlns:a16="http://schemas.microsoft.com/office/drawing/2014/main" xmlns="" id="{024430C1-1CB7-455D-8D56-F847015344B2}"/>
+                <a16:creationId xmlns:a16="http://schemas.microsoft.com/office/drawing/2014/main" id="{024430C1-1CB7-455D-8D56-F847015344B2}"/>
               </a:ext>
             </a:extLst>
           </p:cNvPr>
@@ -2867,7 +3044,7 @@
           <p:cNvPr id="4" name="Text Placeholder 3">
             <a:extLst>
               <a:ext uri="{FF2B5EF4-FFF2-40B4-BE49-F238E27FC236}">
-                <a16:creationId xmlns:a16="http://schemas.microsoft.com/office/drawing/2014/main" xmlns="" id="{FE247A35-2E45-459A-9C37-2636294F4522}"/>
+                <a16:creationId xmlns:a16="http://schemas.microsoft.com/office/drawing/2014/main" id="{FE247A35-2E45-459A-9C37-2636294F4522}"/>
               </a:ext>
             </a:extLst>
           </p:cNvPr>
@@ -2938,7 +3115,7 @@
           <p:cNvPr id="5" name="Date Placeholder 4">
             <a:extLst>
               <a:ext uri="{FF2B5EF4-FFF2-40B4-BE49-F238E27FC236}">
-                <a16:creationId xmlns:a16="http://schemas.microsoft.com/office/drawing/2014/main" xmlns="" id="{2DF494C4-9AD3-4768-A18A-F1DA5D0B1F08}"/>
+                <a16:creationId xmlns:a16="http://schemas.microsoft.com/office/drawing/2014/main" id="{2DF494C4-9AD3-4768-A18A-F1DA5D0B1F08}"/>
               </a:ext>
             </a:extLst>
           </p:cNvPr>
@@ -2956,7 +3133,7 @@
           <a:p>
             <a:fld id="{01CBC31E-32FA-B44E-9147-BDF257D7328A}" type="datetime1">
               <a:rPr lang="en-AU" smtClean="0"/>
-              <a:t>17/7/17</a:t>
+              <a:t>24/07/2017</a:t>
             </a:fld>
             <a:endParaRPr lang="en-AU"/>
           </a:p>
@@ -2967,7 +3144,7 @@
           <p:cNvPr id="6" name="Footer Placeholder 5">
             <a:extLst>
               <a:ext uri="{FF2B5EF4-FFF2-40B4-BE49-F238E27FC236}">
-                <a16:creationId xmlns:a16="http://schemas.microsoft.com/office/drawing/2014/main" xmlns="" id="{94A7414B-5C09-4B68-91AD-EEB764988703}"/>
+                <a16:creationId xmlns:a16="http://schemas.microsoft.com/office/drawing/2014/main" id="{94A7414B-5C09-4B68-91AD-EEB764988703}"/>
               </a:ext>
             </a:extLst>
           </p:cNvPr>
@@ -2992,7 +3169,7 @@
           <p:cNvPr id="7" name="Slide Number Placeholder 6">
             <a:extLst>
               <a:ext uri="{FF2B5EF4-FFF2-40B4-BE49-F238E27FC236}">
-                <a16:creationId xmlns:a16="http://schemas.microsoft.com/office/drawing/2014/main" xmlns="" id="{8A939484-89D7-42DA-BB27-D3022EC71669}"/>
+                <a16:creationId xmlns:a16="http://schemas.microsoft.com/office/drawing/2014/main" id="{8A939484-89D7-42DA-BB27-D3022EC71669}"/>
               </a:ext>
             </a:extLst>
           </p:cNvPr>
@@ -3051,7 +3228,7 @@
           <p:cNvPr id="2" name="Title 1">
             <a:extLst>
               <a:ext uri="{FF2B5EF4-FFF2-40B4-BE49-F238E27FC236}">
-                <a16:creationId xmlns:a16="http://schemas.microsoft.com/office/drawing/2014/main" xmlns="" id="{8DF080D4-9DF2-42BC-9FC3-018FCBEAA974}"/>
+                <a16:creationId xmlns:a16="http://schemas.microsoft.com/office/drawing/2014/main" id="{8DF080D4-9DF2-42BC-9FC3-018FCBEAA974}"/>
               </a:ext>
             </a:extLst>
           </p:cNvPr>
@@ -3089,7 +3266,7 @@
           <p:cNvPr id="3" name="Picture Placeholder 2">
             <a:extLst>
               <a:ext uri="{FF2B5EF4-FFF2-40B4-BE49-F238E27FC236}">
-                <a16:creationId xmlns:a16="http://schemas.microsoft.com/office/drawing/2014/main" xmlns="" id="{2B1F453B-2FFB-4F82-9E27-A709CF7F6440}"/>
+                <a16:creationId xmlns:a16="http://schemas.microsoft.com/office/drawing/2014/main" id="{2B1F453B-2FFB-4F82-9E27-A709CF7F6440}"/>
               </a:ext>
             </a:extLst>
           </p:cNvPr>
@@ -3156,7 +3333,7 @@
           <p:cNvPr id="4" name="Text Placeholder 3">
             <a:extLst>
               <a:ext uri="{FF2B5EF4-FFF2-40B4-BE49-F238E27FC236}">
-                <a16:creationId xmlns:a16="http://schemas.microsoft.com/office/drawing/2014/main" xmlns="" id="{081C317D-BEC4-4025-AFD7-C1ACB7F830D8}"/>
+                <a16:creationId xmlns:a16="http://schemas.microsoft.com/office/drawing/2014/main" id="{081C317D-BEC4-4025-AFD7-C1ACB7F830D8}"/>
               </a:ext>
             </a:extLst>
           </p:cNvPr>
@@ -3227,7 +3404,7 @@
           <p:cNvPr id="5" name="Date Placeholder 4">
             <a:extLst>
               <a:ext uri="{FF2B5EF4-FFF2-40B4-BE49-F238E27FC236}">
-                <a16:creationId xmlns:a16="http://schemas.microsoft.com/office/drawing/2014/main" xmlns="" id="{32D280EC-0F3C-4A7E-A8CC-FC0E57EC98A3}"/>
+                <a16:creationId xmlns:a16="http://schemas.microsoft.com/office/drawing/2014/main" id="{32D280EC-0F3C-4A7E-A8CC-FC0E57EC98A3}"/>
               </a:ext>
             </a:extLst>
           </p:cNvPr>
@@ -3245,7 +3422,7 @@
           <a:p>
             <a:fld id="{85B6AABF-4892-604A-8A61-DD9A6F9C430E}" type="datetime1">
               <a:rPr lang="en-AU" smtClean="0"/>
-              <a:t>17/7/17</a:t>
+              <a:t>24/07/2017</a:t>
             </a:fld>
             <a:endParaRPr lang="en-AU"/>
           </a:p>
@@ -3256,7 +3433,7 @@
           <p:cNvPr id="6" name="Footer Placeholder 5">
             <a:extLst>
               <a:ext uri="{FF2B5EF4-FFF2-40B4-BE49-F238E27FC236}">
-                <a16:creationId xmlns:a16="http://schemas.microsoft.com/office/drawing/2014/main" xmlns="" id="{FAB97355-2F4F-4738-AA78-A902C610BB91}"/>
+                <a16:creationId xmlns:a16="http://schemas.microsoft.com/office/drawing/2014/main" id="{FAB97355-2F4F-4738-AA78-A902C610BB91}"/>
               </a:ext>
             </a:extLst>
           </p:cNvPr>
@@ -3281,7 +3458,7 @@
           <p:cNvPr id="7" name="Slide Number Placeholder 6">
             <a:extLst>
               <a:ext uri="{FF2B5EF4-FFF2-40B4-BE49-F238E27FC236}">
-                <a16:creationId xmlns:a16="http://schemas.microsoft.com/office/drawing/2014/main" xmlns="" id="{B2CB6910-6EC9-4BC0-9030-1F54BF04B0B9}"/>
+                <a16:creationId xmlns:a16="http://schemas.microsoft.com/office/drawing/2014/main" id="{B2CB6910-6EC9-4BC0-9030-1F54BF04B0B9}"/>
               </a:ext>
             </a:extLst>
           </p:cNvPr>
@@ -3345,7 +3522,7 @@
           <p:cNvPr id="2" name="Title Placeholder 1">
             <a:extLst>
               <a:ext uri="{FF2B5EF4-FFF2-40B4-BE49-F238E27FC236}">
-                <a16:creationId xmlns:a16="http://schemas.microsoft.com/office/drawing/2014/main" xmlns="" id="{71D0815E-C1ED-4D81-B99D-BA17F97F2572}"/>
+                <a16:creationId xmlns:a16="http://schemas.microsoft.com/office/drawing/2014/main" id="{71D0815E-C1ED-4D81-B99D-BA17F97F2572}"/>
               </a:ext>
             </a:extLst>
           </p:cNvPr>
@@ -3384,7 +3561,7 @@
           <p:cNvPr id="3" name="Text Placeholder 2">
             <a:extLst>
               <a:ext uri="{FF2B5EF4-FFF2-40B4-BE49-F238E27FC236}">
-                <a16:creationId xmlns:a16="http://schemas.microsoft.com/office/drawing/2014/main" xmlns="" id="{39095C07-8347-4DD3-8FFC-487250715060}"/>
+                <a16:creationId xmlns:a16="http://schemas.microsoft.com/office/drawing/2014/main" id="{39095C07-8347-4DD3-8FFC-487250715060}"/>
               </a:ext>
             </a:extLst>
           </p:cNvPr>
@@ -3452,7 +3629,7 @@
           <p:cNvPr id="4" name="Date Placeholder 3">
             <a:extLst>
               <a:ext uri="{FF2B5EF4-FFF2-40B4-BE49-F238E27FC236}">
-                <a16:creationId xmlns:a16="http://schemas.microsoft.com/office/drawing/2014/main" xmlns="" id="{713EA4D0-D889-472E-954D-14FFA3EAE07C}"/>
+                <a16:creationId xmlns:a16="http://schemas.microsoft.com/office/drawing/2014/main" id="{713EA4D0-D889-472E-954D-14FFA3EAE07C}"/>
               </a:ext>
             </a:extLst>
           </p:cNvPr>
@@ -3488,7 +3665,7 @@
           <a:p>
             <a:fld id="{4177F074-3B1D-FD42-999E-F241BC395434}" type="datetime1">
               <a:rPr lang="en-AU" smtClean="0"/>
-              <a:t>17/7/17</a:t>
+              <a:t>24/07/2017</a:t>
             </a:fld>
             <a:endParaRPr lang="en-AU"/>
           </a:p>
@@ -3499,7 +3676,7 @@
           <p:cNvPr id="5" name="Footer Placeholder 4">
             <a:extLst>
               <a:ext uri="{FF2B5EF4-FFF2-40B4-BE49-F238E27FC236}">
-                <a16:creationId xmlns:a16="http://schemas.microsoft.com/office/drawing/2014/main" xmlns="" id="{4C7FB224-ED51-4A58-A2F3-6519C81FDFFE}"/>
+                <a16:creationId xmlns:a16="http://schemas.microsoft.com/office/drawing/2014/main" id="{4C7FB224-ED51-4A58-A2F3-6519C81FDFFE}"/>
               </a:ext>
             </a:extLst>
           </p:cNvPr>
@@ -3542,7 +3719,7 @@
           <p:cNvPr id="6" name="Slide Number Placeholder 5">
             <a:extLst>
               <a:ext uri="{FF2B5EF4-FFF2-40B4-BE49-F238E27FC236}">
-                <a16:creationId xmlns:a16="http://schemas.microsoft.com/office/drawing/2014/main" xmlns="" id="{C654080F-78BF-48C6-86D7-B001649E608D}"/>
+                <a16:creationId xmlns:a16="http://schemas.microsoft.com/office/drawing/2014/main" id="{C654080F-78BF-48C6-86D7-B001649E608D}"/>
               </a:ext>
             </a:extLst>
           </p:cNvPr>
@@ -3911,7 +4088,7 @@
           <p:cNvPr id="2" name="Title 1">
             <a:extLst>
               <a:ext uri="{FF2B5EF4-FFF2-40B4-BE49-F238E27FC236}">
-                <a16:creationId xmlns:a16="http://schemas.microsoft.com/office/drawing/2014/main" xmlns="" id="{6E9598C9-6927-4B4F-865B-DD03C0D5B795}"/>
+                <a16:creationId xmlns:a16="http://schemas.microsoft.com/office/drawing/2014/main" id="{6E9598C9-6927-4B4F-865B-DD03C0D5B795}"/>
               </a:ext>
             </a:extLst>
           </p:cNvPr>
@@ -3947,7 +4124,7 @@
           <p:cNvPr id="3" name="Subtitle 2">
             <a:extLst>
               <a:ext uri="{FF2B5EF4-FFF2-40B4-BE49-F238E27FC236}">
-                <a16:creationId xmlns:a16="http://schemas.microsoft.com/office/drawing/2014/main" xmlns="" id="{47F2041D-10FE-4169-8A0B-D6C386EB4865}"/>
+                <a16:creationId xmlns:a16="http://schemas.microsoft.com/office/drawing/2014/main" id="{47F2041D-10FE-4169-8A0B-D6C386EB4865}"/>
               </a:ext>
             </a:extLst>
           </p:cNvPr>
@@ -5169,10 +5346,10 @@
       </p:grpSpPr>
       <p:sp>
         <p:nvSpPr>
-          <p:cNvPr id="5" name="Title 4">
+          <p:cNvPr id="2" name="Title 1">
             <a:extLst>
               <a:ext uri="{FF2B5EF4-FFF2-40B4-BE49-F238E27FC236}">
-                <a16:creationId xmlns:a16="http://schemas.microsoft.com/office/drawing/2014/main" xmlns="" id="{6578CB6B-7937-4CEE-8D86-961052ACE278}"/>
+                <a16:creationId xmlns:a16="http://schemas.microsoft.com/office/drawing/2014/main" id="{E8B1EC03-3AF8-4A58-81C4-512114D83097}"/>
               </a:ext>
             </a:extLst>
           </p:cNvPr>
@@ -5189,18 +5366,18 @@
           <a:lstStyle/>
           <a:p>
             <a:r>
-              <a:rPr lang="en-AU"/>
-              <a:t>Bootstrapping computations</a:t>
-            </a:r>
-          </a:p>
-        </p:txBody>
-      </p:sp>
-      <p:sp>
-        <p:nvSpPr>
-          <p:cNvPr id="6" name="Text Placeholder 5">
+              <a:rPr lang="en-AU" dirty="0"/>
+              <a:t>Quick review of the HPC</a:t>
+            </a:r>
+          </a:p>
+        </p:txBody>
+      </p:sp>
+      <p:sp>
+        <p:nvSpPr>
+          <p:cNvPr id="3" name="Text Placeholder 2">
             <a:extLst>
               <a:ext uri="{FF2B5EF4-FFF2-40B4-BE49-F238E27FC236}">
-                <a16:creationId xmlns:a16="http://schemas.microsoft.com/office/drawing/2014/main" xmlns="" id="{A10FB840-968E-493B-B30C-1C80ED48D53B}"/>
+                <a16:creationId xmlns:a16="http://schemas.microsoft.com/office/drawing/2014/main" id="{8C24A778-FC21-4977-8478-35259B3641B7}"/>
               </a:ext>
             </a:extLst>
           </p:cNvPr>
@@ -5216,7 +5393,10 @@
           <a:bodyPr/>
           <a:lstStyle/>
           <a:p>
-            <a:endParaRPr lang="en-AU"/>
+            <a:r>
+              <a:rPr lang="en-AU" dirty="0"/>
+              <a:t>I promise its quick!</a:t>
+            </a:r>
           </a:p>
         </p:txBody>
       </p:sp>
@@ -5225,7 +5405,7 @@
           <p:cNvPr id="4" name="Slide Number Placeholder 3">
             <a:extLst>
               <a:ext uri="{FF2B5EF4-FFF2-40B4-BE49-F238E27FC236}">
-                <a16:creationId xmlns:a16="http://schemas.microsoft.com/office/drawing/2014/main" xmlns="" id="{1AA59A5D-7E79-4160-92D1-B6FDB59CF2E4}"/>
+                <a16:creationId xmlns:a16="http://schemas.microsoft.com/office/drawing/2014/main" id="{17858A9A-E9A8-4498-B421-19BEFEFBC2B5}"/>
               </a:ext>
             </a:extLst>
           </p:cNvPr>
@@ -5244,6 +5424,5684 @@
             <a:fld id="{027315CF-1C63-4A2B-8455-6CD6E5AB9463}" type="slidenum">
               <a:rPr lang="en-AU" smtClean="0"/>
               <a:t>13</a:t>
+            </a:fld>
+            <a:endParaRPr lang="en-AU"/>
+          </a:p>
+        </p:txBody>
+      </p:sp>
+    </p:spTree>
+    <p:extLst>
+      <p:ext uri="{BB962C8B-B14F-4D97-AF65-F5344CB8AC3E}">
+        <p14:creationId xmlns:p14="http://schemas.microsoft.com/office/powerpoint/2010/main" val="2728570205"/>
+      </p:ext>
+    </p:extLst>
+  </p:cSld>
+  <p:clrMapOvr>
+    <a:masterClrMapping/>
+  </p:clrMapOvr>
+</p:sld>
+</file>
+
+<file path=ppt/slides/slide14.xml><?xml version="1.0" encoding="utf-8"?>
+<p:sld xmlns:a="http://schemas.openxmlformats.org/drawingml/2006/main" xmlns:r="http://schemas.openxmlformats.org/officeDocument/2006/relationships" xmlns:p="http://schemas.openxmlformats.org/presentationml/2006/main">
+  <p:cSld>
+    <p:spTree>
+      <p:nvGrpSpPr>
+        <p:cNvPr id="1" name=""/>
+        <p:cNvGrpSpPr/>
+        <p:nvPr/>
+      </p:nvGrpSpPr>
+      <p:grpSpPr>
+        <a:xfrm>
+          <a:off x="0" y="0"/>
+          <a:ext cx="0" cy="0"/>
+          <a:chOff x="0" y="0"/>
+          <a:chExt cx="0" cy="0"/>
+        </a:xfrm>
+      </p:grpSpPr>
+      <p:sp>
+        <p:nvSpPr>
+          <p:cNvPr id="124" name="Cloud 123">
+            <a:extLst>
+              <a:ext uri="{FF2B5EF4-FFF2-40B4-BE49-F238E27FC236}">
+                <a16:creationId xmlns:a16="http://schemas.microsoft.com/office/drawing/2014/main" id="{CE755937-90AF-4A92-9370-230157B99C9E}"/>
+              </a:ext>
+            </a:extLst>
+          </p:cNvPr>
+          <p:cNvSpPr/>
+          <p:nvPr/>
+        </p:nvSpPr>
+        <p:spPr>
+          <a:xfrm>
+            <a:off x="3473448" y="-1013620"/>
+            <a:ext cx="12947652" cy="7033419"/>
+          </a:xfrm>
+          <a:prstGeom prst="cloud">
+            <a:avLst/>
+          </a:prstGeom>
+          <a:solidFill>
+            <a:schemeClr val="accent6">
+              <a:alpha val="50000"/>
+            </a:schemeClr>
+          </a:solidFill>
+          <a:ln>
+            <a:noFill/>
+          </a:ln>
+        </p:spPr>
+        <p:style>
+          <a:lnRef idx="0">
+            <a:scrgbClr r="0" g="0" b="0"/>
+          </a:lnRef>
+          <a:fillRef idx="0">
+            <a:scrgbClr r="0" g="0" b="0"/>
+          </a:fillRef>
+          <a:effectRef idx="0">
+            <a:scrgbClr r="0" g="0" b="0"/>
+          </a:effectRef>
+          <a:fontRef idx="minor">
+            <a:schemeClr val="lt1"/>
+          </a:fontRef>
+        </p:style>
+        <p:txBody>
+          <a:bodyPr rtlCol="0" anchor="ctr"/>
+          <a:lstStyle/>
+          <a:p>
+            <a:pPr algn="ctr"/>
+            <a:endParaRPr lang="en-AU"/>
+          </a:p>
+        </p:txBody>
+      </p:sp>
+      <p:sp>
+        <p:nvSpPr>
+          <p:cNvPr id="4" name="Slide Number Placeholder 3">
+            <a:extLst>
+              <a:ext uri="{FF2B5EF4-FFF2-40B4-BE49-F238E27FC236}">
+                <a16:creationId xmlns:a16="http://schemas.microsoft.com/office/drawing/2014/main" id="{29FCE29A-5BA2-44A9-9ECD-A31B5E77F813}"/>
+              </a:ext>
+            </a:extLst>
+          </p:cNvPr>
+          <p:cNvSpPr>
+            <a:spLocks noGrp="1"/>
+          </p:cNvSpPr>
+          <p:nvPr>
+            <p:ph type="sldNum" sz="quarter" idx="12"/>
+          </p:nvPr>
+        </p:nvSpPr>
+        <p:spPr>
+          <a:xfrm>
+            <a:off x="8610600" y="6356350"/>
+            <a:ext cx="2743200" cy="365125"/>
+          </a:xfrm>
+        </p:spPr>
+        <p:txBody>
+          <a:bodyPr/>
+          <a:lstStyle/>
+          <a:p>
+            <a:fld id="{027315CF-1C63-4A2B-8455-6CD6E5AB9463}" type="slidenum">
+              <a:rPr lang="en-AU" smtClean="0"/>
+              <a:t>14</a:t>
+            </a:fld>
+            <a:endParaRPr lang="en-AU" dirty="0"/>
+          </a:p>
+        </p:txBody>
+      </p:sp>
+      <p:sp>
+        <p:nvSpPr>
+          <p:cNvPr id="8" name="Oval 7">
+            <a:extLst>
+              <a:ext uri="{FF2B5EF4-FFF2-40B4-BE49-F238E27FC236}">
+                <a16:creationId xmlns:a16="http://schemas.microsoft.com/office/drawing/2014/main" id="{DF50F056-A184-42AD-8DF5-D1D4B48B7B0E}"/>
+              </a:ext>
+            </a:extLst>
+          </p:cNvPr>
+          <p:cNvSpPr/>
+          <p:nvPr/>
+        </p:nvSpPr>
+        <p:spPr>
+          <a:xfrm>
+            <a:off x="292098" y="562770"/>
+            <a:ext cx="1638300" cy="592138"/>
+          </a:xfrm>
+          <a:prstGeom prst="ellipse">
+            <a:avLst/>
+          </a:prstGeom>
+        </p:spPr>
+        <p:style>
+          <a:lnRef idx="2">
+            <a:schemeClr val="accent5"/>
+          </a:lnRef>
+          <a:fillRef idx="1">
+            <a:schemeClr val="lt1"/>
+          </a:fillRef>
+          <a:effectRef idx="0">
+            <a:schemeClr val="accent5"/>
+          </a:effectRef>
+          <a:fontRef idx="minor">
+            <a:schemeClr val="dk1"/>
+          </a:fontRef>
+        </p:style>
+        <p:txBody>
+          <a:bodyPr rtlCol="0" anchor="ctr"/>
+          <a:lstStyle/>
+          <a:p>
+            <a:pPr algn="ctr"/>
+            <a:r>
+              <a:rPr lang="en-AU" dirty="0"/>
+              <a:t>Dharmesh</a:t>
+            </a:r>
+          </a:p>
+        </p:txBody>
+      </p:sp>
+      <p:sp>
+        <p:nvSpPr>
+          <p:cNvPr id="9" name="Oval 8">
+            <a:extLst>
+              <a:ext uri="{FF2B5EF4-FFF2-40B4-BE49-F238E27FC236}">
+                <a16:creationId xmlns:a16="http://schemas.microsoft.com/office/drawing/2014/main" id="{A26B7D3E-71FB-445B-A932-9E78786BFD8E}"/>
+              </a:ext>
+            </a:extLst>
+          </p:cNvPr>
+          <p:cNvSpPr/>
+          <p:nvPr/>
+        </p:nvSpPr>
+        <p:spPr>
+          <a:xfrm>
+            <a:off x="292098" y="1647032"/>
+            <a:ext cx="1638300" cy="592138"/>
+          </a:xfrm>
+          <a:prstGeom prst="ellipse">
+            <a:avLst/>
+          </a:prstGeom>
+        </p:spPr>
+        <p:style>
+          <a:lnRef idx="2">
+            <a:schemeClr val="accent5"/>
+          </a:lnRef>
+          <a:fillRef idx="1">
+            <a:schemeClr val="lt1"/>
+          </a:fillRef>
+          <a:effectRef idx="0">
+            <a:schemeClr val="accent5"/>
+          </a:effectRef>
+          <a:fontRef idx="minor">
+            <a:schemeClr val="dk1"/>
+          </a:fontRef>
+        </p:style>
+        <p:txBody>
+          <a:bodyPr rtlCol="0" anchor="ctr"/>
+          <a:lstStyle/>
+          <a:p>
+            <a:pPr algn="ctr"/>
+            <a:r>
+              <a:rPr lang="en-AU" dirty="0"/>
+              <a:t>Soroor</a:t>
+            </a:r>
+          </a:p>
+        </p:txBody>
+      </p:sp>
+      <p:sp>
+        <p:nvSpPr>
+          <p:cNvPr id="10" name="Oval 9">
+            <a:extLst>
+              <a:ext uri="{FF2B5EF4-FFF2-40B4-BE49-F238E27FC236}">
+                <a16:creationId xmlns:a16="http://schemas.microsoft.com/office/drawing/2014/main" id="{30BC3CF9-FE26-471C-8507-C85C491CFAED}"/>
+              </a:ext>
+            </a:extLst>
+          </p:cNvPr>
+          <p:cNvSpPr/>
+          <p:nvPr/>
+        </p:nvSpPr>
+        <p:spPr>
+          <a:xfrm>
+            <a:off x="292098" y="2731294"/>
+            <a:ext cx="1638300" cy="592138"/>
+          </a:xfrm>
+          <a:prstGeom prst="ellipse">
+            <a:avLst/>
+          </a:prstGeom>
+        </p:spPr>
+        <p:style>
+          <a:lnRef idx="2">
+            <a:schemeClr val="accent5"/>
+          </a:lnRef>
+          <a:fillRef idx="1">
+            <a:schemeClr val="lt1"/>
+          </a:fillRef>
+          <a:effectRef idx="0">
+            <a:schemeClr val="accent5"/>
+          </a:effectRef>
+          <a:fontRef idx="minor">
+            <a:schemeClr val="dk1"/>
+          </a:fontRef>
+        </p:style>
+        <p:txBody>
+          <a:bodyPr rtlCol="0" anchor="ctr"/>
+          <a:lstStyle/>
+          <a:p>
+            <a:pPr algn="ctr"/>
+            <a:r>
+              <a:rPr lang="en-AU" dirty="0"/>
+              <a:t>Skynet (</a:t>
+            </a:r>
+            <a:r>
+              <a:rPr lang="en-AU" dirty="0" err="1"/>
+              <a:t>Shhh</a:t>
+            </a:r>
+            <a:r>
+              <a:rPr lang="en-AU" dirty="0"/>
+              <a:t>…)</a:t>
+            </a:r>
+          </a:p>
+        </p:txBody>
+      </p:sp>
+      <p:sp>
+        <p:nvSpPr>
+          <p:cNvPr id="16" name="Rectangle 15">
+            <a:extLst>
+              <a:ext uri="{FF2B5EF4-FFF2-40B4-BE49-F238E27FC236}">
+                <a16:creationId xmlns:a16="http://schemas.microsoft.com/office/drawing/2014/main" id="{0105A4A8-FD6A-4BB7-ACB7-53624ACCE662}"/>
+              </a:ext>
+            </a:extLst>
+          </p:cNvPr>
+          <p:cNvSpPr/>
+          <p:nvPr/>
+        </p:nvSpPr>
+        <p:spPr>
+          <a:xfrm>
+            <a:off x="5194299" y="161131"/>
+            <a:ext cx="1485900" cy="1658938"/>
+          </a:xfrm>
+          <a:prstGeom prst="rect">
+            <a:avLst/>
+          </a:prstGeom>
+        </p:spPr>
+        <p:style>
+          <a:lnRef idx="2">
+            <a:schemeClr val="accent6"/>
+          </a:lnRef>
+          <a:fillRef idx="1">
+            <a:schemeClr val="lt1"/>
+          </a:fillRef>
+          <a:effectRef idx="0">
+            <a:schemeClr val="accent6"/>
+          </a:effectRef>
+          <a:fontRef idx="minor">
+            <a:schemeClr val="dk1"/>
+          </a:fontRef>
+        </p:style>
+        <p:txBody>
+          <a:bodyPr rtlCol="0" anchor="ctr"/>
+          <a:lstStyle/>
+          <a:p>
+            <a:pPr algn="ctr"/>
+            <a:r>
+              <a:rPr lang="en-AU" dirty="0"/>
+              <a:t>Head node (Fat node)</a:t>
+            </a:r>
+          </a:p>
+        </p:txBody>
+      </p:sp>
+      <p:grpSp>
+        <p:nvGrpSpPr>
+          <p:cNvPr id="121" name="Group 120">
+            <a:extLst>
+              <a:ext uri="{FF2B5EF4-FFF2-40B4-BE49-F238E27FC236}">
+                <a16:creationId xmlns:a16="http://schemas.microsoft.com/office/drawing/2014/main" id="{249734CF-91AE-4601-9F1E-735ACD43513C}"/>
+              </a:ext>
+            </a:extLst>
+          </p:cNvPr>
+          <p:cNvGrpSpPr/>
+          <p:nvPr/>
+        </p:nvGrpSpPr>
+        <p:grpSpPr>
+          <a:xfrm>
+            <a:off x="7778748" y="161131"/>
+            <a:ext cx="4210052" cy="4622800"/>
+            <a:chOff x="6267448" y="863600"/>
+            <a:chExt cx="4210052" cy="4622800"/>
+          </a:xfrm>
+        </p:grpSpPr>
+        <p:sp>
+          <p:nvSpPr>
+            <p:cNvPr id="17" name="Rectangle 16">
+              <a:extLst>
+                <a:ext uri="{FF2B5EF4-FFF2-40B4-BE49-F238E27FC236}">
+                  <a16:creationId xmlns:a16="http://schemas.microsoft.com/office/drawing/2014/main" id="{F57017F3-9CA5-4E8A-9D06-6B36E03F15BB}"/>
+                </a:ext>
+              </a:extLst>
+            </p:cNvPr>
+            <p:cNvSpPr/>
+            <p:nvPr/>
+          </p:nvSpPr>
+          <p:spPr>
+            <a:xfrm>
+              <a:off x="6267448" y="863600"/>
+              <a:ext cx="4210052" cy="4622800"/>
+            </a:xfrm>
+            <a:prstGeom prst="rect">
+              <a:avLst/>
+            </a:prstGeom>
+          </p:spPr>
+          <p:style>
+            <a:lnRef idx="2">
+              <a:schemeClr val="accent6"/>
+            </a:lnRef>
+            <a:fillRef idx="1">
+              <a:schemeClr val="lt1"/>
+            </a:fillRef>
+            <a:effectRef idx="0">
+              <a:schemeClr val="accent6"/>
+            </a:effectRef>
+            <a:fontRef idx="minor">
+              <a:schemeClr val="dk1"/>
+            </a:fontRef>
+          </p:style>
+          <p:txBody>
+            <a:bodyPr rtlCol="0" anchor="t"/>
+            <a:lstStyle/>
+            <a:p>
+              <a:pPr algn="ctr"/>
+              <a:r>
+                <a:rPr lang="en-AU" dirty="0"/>
+                <a:t>26 nodes</a:t>
+              </a:r>
+            </a:p>
+          </p:txBody>
+        </p:sp>
+        <p:grpSp>
+          <p:nvGrpSpPr>
+            <p:cNvPr id="32" name="Group 31">
+              <a:extLst>
+                <a:ext uri="{FF2B5EF4-FFF2-40B4-BE49-F238E27FC236}">
+                  <a16:creationId xmlns:a16="http://schemas.microsoft.com/office/drawing/2014/main" id="{ED8B497E-265E-4B02-9377-1A0B51407449}"/>
+                </a:ext>
+              </a:extLst>
+            </p:cNvPr>
+            <p:cNvGrpSpPr/>
+            <p:nvPr/>
+          </p:nvGrpSpPr>
+          <p:grpSpPr>
+            <a:xfrm>
+              <a:off x="6527799" y="1473200"/>
+              <a:ext cx="1117600" cy="1092200"/>
+              <a:chOff x="6718300" y="990599"/>
+              <a:chExt cx="1117600" cy="1092200"/>
+            </a:xfrm>
+          </p:grpSpPr>
+          <p:sp>
+            <p:nvSpPr>
+              <p:cNvPr id="18" name="Rectangle 17">
+                <a:extLst>
+                  <a:ext uri="{FF2B5EF4-FFF2-40B4-BE49-F238E27FC236}">
+                    <a16:creationId xmlns:a16="http://schemas.microsoft.com/office/drawing/2014/main" id="{67FC34C6-A4C2-4CF5-9A3D-A699732DA657}"/>
+                  </a:ext>
+                </a:extLst>
+              </p:cNvPr>
+              <p:cNvSpPr/>
+              <p:nvPr/>
+            </p:nvSpPr>
+            <p:spPr>
+              <a:xfrm>
+                <a:off x="6718300" y="990599"/>
+                <a:ext cx="1117600" cy="1092200"/>
+              </a:xfrm>
+              <a:prstGeom prst="rect">
+                <a:avLst/>
+              </a:prstGeom>
+            </p:spPr>
+            <p:style>
+              <a:lnRef idx="2">
+                <a:schemeClr val="accent6"/>
+              </a:lnRef>
+              <a:fillRef idx="1">
+                <a:schemeClr val="lt1"/>
+              </a:fillRef>
+              <a:effectRef idx="0">
+                <a:schemeClr val="accent6"/>
+              </a:effectRef>
+              <a:fontRef idx="minor">
+                <a:schemeClr val="dk1"/>
+              </a:fontRef>
+            </p:style>
+            <p:txBody>
+              <a:bodyPr rtlCol="0" anchor="t"/>
+              <a:lstStyle/>
+              <a:p>
+                <a:pPr algn="ctr"/>
+                <a:r>
+                  <a:rPr lang="en-AU" sz="1200" dirty="0"/>
+                  <a:t>Node (56 procs)</a:t>
+                </a:r>
+              </a:p>
+            </p:txBody>
+          </p:sp>
+          <p:sp>
+            <p:nvSpPr>
+              <p:cNvPr id="20" name="Rectangle 19">
+                <a:extLst>
+                  <a:ext uri="{FF2B5EF4-FFF2-40B4-BE49-F238E27FC236}">
+                    <a16:creationId xmlns:a16="http://schemas.microsoft.com/office/drawing/2014/main" id="{9E56E1E6-D95A-495E-86D0-597406C40FB4}"/>
+                  </a:ext>
+                </a:extLst>
+              </p:cNvPr>
+              <p:cNvSpPr/>
+              <p:nvPr/>
+            </p:nvSpPr>
+            <p:spPr>
+              <a:xfrm>
+                <a:off x="6896100" y="1460499"/>
+                <a:ext cx="228600" cy="152400"/>
+              </a:xfrm>
+              <a:prstGeom prst="rect">
+                <a:avLst/>
+              </a:prstGeom>
+            </p:spPr>
+            <p:style>
+              <a:lnRef idx="2">
+                <a:schemeClr val="accent6"/>
+              </a:lnRef>
+              <a:fillRef idx="1">
+                <a:schemeClr val="lt1"/>
+              </a:fillRef>
+              <a:effectRef idx="0">
+                <a:schemeClr val="accent6"/>
+              </a:effectRef>
+              <a:fontRef idx="minor">
+                <a:schemeClr val="dk1"/>
+              </a:fontRef>
+            </p:style>
+            <p:txBody>
+              <a:bodyPr rtlCol="0" anchor="ctr"/>
+              <a:lstStyle/>
+              <a:p>
+                <a:pPr algn="ctr"/>
+                <a:endParaRPr lang="en-AU"/>
+              </a:p>
+            </p:txBody>
+          </p:sp>
+          <p:sp>
+            <p:nvSpPr>
+              <p:cNvPr id="23" name="Rectangle 22">
+                <a:extLst>
+                  <a:ext uri="{FF2B5EF4-FFF2-40B4-BE49-F238E27FC236}">
+                    <a16:creationId xmlns:a16="http://schemas.microsoft.com/office/drawing/2014/main" id="{F474DEFC-7606-40E4-B97B-6B816BEAF27C}"/>
+                  </a:ext>
+                </a:extLst>
+              </p:cNvPr>
+              <p:cNvSpPr/>
+              <p:nvPr/>
+            </p:nvSpPr>
+            <p:spPr>
+              <a:xfrm>
+                <a:off x="6896100" y="1825625"/>
+                <a:ext cx="228600" cy="152400"/>
+              </a:xfrm>
+              <a:prstGeom prst="rect">
+                <a:avLst/>
+              </a:prstGeom>
+            </p:spPr>
+            <p:style>
+              <a:lnRef idx="2">
+                <a:schemeClr val="accent6"/>
+              </a:lnRef>
+              <a:fillRef idx="1">
+                <a:schemeClr val="lt1"/>
+              </a:fillRef>
+              <a:effectRef idx="0">
+                <a:schemeClr val="accent6"/>
+              </a:effectRef>
+              <a:fontRef idx="minor">
+                <a:schemeClr val="dk1"/>
+              </a:fontRef>
+            </p:style>
+            <p:txBody>
+              <a:bodyPr rtlCol="0" anchor="ctr"/>
+              <a:lstStyle/>
+              <a:p>
+                <a:pPr algn="ctr"/>
+                <a:endParaRPr lang="en-AU"/>
+              </a:p>
+            </p:txBody>
+          </p:sp>
+          <p:sp>
+            <p:nvSpPr>
+              <p:cNvPr id="24" name="Rectangle 23">
+                <a:extLst>
+                  <a:ext uri="{FF2B5EF4-FFF2-40B4-BE49-F238E27FC236}">
+                    <a16:creationId xmlns:a16="http://schemas.microsoft.com/office/drawing/2014/main" id="{FE58C732-555E-42D8-BDE6-90DD3E6E22E3}"/>
+                  </a:ext>
+                </a:extLst>
+              </p:cNvPr>
+              <p:cNvSpPr/>
+              <p:nvPr/>
+            </p:nvSpPr>
+            <p:spPr>
+              <a:xfrm>
+                <a:off x="6896100" y="1643062"/>
+                <a:ext cx="228600" cy="152400"/>
+              </a:xfrm>
+              <a:prstGeom prst="rect">
+                <a:avLst/>
+              </a:prstGeom>
+            </p:spPr>
+            <p:style>
+              <a:lnRef idx="2">
+                <a:schemeClr val="accent6"/>
+              </a:lnRef>
+              <a:fillRef idx="1">
+                <a:schemeClr val="lt1"/>
+              </a:fillRef>
+              <a:effectRef idx="0">
+                <a:schemeClr val="accent6"/>
+              </a:effectRef>
+              <a:fontRef idx="minor">
+                <a:schemeClr val="dk1"/>
+              </a:fontRef>
+            </p:style>
+            <p:txBody>
+              <a:bodyPr rtlCol="0" anchor="ctr"/>
+              <a:lstStyle/>
+              <a:p>
+                <a:pPr algn="ctr"/>
+                <a:endParaRPr lang="en-AU"/>
+              </a:p>
+            </p:txBody>
+          </p:sp>
+          <p:sp>
+            <p:nvSpPr>
+              <p:cNvPr id="25" name="Rectangle 24">
+                <a:extLst>
+                  <a:ext uri="{FF2B5EF4-FFF2-40B4-BE49-F238E27FC236}">
+                    <a16:creationId xmlns:a16="http://schemas.microsoft.com/office/drawing/2014/main" id="{FE86CFD8-A84D-4807-A915-1A7EFA96957C}"/>
+                  </a:ext>
+                </a:extLst>
+              </p:cNvPr>
+              <p:cNvSpPr/>
+              <p:nvPr/>
+            </p:nvSpPr>
+            <p:spPr>
+              <a:xfrm>
+                <a:off x="7162800" y="1465261"/>
+                <a:ext cx="228600" cy="152400"/>
+              </a:xfrm>
+              <a:prstGeom prst="rect">
+                <a:avLst/>
+              </a:prstGeom>
+            </p:spPr>
+            <p:style>
+              <a:lnRef idx="2">
+                <a:schemeClr val="accent6"/>
+              </a:lnRef>
+              <a:fillRef idx="1">
+                <a:schemeClr val="lt1"/>
+              </a:fillRef>
+              <a:effectRef idx="0">
+                <a:schemeClr val="accent6"/>
+              </a:effectRef>
+              <a:fontRef idx="minor">
+                <a:schemeClr val="dk1"/>
+              </a:fontRef>
+            </p:style>
+            <p:txBody>
+              <a:bodyPr rtlCol="0" anchor="ctr"/>
+              <a:lstStyle/>
+              <a:p>
+                <a:pPr algn="ctr"/>
+                <a:endParaRPr lang="en-AU"/>
+              </a:p>
+            </p:txBody>
+          </p:sp>
+          <p:sp>
+            <p:nvSpPr>
+              <p:cNvPr id="26" name="Rectangle 25">
+                <a:extLst>
+                  <a:ext uri="{FF2B5EF4-FFF2-40B4-BE49-F238E27FC236}">
+                    <a16:creationId xmlns:a16="http://schemas.microsoft.com/office/drawing/2014/main" id="{BA74E22B-F7AB-498E-BBD8-CD7FA9BAADE0}"/>
+                  </a:ext>
+                </a:extLst>
+              </p:cNvPr>
+              <p:cNvSpPr/>
+              <p:nvPr/>
+            </p:nvSpPr>
+            <p:spPr>
+              <a:xfrm>
+                <a:off x="7162800" y="1832768"/>
+                <a:ext cx="228600" cy="152400"/>
+              </a:xfrm>
+              <a:prstGeom prst="rect">
+                <a:avLst/>
+              </a:prstGeom>
+            </p:spPr>
+            <p:style>
+              <a:lnRef idx="2">
+                <a:schemeClr val="accent6"/>
+              </a:lnRef>
+              <a:fillRef idx="1">
+                <a:schemeClr val="lt1"/>
+              </a:fillRef>
+              <a:effectRef idx="0">
+                <a:schemeClr val="accent6"/>
+              </a:effectRef>
+              <a:fontRef idx="minor">
+                <a:schemeClr val="dk1"/>
+              </a:fontRef>
+            </p:style>
+            <p:txBody>
+              <a:bodyPr rtlCol="0" anchor="ctr"/>
+              <a:lstStyle/>
+              <a:p>
+                <a:pPr algn="ctr"/>
+                <a:endParaRPr lang="en-AU"/>
+              </a:p>
+            </p:txBody>
+          </p:sp>
+          <p:sp>
+            <p:nvSpPr>
+              <p:cNvPr id="27" name="Rectangle 26">
+                <a:extLst>
+                  <a:ext uri="{FF2B5EF4-FFF2-40B4-BE49-F238E27FC236}">
+                    <a16:creationId xmlns:a16="http://schemas.microsoft.com/office/drawing/2014/main" id="{E95E8403-D5CF-4F3D-ABC4-F7FF6CCF8B9A}"/>
+                  </a:ext>
+                </a:extLst>
+              </p:cNvPr>
+              <p:cNvSpPr/>
+              <p:nvPr/>
+            </p:nvSpPr>
+            <p:spPr>
+              <a:xfrm>
+                <a:off x="7162800" y="1647824"/>
+                <a:ext cx="228600" cy="152400"/>
+              </a:xfrm>
+              <a:prstGeom prst="rect">
+                <a:avLst/>
+              </a:prstGeom>
+            </p:spPr>
+            <p:style>
+              <a:lnRef idx="2">
+                <a:schemeClr val="accent6"/>
+              </a:lnRef>
+              <a:fillRef idx="1">
+                <a:schemeClr val="lt1"/>
+              </a:fillRef>
+              <a:effectRef idx="0">
+                <a:schemeClr val="accent6"/>
+              </a:effectRef>
+              <a:fontRef idx="minor">
+                <a:schemeClr val="dk1"/>
+              </a:fontRef>
+            </p:style>
+            <p:txBody>
+              <a:bodyPr rtlCol="0" anchor="ctr"/>
+              <a:lstStyle/>
+              <a:p>
+                <a:pPr algn="ctr"/>
+                <a:endParaRPr lang="en-AU"/>
+              </a:p>
+            </p:txBody>
+          </p:sp>
+          <p:sp>
+            <p:nvSpPr>
+              <p:cNvPr id="28" name="Rectangle 27">
+                <a:extLst>
+                  <a:ext uri="{FF2B5EF4-FFF2-40B4-BE49-F238E27FC236}">
+                    <a16:creationId xmlns:a16="http://schemas.microsoft.com/office/drawing/2014/main" id="{A7A180FB-F81F-4821-9162-A94D0B960F6C}"/>
+                  </a:ext>
+                </a:extLst>
+              </p:cNvPr>
+              <p:cNvSpPr/>
+              <p:nvPr/>
+            </p:nvSpPr>
+            <p:spPr>
+              <a:xfrm>
+                <a:off x="7442200" y="1460499"/>
+                <a:ext cx="228600" cy="152400"/>
+              </a:xfrm>
+              <a:prstGeom prst="rect">
+                <a:avLst/>
+              </a:prstGeom>
+            </p:spPr>
+            <p:style>
+              <a:lnRef idx="2">
+                <a:schemeClr val="accent6"/>
+              </a:lnRef>
+              <a:fillRef idx="1">
+                <a:schemeClr val="lt1"/>
+              </a:fillRef>
+              <a:effectRef idx="0">
+                <a:schemeClr val="accent6"/>
+              </a:effectRef>
+              <a:fontRef idx="minor">
+                <a:schemeClr val="dk1"/>
+              </a:fontRef>
+            </p:style>
+            <p:txBody>
+              <a:bodyPr rtlCol="0" anchor="ctr"/>
+              <a:lstStyle/>
+              <a:p>
+                <a:pPr algn="ctr"/>
+                <a:endParaRPr lang="en-AU"/>
+              </a:p>
+            </p:txBody>
+          </p:sp>
+          <p:sp>
+            <p:nvSpPr>
+              <p:cNvPr id="29" name="Rectangle 28">
+                <a:extLst>
+                  <a:ext uri="{FF2B5EF4-FFF2-40B4-BE49-F238E27FC236}">
+                    <a16:creationId xmlns:a16="http://schemas.microsoft.com/office/drawing/2014/main" id="{A148125A-5467-4B3F-B681-11590CC9168D}"/>
+                  </a:ext>
+                </a:extLst>
+              </p:cNvPr>
+              <p:cNvSpPr/>
+              <p:nvPr/>
+            </p:nvSpPr>
+            <p:spPr>
+              <a:xfrm>
+                <a:off x="7442200" y="1825625"/>
+                <a:ext cx="228600" cy="152400"/>
+              </a:xfrm>
+              <a:prstGeom prst="rect">
+                <a:avLst/>
+              </a:prstGeom>
+            </p:spPr>
+            <p:style>
+              <a:lnRef idx="2">
+                <a:schemeClr val="accent6"/>
+              </a:lnRef>
+              <a:fillRef idx="1">
+                <a:schemeClr val="lt1"/>
+              </a:fillRef>
+              <a:effectRef idx="0">
+                <a:schemeClr val="accent6"/>
+              </a:effectRef>
+              <a:fontRef idx="minor">
+                <a:schemeClr val="dk1"/>
+              </a:fontRef>
+            </p:style>
+            <p:txBody>
+              <a:bodyPr rtlCol="0" anchor="ctr"/>
+              <a:lstStyle/>
+              <a:p>
+                <a:pPr algn="ctr"/>
+                <a:endParaRPr lang="en-AU"/>
+              </a:p>
+            </p:txBody>
+          </p:sp>
+          <p:sp>
+            <p:nvSpPr>
+              <p:cNvPr id="30" name="Rectangle 29">
+                <a:extLst>
+                  <a:ext uri="{FF2B5EF4-FFF2-40B4-BE49-F238E27FC236}">
+                    <a16:creationId xmlns:a16="http://schemas.microsoft.com/office/drawing/2014/main" id="{B998CA66-8724-4BCF-945C-6F98D4842B31}"/>
+                  </a:ext>
+                </a:extLst>
+              </p:cNvPr>
+              <p:cNvSpPr/>
+              <p:nvPr/>
+            </p:nvSpPr>
+            <p:spPr>
+              <a:xfrm>
+                <a:off x="7442200" y="1643062"/>
+                <a:ext cx="228600" cy="152400"/>
+              </a:xfrm>
+              <a:prstGeom prst="rect">
+                <a:avLst/>
+              </a:prstGeom>
+            </p:spPr>
+            <p:style>
+              <a:lnRef idx="2">
+                <a:schemeClr val="accent6"/>
+              </a:lnRef>
+              <a:fillRef idx="1">
+                <a:schemeClr val="lt1"/>
+              </a:fillRef>
+              <a:effectRef idx="0">
+                <a:schemeClr val="accent6"/>
+              </a:effectRef>
+              <a:fontRef idx="minor">
+                <a:schemeClr val="dk1"/>
+              </a:fontRef>
+            </p:style>
+            <p:txBody>
+              <a:bodyPr rtlCol="0" anchor="ctr"/>
+              <a:lstStyle/>
+              <a:p>
+                <a:pPr algn="ctr"/>
+                <a:endParaRPr lang="en-AU"/>
+              </a:p>
+            </p:txBody>
+          </p:sp>
+        </p:grpSp>
+        <p:grpSp>
+          <p:nvGrpSpPr>
+            <p:cNvPr id="33" name="Group 32">
+              <a:extLst>
+                <a:ext uri="{FF2B5EF4-FFF2-40B4-BE49-F238E27FC236}">
+                  <a16:creationId xmlns:a16="http://schemas.microsoft.com/office/drawing/2014/main" id="{72D31491-97AB-472C-A3A6-EA2F33C56068}"/>
+                </a:ext>
+              </a:extLst>
+            </p:cNvPr>
+            <p:cNvGrpSpPr/>
+            <p:nvPr/>
+          </p:nvGrpSpPr>
+          <p:grpSpPr>
+            <a:xfrm>
+              <a:off x="7797799" y="1473200"/>
+              <a:ext cx="1117600" cy="1092200"/>
+              <a:chOff x="6718300" y="990599"/>
+              <a:chExt cx="1117600" cy="1092200"/>
+            </a:xfrm>
+          </p:grpSpPr>
+          <p:sp>
+            <p:nvSpPr>
+              <p:cNvPr id="34" name="Rectangle 33">
+                <a:extLst>
+                  <a:ext uri="{FF2B5EF4-FFF2-40B4-BE49-F238E27FC236}">
+                    <a16:creationId xmlns:a16="http://schemas.microsoft.com/office/drawing/2014/main" id="{40FCE57D-403E-46CF-A534-20848692F872}"/>
+                  </a:ext>
+                </a:extLst>
+              </p:cNvPr>
+              <p:cNvSpPr/>
+              <p:nvPr/>
+            </p:nvSpPr>
+            <p:spPr>
+              <a:xfrm>
+                <a:off x="6718300" y="990599"/>
+                <a:ext cx="1117600" cy="1092200"/>
+              </a:xfrm>
+              <a:prstGeom prst="rect">
+                <a:avLst/>
+              </a:prstGeom>
+            </p:spPr>
+            <p:style>
+              <a:lnRef idx="2">
+                <a:schemeClr val="accent6"/>
+              </a:lnRef>
+              <a:fillRef idx="1">
+                <a:schemeClr val="lt1"/>
+              </a:fillRef>
+              <a:effectRef idx="0">
+                <a:schemeClr val="accent6"/>
+              </a:effectRef>
+              <a:fontRef idx="minor">
+                <a:schemeClr val="dk1"/>
+              </a:fontRef>
+            </p:style>
+            <p:txBody>
+              <a:bodyPr rtlCol="0" anchor="t"/>
+              <a:lstStyle/>
+              <a:p>
+                <a:pPr algn="ctr"/>
+                <a:r>
+                  <a:rPr lang="en-AU" sz="1200" dirty="0"/>
+                  <a:t>Node (56 procs)</a:t>
+                </a:r>
+              </a:p>
+            </p:txBody>
+          </p:sp>
+          <p:sp>
+            <p:nvSpPr>
+              <p:cNvPr id="35" name="Rectangle 34">
+                <a:extLst>
+                  <a:ext uri="{FF2B5EF4-FFF2-40B4-BE49-F238E27FC236}">
+                    <a16:creationId xmlns:a16="http://schemas.microsoft.com/office/drawing/2014/main" id="{4DE058BF-E08D-4030-9D0D-910D671AF2BB}"/>
+                  </a:ext>
+                </a:extLst>
+              </p:cNvPr>
+              <p:cNvSpPr/>
+              <p:nvPr/>
+            </p:nvSpPr>
+            <p:spPr>
+              <a:xfrm>
+                <a:off x="6896100" y="1460499"/>
+                <a:ext cx="228600" cy="152400"/>
+              </a:xfrm>
+              <a:prstGeom prst="rect">
+                <a:avLst/>
+              </a:prstGeom>
+            </p:spPr>
+            <p:style>
+              <a:lnRef idx="2">
+                <a:schemeClr val="accent6"/>
+              </a:lnRef>
+              <a:fillRef idx="1">
+                <a:schemeClr val="lt1"/>
+              </a:fillRef>
+              <a:effectRef idx="0">
+                <a:schemeClr val="accent6"/>
+              </a:effectRef>
+              <a:fontRef idx="minor">
+                <a:schemeClr val="dk1"/>
+              </a:fontRef>
+            </p:style>
+            <p:txBody>
+              <a:bodyPr rtlCol="0" anchor="ctr"/>
+              <a:lstStyle/>
+              <a:p>
+                <a:pPr algn="ctr"/>
+                <a:endParaRPr lang="en-AU"/>
+              </a:p>
+            </p:txBody>
+          </p:sp>
+          <p:sp>
+            <p:nvSpPr>
+              <p:cNvPr id="36" name="Rectangle 35">
+                <a:extLst>
+                  <a:ext uri="{FF2B5EF4-FFF2-40B4-BE49-F238E27FC236}">
+                    <a16:creationId xmlns:a16="http://schemas.microsoft.com/office/drawing/2014/main" id="{9A6BAC52-31D1-4EFB-BB91-446EE93F6DB6}"/>
+                  </a:ext>
+                </a:extLst>
+              </p:cNvPr>
+              <p:cNvSpPr/>
+              <p:nvPr/>
+            </p:nvSpPr>
+            <p:spPr>
+              <a:xfrm>
+                <a:off x="6896100" y="1825625"/>
+                <a:ext cx="228600" cy="152400"/>
+              </a:xfrm>
+              <a:prstGeom prst="rect">
+                <a:avLst/>
+              </a:prstGeom>
+            </p:spPr>
+            <p:style>
+              <a:lnRef idx="2">
+                <a:schemeClr val="accent6"/>
+              </a:lnRef>
+              <a:fillRef idx="1">
+                <a:schemeClr val="lt1"/>
+              </a:fillRef>
+              <a:effectRef idx="0">
+                <a:schemeClr val="accent6"/>
+              </a:effectRef>
+              <a:fontRef idx="minor">
+                <a:schemeClr val="dk1"/>
+              </a:fontRef>
+            </p:style>
+            <p:txBody>
+              <a:bodyPr rtlCol="0" anchor="ctr"/>
+              <a:lstStyle/>
+              <a:p>
+                <a:pPr algn="ctr"/>
+                <a:endParaRPr lang="en-AU"/>
+              </a:p>
+            </p:txBody>
+          </p:sp>
+          <p:sp>
+            <p:nvSpPr>
+              <p:cNvPr id="37" name="Rectangle 36">
+                <a:extLst>
+                  <a:ext uri="{FF2B5EF4-FFF2-40B4-BE49-F238E27FC236}">
+                    <a16:creationId xmlns:a16="http://schemas.microsoft.com/office/drawing/2014/main" id="{D421545F-7E23-4717-A198-0654653DFB0E}"/>
+                  </a:ext>
+                </a:extLst>
+              </p:cNvPr>
+              <p:cNvSpPr/>
+              <p:nvPr/>
+            </p:nvSpPr>
+            <p:spPr>
+              <a:xfrm>
+                <a:off x="6896100" y="1643062"/>
+                <a:ext cx="228600" cy="152400"/>
+              </a:xfrm>
+              <a:prstGeom prst="rect">
+                <a:avLst/>
+              </a:prstGeom>
+            </p:spPr>
+            <p:style>
+              <a:lnRef idx="2">
+                <a:schemeClr val="accent6"/>
+              </a:lnRef>
+              <a:fillRef idx="1">
+                <a:schemeClr val="lt1"/>
+              </a:fillRef>
+              <a:effectRef idx="0">
+                <a:schemeClr val="accent6"/>
+              </a:effectRef>
+              <a:fontRef idx="minor">
+                <a:schemeClr val="dk1"/>
+              </a:fontRef>
+            </p:style>
+            <p:txBody>
+              <a:bodyPr rtlCol="0" anchor="ctr"/>
+              <a:lstStyle/>
+              <a:p>
+                <a:pPr algn="ctr"/>
+                <a:endParaRPr lang="en-AU"/>
+              </a:p>
+            </p:txBody>
+          </p:sp>
+          <p:sp>
+            <p:nvSpPr>
+              <p:cNvPr id="38" name="Rectangle 37">
+                <a:extLst>
+                  <a:ext uri="{FF2B5EF4-FFF2-40B4-BE49-F238E27FC236}">
+                    <a16:creationId xmlns:a16="http://schemas.microsoft.com/office/drawing/2014/main" id="{7C607C49-EC75-4563-A00E-6F82C3D11CE6}"/>
+                  </a:ext>
+                </a:extLst>
+              </p:cNvPr>
+              <p:cNvSpPr/>
+              <p:nvPr/>
+            </p:nvSpPr>
+            <p:spPr>
+              <a:xfrm>
+                <a:off x="7162800" y="1465261"/>
+                <a:ext cx="228600" cy="152400"/>
+              </a:xfrm>
+              <a:prstGeom prst="rect">
+                <a:avLst/>
+              </a:prstGeom>
+            </p:spPr>
+            <p:style>
+              <a:lnRef idx="2">
+                <a:schemeClr val="accent6"/>
+              </a:lnRef>
+              <a:fillRef idx="1">
+                <a:schemeClr val="lt1"/>
+              </a:fillRef>
+              <a:effectRef idx="0">
+                <a:schemeClr val="accent6"/>
+              </a:effectRef>
+              <a:fontRef idx="minor">
+                <a:schemeClr val="dk1"/>
+              </a:fontRef>
+            </p:style>
+            <p:txBody>
+              <a:bodyPr rtlCol="0" anchor="ctr"/>
+              <a:lstStyle/>
+              <a:p>
+                <a:pPr algn="ctr"/>
+                <a:endParaRPr lang="en-AU"/>
+              </a:p>
+            </p:txBody>
+          </p:sp>
+          <p:sp>
+            <p:nvSpPr>
+              <p:cNvPr id="39" name="Rectangle 38">
+                <a:extLst>
+                  <a:ext uri="{FF2B5EF4-FFF2-40B4-BE49-F238E27FC236}">
+                    <a16:creationId xmlns:a16="http://schemas.microsoft.com/office/drawing/2014/main" id="{352DE377-9251-4472-8BF6-CB70B70678EB}"/>
+                  </a:ext>
+                </a:extLst>
+              </p:cNvPr>
+              <p:cNvSpPr/>
+              <p:nvPr/>
+            </p:nvSpPr>
+            <p:spPr>
+              <a:xfrm>
+                <a:off x="7162800" y="1830387"/>
+                <a:ext cx="228600" cy="152400"/>
+              </a:xfrm>
+              <a:prstGeom prst="rect">
+                <a:avLst/>
+              </a:prstGeom>
+            </p:spPr>
+            <p:style>
+              <a:lnRef idx="2">
+                <a:schemeClr val="accent6"/>
+              </a:lnRef>
+              <a:fillRef idx="1">
+                <a:schemeClr val="lt1"/>
+              </a:fillRef>
+              <a:effectRef idx="0">
+                <a:schemeClr val="accent6"/>
+              </a:effectRef>
+              <a:fontRef idx="minor">
+                <a:schemeClr val="dk1"/>
+              </a:fontRef>
+            </p:style>
+            <p:txBody>
+              <a:bodyPr rtlCol="0" anchor="ctr"/>
+              <a:lstStyle/>
+              <a:p>
+                <a:pPr algn="ctr"/>
+                <a:endParaRPr lang="en-AU"/>
+              </a:p>
+            </p:txBody>
+          </p:sp>
+          <p:sp>
+            <p:nvSpPr>
+              <p:cNvPr id="40" name="Rectangle 39">
+                <a:extLst>
+                  <a:ext uri="{FF2B5EF4-FFF2-40B4-BE49-F238E27FC236}">
+                    <a16:creationId xmlns:a16="http://schemas.microsoft.com/office/drawing/2014/main" id="{86AAAB6B-F0CE-4F00-B432-8F75C7CD4DC9}"/>
+                  </a:ext>
+                </a:extLst>
+              </p:cNvPr>
+              <p:cNvSpPr/>
+              <p:nvPr/>
+            </p:nvSpPr>
+            <p:spPr>
+              <a:xfrm>
+                <a:off x="7162800" y="1647824"/>
+                <a:ext cx="228600" cy="152400"/>
+              </a:xfrm>
+              <a:prstGeom prst="rect">
+                <a:avLst/>
+              </a:prstGeom>
+            </p:spPr>
+            <p:style>
+              <a:lnRef idx="2">
+                <a:schemeClr val="accent6"/>
+              </a:lnRef>
+              <a:fillRef idx="1">
+                <a:schemeClr val="lt1"/>
+              </a:fillRef>
+              <a:effectRef idx="0">
+                <a:schemeClr val="accent6"/>
+              </a:effectRef>
+              <a:fontRef idx="minor">
+                <a:schemeClr val="dk1"/>
+              </a:fontRef>
+            </p:style>
+            <p:txBody>
+              <a:bodyPr rtlCol="0" anchor="ctr"/>
+              <a:lstStyle/>
+              <a:p>
+                <a:pPr algn="ctr"/>
+                <a:endParaRPr lang="en-AU"/>
+              </a:p>
+            </p:txBody>
+          </p:sp>
+          <p:sp>
+            <p:nvSpPr>
+              <p:cNvPr id="41" name="Rectangle 40">
+                <a:extLst>
+                  <a:ext uri="{FF2B5EF4-FFF2-40B4-BE49-F238E27FC236}">
+                    <a16:creationId xmlns:a16="http://schemas.microsoft.com/office/drawing/2014/main" id="{AF674320-47D1-472E-8D56-5D96D419D71C}"/>
+                  </a:ext>
+                </a:extLst>
+              </p:cNvPr>
+              <p:cNvSpPr/>
+              <p:nvPr/>
+            </p:nvSpPr>
+            <p:spPr>
+              <a:xfrm>
+                <a:off x="7442200" y="1460499"/>
+                <a:ext cx="228600" cy="152400"/>
+              </a:xfrm>
+              <a:prstGeom prst="rect">
+                <a:avLst/>
+              </a:prstGeom>
+            </p:spPr>
+            <p:style>
+              <a:lnRef idx="2">
+                <a:schemeClr val="accent6"/>
+              </a:lnRef>
+              <a:fillRef idx="1">
+                <a:schemeClr val="lt1"/>
+              </a:fillRef>
+              <a:effectRef idx="0">
+                <a:schemeClr val="accent6"/>
+              </a:effectRef>
+              <a:fontRef idx="minor">
+                <a:schemeClr val="dk1"/>
+              </a:fontRef>
+            </p:style>
+            <p:txBody>
+              <a:bodyPr rtlCol="0" anchor="ctr"/>
+              <a:lstStyle/>
+              <a:p>
+                <a:pPr algn="ctr"/>
+                <a:endParaRPr lang="en-AU"/>
+              </a:p>
+            </p:txBody>
+          </p:sp>
+          <p:sp>
+            <p:nvSpPr>
+              <p:cNvPr id="42" name="Rectangle 41">
+                <a:extLst>
+                  <a:ext uri="{FF2B5EF4-FFF2-40B4-BE49-F238E27FC236}">
+                    <a16:creationId xmlns:a16="http://schemas.microsoft.com/office/drawing/2014/main" id="{E7AE626C-1C72-4DC4-9925-24A1C7243A85}"/>
+                  </a:ext>
+                </a:extLst>
+              </p:cNvPr>
+              <p:cNvSpPr/>
+              <p:nvPr/>
+            </p:nvSpPr>
+            <p:spPr>
+              <a:xfrm>
+                <a:off x="7442200" y="1825625"/>
+                <a:ext cx="228600" cy="152400"/>
+              </a:xfrm>
+              <a:prstGeom prst="rect">
+                <a:avLst/>
+              </a:prstGeom>
+            </p:spPr>
+            <p:style>
+              <a:lnRef idx="2">
+                <a:schemeClr val="accent6"/>
+              </a:lnRef>
+              <a:fillRef idx="1">
+                <a:schemeClr val="lt1"/>
+              </a:fillRef>
+              <a:effectRef idx="0">
+                <a:schemeClr val="accent6"/>
+              </a:effectRef>
+              <a:fontRef idx="minor">
+                <a:schemeClr val="dk1"/>
+              </a:fontRef>
+            </p:style>
+            <p:txBody>
+              <a:bodyPr rtlCol="0" anchor="ctr"/>
+              <a:lstStyle/>
+              <a:p>
+                <a:pPr algn="ctr"/>
+                <a:endParaRPr lang="en-AU"/>
+              </a:p>
+            </p:txBody>
+          </p:sp>
+          <p:sp>
+            <p:nvSpPr>
+              <p:cNvPr id="43" name="Rectangle 42">
+                <a:extLst>
+                  <a:ext uri="{FF2B5EF4-FFF2-40B4-BE49-F238E27FC236}">
+                    <a16:creationId xmlns:a16="http://schemas.microsoft.com/office/drawing/2014/main" id="{956C49D1-BA32-4ADE-9D52-E7CFF5CE0AD5}"/>
+                  </a:ext>
+                </a:extLst>
+              </p:cNvPr>
+              <p:cNvSpPr/>
+              <p:nvPr/>
+            </p:nvSpPr>
+            <p:spPr>
+              <a:xfrm>
+                <a:off x="7442200" y="1643062"/>
+                <a:ext cx="228600" cy="152400"/>
+              </a:xfrm>
+              <a:prstGeom prst="rect">
+                <a:avLst/>
+              </a:prstGeom>
+            </p:spPr>
+            <p:style>
+              <a:lnRef idx="2">
+                <a:schemeClr val="accent6"/>
+              </a:lnRef>
+              <a:fillRef idx="1">
+                <a:schemeClr val="lt1"/>
+              </a:fillRef>
+              <a:effectRef idx="0">
+                <a:schemeClr val="accent6"/>
+              </a:effectRef>
+              <a:fontRef idx="minor">
+                <a:schemeClr val="dk1"/>
+              </a:fontRef>
+            </p:style>
+            <p:txBody>
+              <a:bodyPr rtlCol="0" anchor="ctr"/>
+              <a:lstStyle/>
+              <a:p>
+                <a:pPr algn="ctr"/>
+                <a:endParaRPr lang="en-AU"/>
+              </a:p>
+            </p:txBody>
+          </p:sp>
+        </p:grpSp>
+        <p:grpSp>
+          <p:nvGrpSpPr>
+            <p:cNvPr id="44" name="Group 43">
+              <a:extLst>
+                <a:ext uri="{FF2B5EF4-FFF2-40B4-BE49-F238E27FC236}">
+                  <a16:creationId xmlns:a16="http://schemas.microsoft.com/office/drawing/2014/main" id="{5C297F7F-EEF2-4008-857E-AD099DFE085A}"/>
+                </a:ext>
+              </a:extLst>
+            </p:cNvPr>
+            <p:cNvGrpSpPr/>
+            <p:nvPr/>
+          </p:nvGrpSpPr>
+          <p:grpSpPr>
+            <a:xfrm>
+              <a:off x="9093199" y="1477962"/>
+              <a:ext cx="1117600" cy="1092200"/>
+              <a:chOff x="6718300" y="990599"/>
+              <a:chExt cx="1117600" cy="1092200"/>
+            </a:xfrm>
+          </p:grpSpPr>
+          <p:sp>
+            <p:nvSpPr>
+              <p:cNvPr id="45" name="Rectangle 44">
+                <a:extLst>
+                  <a:ext uri="{FF2B5EF4-FFF2-40B4-BE49-F238E27FC236}">
+                    <a16:creationId xmlns:a16="http://schemas.microsoft.com/office/drawing/2014/main" id="{5D3A1255-7FA6-49CE-AA3E-88361D9CE2A3}"/>
+                  </a:ext>
+                </a:extLst>
+              </p:cNvPr>
+              <p:cNvSpPr/>
+              <p:nvPr/>
+            </p:nvSpPr>
+            <p:spPr>
+              <a:xfrm>
+                <a:off x="6718300" y="990599"/>
+                <a:ext cx="1117600" cy="1092200"/>
+              </a:xfrm>
+              <a:prstGeom prst="rect">
+                <a:avLst/>
+              </a:prstGeom>
+            </p:spPr>
+            <p:style>
+              <a:lnRef idx="2">
+                <a:schemeClr val="accent6"/>
+              </a:lnRef>
+              <a:fillRef idx="1">
+                <a:schemeClr val="lt1"/>
+              </a:fillRef>
+              <a:effectRef idx="0">
+                <a:schemeClr val="accent6"/>
+              </a:effectRef>
+              <a:fontRef idx="minor">
+                <a:schemeClr val="dk1"/>
+              </a:fontRef>
+            </p:style>
+            <p:txBody>
+              <a:bodyPr rtlCol="0" anchor="t"/>
+              <a:lstStyle/>
+              <a:p>
+                <a:pPr algn="ctr"/>
+                <a:r>
+                  <a:rPr lang="en-AU" sz="1200" dirty="0"/>
+                  <a:t>Node (56 procs)</a:t>
+                </a:r>
+              </a:p>
+            </p:txBody>
+          </p:sp>
+          <p:sp>
+            <p:nvSpPr>
+              <p:cNvPr id="46" name="Rectangle 45">
+                <a:extLst>
+                  <a:ext uri="{FF2B5EF4-FFF2-40B4-BE49-F238E27FC236}">
+                    <a16:creationId xmlns:a16="http://schemas.microsoft.com/office/drawing/2014/main" id="{403AD687-FFBA-430F-83CF-104926435FE9}"/>
+                  </a:ext>
+                </a:extLst>
+              </p:cNvPr>
+              <p:cNvSpPr/>
+              <p:nvPr/>
+            </p:nvSpPr>
+            <p:spPr>
+              <a:xfrm>
+                <a:off x="6896100" y="1460499"/>
+                <a:ext cx="228600" cy="152400"/>
+              </a:xfrm>
+              <a:prstGeom prst="rect">
+                <a:avLst/>
+              </a:prstGeom>
+            </p:spPr>
+            <p:style>
+              <a:lnRef idx="2">
+                <a:schemeClr val="accent6"/>
+              </a:lnRef>
+              <a:fillRef idx="1">
+                <a:schemeClr val="lt1"/>
+              </a:fillRef>
+              <a:effectRef idx="0">
+                <a:schemeClr val="accent6"/>
+              </a:effectRef>
+              <a:fontRef idx="minor">
+                <a:schemeClr val="dk1"/>
+              </a:fontRef>
+            </p:style>
+            <p:txBody>
+              <a:bodyPr rtlCol="0" anchor="ctr"/>
+              <a:lstStyle/>
+              <a:p>
+                <a:pPr algn="ctr"/>
+                <a:endParaRPr lang="en-AU"/>
+              </a:p>
+            </p:txBody>
+          </p:sp>
+          <p:sp>
+            <p:nvSpPr>
+              <p:cNvPr id="47" name="Rectangle 46">
+                <a:extLst>
+                  <a:ext uri="{FF2B5EF4-FFF2-40B4-BE49-F238E27FC236}">
+                    <a16:creationId xmlns:a16="http://schemas.microsoft.com/office/drawing/2014/main" id="{6F20C2BC-370B-49F3-B64E-AF067C0F7162}"/>
+                  </a:ext>
+                </a:extLst>
+              </p:cNvPr>
+              <p:cNvSpPr/>
+              <p:nvPr/>
+            </p:nvSpPr>
+            <p:spPr>
+              <a:xfrm>
+                <a:off x="6896100" y="1825625"/>
+                <a:ext cx="228600" cy="152400"/>
+              </a:xfrm>
+              <a:prstGeom prst="rect">
+                <a:avLst/>
+              </a:prstGeom>
+            </p:spPr>
+            <p:style>
+              <a:lnRef idx="2">
+                <a:schemeClr val="accent6"/>
+              </a:lnRef>
+              <a:fillRef idx="1">
+                <a:schemeClr val="lt1"/>
+              </a:fillRef>
+              <a:effectRef idx="0">
+                <a:schemeClr val="accent6"/>
+              </a:effectRef>
+              <a:fontRef idx="minor">
+                <a:schemeClr val="dk1"/>
+              </a:fontRef>
+            </p:style>
+            <p:txBody>
+              <a:bodyPr rtlCol="0" anchor="ctr"/>
+              <a:lstStyle/>
+              <a:p>
+                <a:pPr algn="ctr"/>
+                <a:endParaRPr lang="en-AU"/>
+              </a:p>
+            </p:txBody>
+          </p:sp>
+          <p:sp>
+            <p:nvSpPr>
+              <p:cNvPr id="48" name="Rectangle 47">
+                <a:extLst>
+                  <a:ext uri="{FF2B5EF4-FFF2-40B4-BE49-F238E27FC236}">
+                    <a16:creationId xmlns:a16="http://schemas.microsoft.com/office/drawing/2014/main" id="{83AE508E-36D9-4AB5-85AA-CA2845107B71}"/>
+                  </a:ext>
+                </a:extLst>
+              </p:cNvPr>
+              <p:cNvSpPr/>
+              <p:nvPr/>
+            </p:nvSpPr>
+            <p:spPr>
+              <a:xfrm>
+                <a:off x="6896100" y="1643062"/>
+                <a:ext cx="228600" cy="152400"/>
+              </a:xfrm>
+              <a:prstGeom prst="rect">
+                <a:avLst/>
+              </a:prstGeom>
+            </p:spPr>
+            <p:style>
+              <a:lnRef idx="2">
+                <a:schemeClr val="accent6"/>
+              </a:lnRef>
+              <a:fillRef idx="1">
+                <a:schemeClr val="lt1"/>
+              </a:fillRef>
+              <a:effectRef idx="0">
+                <a:schemeClr val="accent6"/>
+              </a:effectRef>
+              <a:fontRef idx="minor">
+                <a:schemeClr val="dk1"/>
+              </a:fontRef>
+            </p:style>
+            <p:txBody>
+              <a:bodyPr rtlCol="0" anchor="ctr"/>
+              <a:lstStyle/>
+              <a:p>
+                <a:pPr algn="ctr"/>
+                <a:endParaRPr lang="en-AU"/>
+              </a:p>
+            </p:txBody>
+          </p:sp>
+          <p:sp>
+            <p:nvSpPr>
+              <p:cNvPr id="49" name="Rectangle 48">
+                <a:extLst>
+                  <a:ext uri="{FF2B5EF4-FFF2-40B4-BE49-F238E27FC236}">
+                    <a16:creationId xmlns:a16="http://schemas.microsoft.com/office/drawing/2014/main" id="{4CF0D2D5-F1CF-411F-A9D6-726D534A1082}"/>
+                  </a:ext>
+                </a:extLst>
+              </p:cNvPr>
+              <p:cNvSpPr/>
+              <p:nvPr/>
+            </p:nvSpPr>
+            <p:spPr>
+              <a:xfrm>
+                <a:off x="7162800" y="1465261"/>
+                <a:ext cx="228600" cy="152400"/>
+              </a:xfrm>
+              <a:prstGeom prst="rect">
+                <a:avLst/>
+              </a:prstGeom>
+            </p:spPr>
+            <p:style>
+              <a:lnRef idx="2">
+                <a:schemeClr val="accent6"/>
+              </a:lnRef>
+              <a:fillRef idx="1">
+                <a:schemeClr val="lt1"/>
+              </a:fillRef>
+              <a:effectRef idx="0">
+                <a:schemeClr val="accent6"/>
+              </a:effectRef>
+              <a:fontRef idx="minor">
+                <a:schemeClr val="dk1"/>
+              </a:fontRef>
+            </p:style>
+            <p:txBody>
+              <a:bodyPr rtlCol="0" anchor="ctr"/>
+              <a:lstStyle/>
+              <a:p>
+                <a:pPr algn="ctr"/>
+                <a:endParaRPr lang="en-AU"/>
+              </a:p>
+            </p:txBody>
+          </p:sp>
+          <p:sp>
+            <p:nvSpPr>
+              <p:cNvPr id="50" name="Rectangle 49">
+                <a:extLst>
+                  <a:ext uri="{FF2B5EF4-FFF2-40B4-BE49-F238E27FC236}">
+                    <a16:creationId xmlns:a16="http://schemas.microsoft.com/office/drawing/2014/main" id="{DA14D191-A06F-4236-BE68-C67ADF477B83}"/>
+                  </a:ext>
+                </a:extLst>
+              </p:cNvPr>
+              <p:cNvSpPr/>
+              <p:nvPr/>
+            </p:nvSpPr>
+            <p:spPr>
+              <a:xfrm>
+                <a:off x="7162800" y="1830387"/>
+                <a:ext cx="228600" cy="152400"/>
+              </a:xfrm>
+              <a:prstGeom prst="rect">
+                <a:avLst/>
+              </a:prstGeom>
+            </p:spPr>
+            <p:style>
+              <a:lnRef idx="2">
+                <a:schemeClr val="accent6"/>
+              </a:lnRef>
+              <a:fillRef idx="1">
+                <a:schemeClr val="lt1"/>
+              </a:fillRef>
+              <a:effectRef idx="0">
+                <a:schemeClr val="accent6"/>
+              </a:effectRef>
+              <a:fontRef idx="minor">
+                <a:schemeClr val="dk1"/>
+              </a:fontRef>
+            </p:style>
+            <p:txBody>
+              <a:bodyPr rtlCol="0" anchor="ctr"/>
+              <a:lstStyle/>
+              <a:p>
+                <a:pPr algn="ctr"/>
+                <a:endParaRPr lang="en-AU"/>
+              </a:p>
+            </p:txBody>
+          </p:sp>
+          <p:sp>
+            <p:nvSpPr>
+              <p:cNvPr id="51" name="Rectangle 50">
+                <a:extLst>
+                  <a:ext uri="{FF2B5EF4-FFF2-40B4-BE49-F238E27FC236}">
+                    <a16:creationId xmlns:a16="http://schemas.microsoft.com/office/drawing/2014/main" id="{C419B5DD-F801-4787-B383-4B679522D41F}"/>
+                  </a:ext>
+                </a:extLst>
+              </p:cNvPr>
+              <p:cNvSpPr/>
+              <p:nvPr/>
+            </p:nvSpPr>
+            <p:spPr>
+              <a:xfrm>
+                <a:off x="7162800" y="1647824"/>
+                <a:ext cx="228600" cy="152400"/>
+              </a:xfrm>
+              <a:prstGeom prst="rect">
+                <a:avLst/>
+              </a:prstGeom>
+            </p:spPr>
+            <p:style>
+              <a:lnRef idx="2">
+                <a:schemeClr val="accent6"/>
+              </a:lnRef>
+              <a:fillRef idx="1">
+                <a:schemeClr val="lt1"/>
+              </a:fillRef>
+              <a:effectRef idx="0">
+                <a:schemeClr val="accent6"/>
+              </a:effectRef>
+              <a:fontRef idx="minor">
+                <a:schemeClr val="dk1"/>
+              </a:fontRef>
+            </p:style>
+            <p:txBody>
+              <a:bodyPr rtlCol="0" anchor="ctr"/>
+              <a:lstStyle/>
+              <a:p>
+                <a:pPr algn="ctr"/>
+                <a:endParaRPr lang="en-AU"/>
+              </a:p>
+            </p:txBody>
+          </p:sp>
+          <p:sp>
+            <p:nvSpPr>
+              <p:cNvPr id="52" name="Rectangle 51">
+                <a:extLst>
+                  <a:ext uri="{FF2B5EF4-FFF2-40B4-BE49-F238E27FC236}">
+                    <a16:creationId xmlns:a16="http://schemas.microsoft.com/office/drawing/2014/main" id="{782B5438-73BA-4AAB-A24B-E4A36F9E11D0}"/>
+                  </a:ext>
+                </a:extLst>
+              </p:cNvPr>
+              <p:cNvSpPr/>
+              <p:nvPr/>
+            </p:nvSpPr>
+            <p:spPr>
+              <a:xfrm>
+                <a:off x="7442200" y="1460499"/>
+                <a:ext cx="228600" cy="152400"/>
+              </a:xfrm>
+              <a:prstGeom prst="rect">
+                <a:avLst/>
+              </a:prstGeom>
+            </p:spPr>
+            <p:style>
+              <a:lnRef idx="2">
+                <a:schemeClr val="accent6"/>
+              </a:lnRef>
+              <a:fillRef idx="1">
+                <a:schemeClr val="lt1"/>
+              </a:fillRef>
+              <a:effectRef idx="0">
+                <a:schemeClr val="accent6"/>
+              </a:effectRef>
+              <a:fontRef idx="minor">
+                <a:schemeClr val="dk1"/>
+              </a:fontRef>
+            </p:style>
+            <p:txBody>
+              <a:bodyPr rtlCol="0" anchor="ctr"/>
+              <a:lstStyle/>
+              <a:p>
+                <a:pPr algn="ctr"/>
+                <a:endParaRPr lang="en-AU"/>
+              </a:p>
+            </p:txBody>
+          </p:sp>
+          <p:sp>
+            <p:nvSpPr>
+              <p:cNvPr id="53" name="Rectangle 52">
+                <a:extLst>
+                  <a:ext uri="{FF2B5EF4-FFF2-40B4-BE49-F238E27FC236}">
+                    <a16:creationId xmlns:a16="http://schemas.microsoft.com/office/drawing/2014/main" id="{4BE59807-8C06-4192-A0DB-4BE23902E6D7}"/>
+                  </a:ext>
+                </a:extLst>
+              </p:cNvPr>
+              <p:cNvSpPr/>
+              <p:nvPr/>
+            </p:nvSpPr>
+            <p:spPr>
+              <a:xfrm>
+                <a:off x="7442200" y="1825625"/>
+                <a:ext cx="228600" cy="152400"/>
+              </a:xfrm>
+              <a:prstGeom prst="rect">
+                <a:avLst/>
+              </a:prstGeom>
+            </p:spPr>
+            <p:style>
+              <a:lnRef idx="2">
+                <a:schemeClr val="accent6"/>
+              </a:lnRef>
+              <a:fillRef idx="1">
+                <a:schemeClr val="lt1"/>
+              </a:fillRef>
+              <a:effectRef idx="0">
+                <a:schemeClr val="accent6"/>
+              </a:effectRef>
+              <a:fontRef idx="minor">
+                <a:schemeClr val="dk1"/>
+              </a:fontRef>
+            </p:style>
+            <p:txBody>
+              <a:bodyPr rtlCol="0" anchor="ctr"/>
+              <a:lstStyle/>
+              <a:p>
+                <a:pPr algn="ctr"/>
+                <a:endParaRPr lang="en-AU"/>
+              </a:p>
+            </p:txBody>
+          </p:sp>
+          <p:sp>
+            <p:nvSpPr>
+              <p:cNvPr id="54" name="Rectangle 53">
+                <a:extLst>
+                  <a:ext uri="{FF2B5EF4-FFF2-40B4-BE49-F238E27FC236}">
+                    <a16:creationId xmlns:a16="http://schemas.microsoft.com/office/drawing/2014/main" id="{7EF6B708-9E3C-4974-BA61-BDED35748CFF}"/>
+                  </a:ext>
+                </a:extLst>
+              </p:cNvPr>
+              <p:cNvSpPr/>
+              <p:nvPr/>
+            </p:nvSpPr>
+            <p:spPr>
+              <a:xfrm>
+                <a:off x="7442200" y="1643062"/>
+                <a:ext cx="228600" cy="152400"/>
+              </a:xfrm>
+              <a:prstGeom prst="rect">
+                <a:avLst/>
+              </a:prstGeom>
+            </p:spPr>
+            <p:style>
+              <a:lnRef idx="2">
+                <a:schemeClr val="accent6"/>
+              </a:lnRef>
+              <a:fillRef idx="1">
+                <a:schemeClr val="lt1"/>
+              </a:fillRef>
+              <a:effectRef idx="0">
+                <a:schemeClr val="accent6"/>
+              </a:effectRef>
+              <a:fontRef idx="minor">
+                <a:schemeClr val="dk1"/>
+              </a:fontRef>
+            </p:style>
+            <p:txBody>
+              <a:bodyPr rtlCol="0" anchor="ctr"/>
+              <a:lstStyle/>
+              <a:p>
+                <a:pPr algn="ctr"/>
+                <a:endParaRPr lang="en-AU"/>
+              </a:p>
+            </p:txBody>
+          </p:sp>
+        </p:grpSp>
+        <p:grpSp>
+          <p:nvGrpSpPr>
+            <p:cNvPr id="55" name="Group 54">
+              <a:extLst>
+                <a:ext uri="{FF2B5EF4-FFF2-40B4-BE49-F238E27FC236}">
+                  <a16:creationId xmlns:a16="http://schemas.microsoft.com/office/drawing/2014/main" id="{EC6A9A87-6FD8-48C8-80E2-D934A22A2DA0}"/>
+                </a:ext>
+              </a:extLst>
+            </p:cNvPr>
+            <p:cNvGrpSpPr/>
+            <p:nvPr/>
+          </p:nvGrpSpPr>
+          <p:grpSpPr>
+            <a:xfrm>
+              <a:off x="6527799" y="2781300"/>
+              <a:ext cx="1117600" cy="1092200"/>
+              <a:chOff x="6718300" y="990599"/>
+              <a:chExt cx="1117600" cy="1092200"/>
+            </a:xfrm>
+          </p:grpSpPr>
+          <p:sp>
+            <p:nvSpPr>
+              <p:cNvPr id="56" name="Rectangle 55">
+                <a:extLst>
+                  <a:ext uri="{FF2B5EF4-FFF2-40B4-BE49-F238E27FC236}">
+                    <a16:creationId xmlns:a16="http://schemas.microsoft.com/office/drawing/2014/main" id="{6300D317-EA04-4056-AD10-B9E31D40EEAE}"/>
+                  </a:ext>
+                </a:extLst>
+              </p:cNvPr>
+              <p:cNvSpPr/>
+              <p:nvPr/>
+            </p:nvSpPr>
+            <p:spPr>
+              <a:xfrm>
+                <a:off x="6718300" y="990599"/>
+                <a:ext cx="1117600" cy="1092200"/>
+              </a:xfrm>
+              <a:prstGeom prst="rect">
+                <a:avLst/>
+              </a:prstGeom>
+            </p:spPr>
+            <p:style>
+              <a:lnRef idx="2">
+                <a:schemeClr val="accent6"/>
+              </a:lnRef>
+              <a:fillRef idx="1">
+                <a:schemeClr val="lt1"/>
+              </a:fillRef>
+              <a:effectRef idx="0">
+                <a:schemeClr val="accent6"/>
+              </a:effectRef>
+              <a:fontRef idx="minor">
+                <a:schemeClr val="dk1"/>
+              </a:fontRef>
+            </p:style>
+            <p:txBody>
+              <a:bodyPr rtlCol="0" anchor="t"/>
+              <a:lstStyle/>
+              <a:p>
+                <a:pPr algn="ctr"/>
+                <a:r>
+                  <a:rPr lang="en-AU" sz="1200" dirty="0"/>
+                  <a:t>Node (56 procs)</a:t>
+                </a:r>
+              </a:p>
+            </p:txBody>
+          </p:sp>
+          <p:sp>
+            <p:nvSpPr>
+              <p:cNvPr id="57" name="Rectangle 56">
+                <a:extLst>
+                  <a:ext uri="{FF2B5EF4-FFF2-40B4-BE49-F238E27FC236}">
+                    <a16:creationId xmlns:a16="http://schemas.microsoft.com/office/drawing/2014/main" id="{BDA07E4A-8862-435E-849B-A54A76ED9BB6}"/>
+                  </a:ext>
+                </a:extLst>
+              </p:cNvPr>
+              <p:cNvSpPr/>
+              <p:nvPr/>
+            </p:nvSpPr>
+            <p:spPr>
+              <a:xfrm>
+                <a:off x="6896100" y="1460499"/>
+                <a:ext cx="228600" cy="152400"/>
+              </a:xfrm>
+              <a:prstGeom prst="rect">
+                <a:avLst/>
+              </a:prstGeom>
+            </p:spPr>
+            <p:style>
+              <a:lnRef idx="2">
+                <a:schemeClr val="accent6"/>
+              </a:lnRef>
+              <a:fillRef idx="1">
+                <a:schemeClr val="lt1"/>
+              </a:fillRef>
+              <a:effectRef idx="0">
+                <a:schemeClr val="accent6"/>
+              </a:effectRef>
+              <a:fontRef idx="minor">
+                <a:schemeClr val="dk1"/>
+              </a:fontRef>
+            </p:style>
+            <p:txBody>
+              <a:bodyPr rtlCol="0" anchor="ctr"/>
+              <a:lstStyle/>
+              <a:p>
+                <a:pPr algn="ctr"/>
+                <a:endParaRPr lang="en-AU"/>
+              </a:p>
+            </p:txBody>
+          </p:sp>
+          <p:sp>
+            <p:nvSpPr>
+              <p:cNvPr id="58" name="Rectangle 57">
+                <a:extLst>
+                  <a:ext uri="{FF2B5EF4-FFF2-40B4-BE49-F238E27FC236}">
+                    <a16:creationId xmlns:a16="http://schemas.microsoft.com/office/drawing/2014/main" id="{96A96AF4-00AB-46D6-8476-0935A217AE3F}"/>
+                  </a:ext>
+                </a:extLst>
+              </p:cNvPr>
+              <p:cNvSpPr/>
+              <p:nvPr/>
+            </p:nvSpPr>
+            <p:spPr>
+              <a:xfrm>
+                <a:off x="6896100" y="1825625"/>
+                <a:ext cx="228600" cy="152400"/>
+              </a:xfrm>
+              <a:prstGeom prst="rect">
+                <a:avLst/>
+              </a:prstGeom>
+            </p:spPr>
+            <p:style>
+              <a:lnRef idx="2">
+                <a:schemeClr val="accent6"/>
+              </a:lnRef>
+              <a:fillRef idx="1">
+                <a:schemeClr val="lt1"/>
+              </a:fillRef>
+              <a:effectRef idx="0">
+                <a:schemeClr val="accent6"/>
+              </a:effectRef>
+              <a:fontRef idx="minor">
+                <a:schemeClr val="dk1"/>
+              </a:fontRef>
+            </p:style>
+            <p:txBody>
+              <a:bodyPr rtlCol="0" anchor="ctr"/>
+              <a:lstStyle/>
+              <a:p>
+                <a:pPr algn="ctr"/>
+                <a:endParaRPr lang="en-AU"/>
+              </a:p>
+            </p:txBody>
+          </p:sp>
+          <p:sp>
+            <p:nvSpPr>
+              <p:cNvPr id="59" name="Rectangle 58">
+                <a:extLst>
+                  <a:ext uri="{FF2B5EF4-FFF2-40B4-BE49-F238E27FC236}">
+                    <a16:creationId xmlns:a16="http://schemas.microsoft.com/office/drawing/2014/main" id="{1DE6F6A5-B002-4018-B130-CAEC9F4DE53D}"/>
+                  </a:ext>
+                </a:extLst>
+              </p:cNvPr>
+              <p:cNvSpPr/>
+              <p:nvPr/>
+            </p:nvSpPr>
+            <p:spPr>
+              <a:xfrm>
+                <a:off x="6896100" y="1643062"/>
+                <a:ext cx="228600" cy="152400"/>
+              </a:xfrm>
+              <a:prstGeom prst="rect">
+                <a:avLst/>
+              </a:prstGeom>
+            </p:spPr>
+            <p:style>
+              <a:lnRef idx="2">
+                <a:schemeClr val="accent6"/>
+              </a:lnRef>
+              <a:fillRef idx="1">
+                <a:schemeClr val="lt1"/>
+              </a:fillRef>
+              <a:effectRef idx="0">
+                <a:schemeClr val="accent6"/>
+              </a:effectRef>
+              <a:fontRef idx="minor">
+                <a:schemeClr val="dk1"/>
+              </a:fontRef>
+            </p:style>
+            <p:txBody>
+              <a:bodyPr rtlCol="0" anchor="ctr"/>
+              <a:lstStyle/>
+              <a:p>
+                <a:pPr algn="ctr"/>
+                <a:endParaRPr lang="en-AU"/>
+              </a:p>
+            </p:txBody>
+          </p:sp>
+          <p:sp>
+            <p:nvSpPr>
+              <p:cNvPr id="60" name="Rectangle 59">
+                <a:extLst>
+                  <a:ext uri="{FF2B5EF4-FFF2-40B4-BE49-F238E27FC236}">
+                    <a16:creationId xmlns:a16="http://schemas.microsoft.com/office/drawing/2014/main" id="{2B6A8FE0-4173-49E6-8E85-6536552E76A8}"/>
+                  </a:ext>
+                </a:extLst>
+              </p:cNvPr>
+              <p:cNvSpPr/>
+              <p:nvPr/>
+            </p:nvSpPr>
+            <p:spPr>
+              <a:xfrm>
+                <a:off x="7162800" y="1465261"/>
+                <a:ext cx="228600" cy="152400"/>
+              </a:xfrm>
+              <a:prstGeom prst="rect">
+                <a:avLst/>
+              </a:prstGeom>
+            </p:spPr>
+            <p:style>
+              <a:lnRef idx="2">
+                <a:schemeClr val="accent6"/>
+              </a:lnRef>
+              <a:fillRef idx="1">
+                <a:schemeClr val="lt1"/>
+              </a:fillRef>
+              <a:effectRef idx="0">
+                <a:schemeClr val="accent6"/>
+              </a:effectRef>
+              <a:fontRef idx="minor">
+                <a:schemeClr val="dk1"/>
+              </a:fontRef>
+            </p:style>
+            <p:txBody>
+              <a:bodyPr rtlCol="0" anchor="ctr"/>
+              <a:lstStyle/>
+              <a:p>
+                <a:pPr algn="ctr"/>
+                <a:endParaRPr lang="en-AU"/>
+              </a:p>
+            </p:txBody>
+          </p:sp>
+          <p:sp>
+            <p:nvSpPr>
+              <p:cNvPr id="61" name="Rectangle 60">
+                <a:extLst>
+                  <a:ext uri="{FF2B5EF4-FFF2-40B4-BE49-F238E27FC236}">
+                    <a16:creationId xmlns:a16="http://schemas.microsoft.com/office/drawing/2014/main" id="{A8456DD7-8360-4717-A6EA-E1C8CD3773AE}"/>
+                  </a:ext>
+                </a:extLst>
+              </p:cNvPr>
+              <p:cNvSpPr/>
+              <p:nvPr/>
+            </p:nvSpPr>
+            <p:spPr>
+              <a:xfrm>
+                <a:off x="7162800" y="1830387"/>
+                <a:ext cx="228600" cy="152400"/>
+              </a:xfrm>
+              <a:prstGeom prst="rect">
+                <a:avLst/>
+              </a:prstGeom>
+            </p:spPr>
+            <p:style>
+              <a:lnRef idx="2">
+                <a:schemeClr val="accent6"/>
+              </a:lnRef>
+              <a:fillRef idx="1">
+                <a:schemeClr val="lt1"/>
+              </a:fillRef>
+              <a:effectRef idx="0">
+                <a:schemeClr val="accent6"/>
+              </a:effectRef>
+              <a:fontRef idx="minor">
+                <a:schemeClr val="dk1"/>
+              </a:fontRef>
+            </p:style>
+            <p:txBody>
+              <a:bodyPr rtlCol="0" anchor="ctr"/>
+              <a:lstStyle/>
+              <a:p>
+                <a:pPr algn="ctr"/>
+                <a:endParaRPr lang="en-AU"/>
+              </a:p>
+            </p:txBody>
+          </p:sp>
+          <p:sp>
+            <p:nvSpPr>
+              <p:cNvPr id="62" name="Rectangle 61">
+                <a:extLst>
+                  <a:ext uri="{FF2B5EF4-FFF2-40B4-BE49-F238E27FC236}">
+                    <a16:creationId xmlns:a16="http://schemas.microsoft.com/office/drawing/2014/main" id="{3BA474FC-BE7F-400E-A9D0-70AA2A5B1813}"/>
+                  </a:ext>
+                </a:extLst>
+              </p:cNvPr>
+              <p:cNvSpPr/>
+              <p:nvPr/>
+            </p:nvSpPr>
+            <p:spPr>
+              <a:xfrm>
+                <a:off x="7162800" y="1647824"/>
+                <a:ext cx="228600" cy="152400"/>
+              </a:xfrm>
+              <a:prstGeom prst="rect">
+                <a:avLst/>
+              </a:prstGeom>
+            </p:spPr>
+            <p:style>
+              <a:lnRef idx="2">
+                <a:schemeClr val="accent6"/>
+              </a:lnRef>
+              <a:fillRef idx="1">
+                <a:schemeClr val="lt1"/>
+              </a:fillRef>
+              <a:effectRef idx="0">
+                <a:schemeClr val="accent6"/>
+              </a:effectRef>
+              <a:fontRef idx="minor">
+                <a:schemeClr val="dk1"/>
+              </a:fontRef>
+            </p:style>
+            <p:txBody>
+              <a:bodyPr rtlCol="0" anchor="ctr"/>
+              <a:lstStyle/>
+              <a:p>
+                <a:pPr algn="ctr"/>
+                <a:endParaRPr lang="en-AU"/>
+              </a:p>
+            </p:txBody>
+          </p:sp>
+          <p:sp>
+            <p:nvSpPr>
+              <p:cNvPr id="63" name="Rectangle 62">
+                <a:extLst>
+                  <a:ext uri="{FF2B5EF4-FFF2-40B4-BE49-F238E27FC236}">
+                    <a16:creationId xmlns:a16="http://schemas.microsoft.com/office/drawing/2014/main" id="{AF2DE21F-32EF-4DE0-BB10-7CCFCBE60508}"/>
+                  </a:ext>
+                </a:extLst>
+              </p:cNvPr>
+              <p:cNvSpPr/>
+              <p:nvPr/>
+            </p:nvSpPr>
+            <p:spPr>
+              <a:xfrm>
+                <a:off x="7442200" y="1460499"/>
+                <a:ext cx="228600" cy="152400"/>
+              </a:xfrm>
+              <a:prstGeom prst="rect">
+                <a:avLst/>
+              </a:prstGeom>
+            </p:spPr>
+            <p:style>
+              <a:lnRef idx="2">
+                <a:schemeClr val="accent6"/>
+              </a:lnRef>
+              <a:fillRef idx="1">
+                <a:schemeClr val="lt1"/>
+              </a:fillRef>
+              <a:effectRef idx="0">
+                <a:schemeClr val="accent6"/>
+              </a:effectRef>
+              <a:fontRef idx="minor">
+                <a:schemeClr val="dk1"/>
+              </a:fontRef>
+            </p:style>
+            <p:txBody>
+              <a:bodyPr rtlCol="0" anchor="ctr"/>
+              <a:lstStyle/>
+              <a:p>
+                <a:pPr algn="ctr"/>
+                <a:endParaRPr lang="en-AU"/>
+              </a:p>
+            </p:txBody>
+          </p:sp>
+          <p:sp>
+            <p:nvSpPr>
+              <p:cNvPr id="64" name="Rectangle 63">
+                <a:extLst>
+                  <a:ext uri="{FF2B5EF4-FFF2-40B4-BE49-F238E27FC236}">
+                    <a16:creationId xmlns:a16="http://schemas.microsoft.com/office/drawing/2014/main" id="{FAB2BB27-0783-417B-B2CE-344FF526699A}"/>
+                  </a:ext>
+                </a:extLst>
+              </p:cNvPr>
+              <p:cNvSpPr/>
+              <p:nvPr/>
+            </p:nvSpPr>
+            <p:spPr>
+              <a:xfrm>
+                <a:off x="7442200" y="1825625"/>
+                <a:ext cx="228600" cy="152400"/>
+              </a:xfrm>
+              <a:prstGeom prst="rect">
+                <a:avLst/>
+              </a:prstGeom>
+            </p:spPr>
+            <p:style>
+              <a:lnRef idx="2">
+                <a:schemeClr val="accent6"/>
+              </a:lnRef>
+              <a:fillRef idx="1">
+                <a:schemeClr val="lt1"/>
+              </a:fillRef>
+              <a:effectRef idx="0">
+                <a:schemeClr val="accent6"/>
+              </a:effectRef>
+              <a:fontRef idx="minor">
+                <a:schemeClr val="dk1"/>
+              </a:fontRef>
+            </p:style>
+            <p:txBody>
+              <a:bodyPr rtlCol="0" anchor="ctr"/>
+              <a:lstStyle/>
+              <a:p>
+                <a:pPr algn="ctr"/>
+                <a:endParaRPr lang="en-AU"/>
+              </a:p>
+            </p:txBody>
+          </p:sp>
+          <p:sp>
+            <p:nvSpPr>
+              <p:cNvPr id="65" name="Rectangle 64">
+                <a:extLst>
+                  <a:ext uri="{FF2B5EF4-FFF2-40B4-BE49-F238E27FC236}">
+                    <a16:creationId xmlns:a16="http://schemas.microsoft.com/office/drawing/2014/main" id="{6091FEAF-2D8B-47AD-AFE3-E217A6E25941}"/>
+                  </a:ext>
+                </a:extLst>
+              </p:cNvPr>
+              <p:cNvSpPr/>
+              <p:nvPr/>
+            </p:nvSpPr>
+            <p:spPr>
+              <a:xfrm>
+                <a:off x="7442200" y="1643062"/>
+                <a:ext cx="228600" cy="152400"/>
+              </a:xfrm>
+              <a:prstGeom prst="rect">
+                <a:avLst/>
+              </a:prstGeom>
+            </p:spPr>
+            <p:style>
+              <a:lnRef idx="2">
+                <a:schemeClr val="accent6"/>
+              </a:lnRef>
+              <a:fillRef idx="1">
+                <a:schemeClr val="lt1"/>
+              </a:fillRef>
+              <a:effectRef idx="0">
+                <a:schemeClr val="accent6"/>
+              </a:effectRef>
+              <a:fontRef idx="minor">
+                <a:schemeClr val="dk1"/>
+              </a:fontRef>
+            </p:style>
+            <p:txBody>
+              <a:bodyPr rtlCol="0" anchor="ctr"/>
+              <a:lstStyle/>
+              <a:p>
+                <a:pPr algn="ctr"/>
+                <a:endParaRPr lang="en-AU"/>
+              </a:p>
+            </p:txBody>
+          </p:sp>
+        </p:grpSp>
+        <p:grpSp>
+          <p:nvGrpSpPr>
+            <p:cNvPr id="66" name="Group 65">
+              <a:extLst>
+                <a:ext uri="{FF2B5EF4-FFF2-40B4-BE49-F238E27FC236}">
+                  <a16:creationId xmlns:a16="http://schemas.microsoft.com/office/drawing/2014/main" id="{FD888494-F570-4DD5-9828-A3ADC256EC5B}"/>
+                </a:ext>
+              </a:extLst>
+            </p:cNvPr>
+            <p:cNvGrpSpPr/>
+            <p:nvPr/>
+          </p:nvGrpSpPr>
+          <p:grpSpPr>
+            <a:xfrm>
+              <a:off x="7797798" y="2781300"/>
+              <a:ext cx="1117600" cy="1092200"/>
+              <a:chOff x="6718300" y="990599"/>
+              <a:chExt cx="1117600" cy="1092200"/>
+            </a:xfrm>
+          </p:grpSpPr>
+          <p:sp>
+            <p:nvSpPr>
+              <p:cNvPr id="67" name="Rectangle 66">
+                <a:extLst>
+                  <a:ext uri="{FF2B5EF4-FFF2-40B4-BE49-F238E27FC236}">
+                    <a16:creationId xmlns:a16="http://schemas.microsoft.com/office/drawing/2014/main" id="{8A55FF8B-EEDF-4A23-A794-C719B54A09D9}"/>
+                  </a:ext>
+                </a:extLst>
+              </p:cNvPr>
+              <p:cNvSpPr/>
+              <p:nvPr/>
+            </p:nvSpPr>
+            <p:spPr>
+              <a:xfrm>
+                <a:off x="6718300" y="990599"/>
+                <a:ext cx="1117600" cy="1092200"/>
+              </a:xfrm>
+              <a:prstGeom prst="rect">
+                <a:avLst/>
+              </a:prstGeom>
+            </p:spPr>
+            <p:style>
+              <a:lnRef idx="2">
+                <a:schemeClr val="accent6"/>
+              </a:lnRef>
+              <a:fillRef idx="1">
+                <a:schemeClr val="lt1"/>
+              </a:fillRef>
+              <a:effectRef idx="0">
+                <a:schemeClr val="accent6"/>
+              </a:effectRef>
+              <a:fontRef idx="minor">
+                <a:schemeClr val="dk1"/>
+              </a:fontRef>
+            </p:style>
+            <p:txBody>
+              <a:bodyPr rtlCol="0" anchor="t"/>
+              <a:lstStyle/>
+              <a:p>
+                <a:pPr algn="ctr"/>
+                <a:r>
+                  <a:rPr lang="en-AU" sz="1200" dirty="0"/>
+                  <a:t>Node (56 procs)</a:t>
+                </a:r>
+              </a:p>
+            </p:txBody>
+          </p:sp>
+          <p:sp>
+            <p:nvSpPr>
+              <p:cNvPr id="68" name="Rectangle 67">
+                <a:extLst>
+                  <a:ext uri="{FF2B5EF4-FFF2-40B4-BE49-F238E27FC236}">
+                    <a16:creationId xmlns:a16="http://schemas.microsoft.com/office/drawing/2014/main" id="{53A4379E-4AB7-4DF4-A5E6-815BCAE81227}"/>
+                  </a:ext>
+                </a:extLst>
+              </p:cNvPr>
+              <p:cNvSpPr/>
+              <p:nvPr/>
+            </p:nvSpPr>
+            <p:spPr>
+              <a:xfrm>
+                <a:off x="6896100" y="1460499"/>
+                <a:ext cx="228600" cy="152400"/>
+              </a:xfrm>
+              <a:prstGeom prst="rect">
+                <a:avLst/>
+              </a:prstGeom>
+            </p:spPr>
+            <p:style>
+              <a:lnRef idx="2">
+                <a:schemeClr val="accent6"/>
+              </a:lnRef>
+              <a:fillRef idx="1">
+                <a:schemeClr val="lt1"/>
+              </a:fillRef>
+              <a:effectRef idx="0">
+                <a:schemeClr val="accent6"/>
+              </a:effectRef>
+              <a:fontRef idx="minor">
+                <a:schemeClr val="dk1"/>
+              </a:fontRef>
+            </p:style>
+            <p:txBody>
+              <a:bodyPr rtlCol="0" anchor="ctr"/>
+              <a:lstStyle/>
+              <a:p>
+                <a:pPr algn="ctr"/>
+                <a:endParaRPr lang="en-AU"/>
+              </a:p>
+            </p:txBody>
+          </p:sp>
+          <p:sp>
+            <p:nvSpPr>
+              <p:cNvPr id="69" name="Rectangle 68">
+                <a:extLst>
+                  <a:ext uri="{FF2B5EF4-FFF2-40B4-BE49-F238E27FC236}">
+                    <a16:creationId xmlns:a16="http://schemas.microsoft.com/office/drawing/2014/main" id="{06F1EBC3-CAEA-4E33-A476-11092A08262C}"/>
+                  </a:ext>
+                </a:extLst>
+              </p:cNvPr>
+              <p:cNvSpPr/>
+              <p:nvPr/>
+            </p:nvSpPr>
+            <p:spPr>
+              <a:xfrm>
+                <a:off x="6896100" y="1825625"/>
+                <a:ext cx="228600" cy="152400"/>
+              </a:xfrm>
+              <a:prstGeom prst="rect">
+                <a:avLst/>
+              </a:prstGeom>
+            </p:spPr>
+            <p:style>
+              <a:lnRef idx="2">
+                <a:schemeClr val="accent6"/>
+              </a:lnRef>
+              <a:fillRef idx="1">
+                <a:schemeClr val="lt1"/>
+              </a:fillRef>
+              <a:effectRef idx="0">
+                <a:schemeClr val="accent6"/>
+              </a:effectRef>
+              <a:fontRef idx="minor">
+                <a:schemeClr val="dk1"/>
+              </a:fontRef>
+            </p:style>
+            <p:txBody>
+              <a:bodyPr rtlCol="0" anchor="ctr"/>
+              <a:lstStyle/>
+              <a:p>
+                <a:pPr algn="ctr"/>
+                <a:endParaRPr lang="en-AU"/>
+              </a:p>
+            </p:txBody>
+          </p:sp>
+          <p:sp>
+            <p:nvSpPr>
+              <p:cNvPr id="70" name="Rectangle 69">
+                <a:extLst>
+                  <a:ext uri="{FF2B5EF4-FFF2-40B4-BE49-F238E27FC236}">
+                    <a16:creationId xmlns:a16="http://schemas.microsoft.com/office/drawing/2014/main" id="{71502A91-E4D9-4FD0-8AD4-DC4B17106F2C}"/>
+                  </a:ext>
+                </a:extLst>
+              </p:cNvPr>
+              <p:cNvSpPr/>
+              <p:nvPr/>
+            </p:nvSpPr>
+            <p:spPr>
+              <a:xfrm>
+                <a:off x="6896100" y="1643062"/>
+                <a:ext cx="228600" cy="152400"/>
+              </a:xfrm>
+              <a:prstGeom prst="rect">
+                <a:avLst/>
+              </a:prstGeom>
+            </p:spPr>
+            <p:style>
+              <a:lnRef idx="2">
+                <a:schemeClr val="accent6"/>
+              </a:lnRef>
+              <a:fillRef idx="1">
+                <a:schemeClr val="lt1"/>
+              </a:fillRef>
+              <a:effectRef idx="0">
+                <a:schemeClr val="accent6"/>
+              </a:effectRef>
+              <a:fontRef idx="minor">
+                <a:schemeClr val="dk1"/>
+              </a:fontRef>
+            </p:style>
+            <p:txBody>
+              <a:bodyPr rtlCol="0" anchor="ctr"/>
+              <a:lstStyle/>
+              <a:p>
+                <a:pPr algn="ctr"/>
+                <a:endParaRPr lang="en-AU"/>
+              </a:p>
+            </p:txBody>
+          </p:sp>
+          <p:sp>
+            <p:nvSpPr>
+              <p:cNvPr id="71" name="Rectangle 70">
+                <a:extLst>
+                  <a:ext uri="{FF2B5EF4-FFF2-40B4-BE49-F238E27FC236}">
+                    <a16:creationId xmlns:a16="http://schemas.microsoft.com/office/drawing/2014/main" id="{12156B24-0D87-4963-BB41-527F338535D6}"/>
+                  </a:ext>
+                </a:extLst>
+              </p:cNvPr>
+              <p:cNvSpPr/>
+              <p:nvPr/>
+            </p:nvSpPr>
+            <p:spPr>
+              <a:xfrm>
+                <a:off x="7162800" y="1465261"/>
+                <a:ext cx="228600" cy="152400"/>
+              </a:xfrm>
+              <a:prstGeom prst="rect">
+                <a:avLst/>
+              </a:prstGeom>
+            </p:spPr>
+            <p:style>
+              <a:lnRef idx="2">
+                <a:schemeClr val="accent6"/>
+              </a:lnRef>
+              <a:fillRef idx="1">
+                <a:schemeClr val="lt1"/>
+              </a:fillRef>
+              <a:effectRef idx="0">
+                <a:schemeClr val="accent6"/>
+              </a:effectRef>
+              <a:fontRef idx="minor">
+                <a:schemeClr val="dk1"/>
+              </a:fontRef>
+            </p:style>
+            <p:txBody>
+              <a:bodyPr rtlCol="0" anchor="ctr"/>
+              <a:lstStyle/>
+              <a:p>
+                <a:pPr algn="ctr"/>
+                <a:endParaRPr lang="en-AU"/>
+              </a:p>
+            </p:txBody>
+          </p:sp>
+          <p:sp>
+            <p:nvSpPr>
+              <p:cNvPr id="72" name="Rectangle 71">
+                <a:extLst>
+                  <a:ext uri="{FF2B5EF4-FFF2-40B4-BE49-F238E27FC236}">
+                    <a16:creationId xmlns:a16="http://schemas.microsoft.com/office/drawing/2014/main" id="{A01C8CE0-F13B-4D18-82A2-00DCF26DF90F}"/>
+                  </a:ext>
+                </a:extLst>
+              </p:cNvPr>
+              <p:cNvSpPr/>
+              <p:nvPr/>
+            </p:nvSpPr>
+            <p:spPr>
+              <a:xfrm>
+                <a:off x="7162800" y="1830387"/>
+                <a:ext cx="228600" cy="152400"/>
+              </a:xfrm>
+              <a:prstGeom prst="rect">
+                <a:avLst/>
+              </a:prstGeom>
+            </p:spPr>
+            <p:style>
+              <a:lnRef idx="2">
+                <a:schemeClr val="accent6"/>
+              </a:lnRef>
+              <a:fillRef idx="1">
+                <a:schemeClr val="lt1"/>
+              </a:fillRef>
+              <a:effectRef idx="0">
+                <a:schemeClr val="accent6"/>
+              </a:effectRef>
+              <a:fontRef idx="minor">
+                <a:schemeClr val="dk1"/>
+              </a:fontRef>
+            </p:style>
+            <p:txBody>
+              <a:bodyPr rtlCol="0" anchor="ctr"/>
+              <a:lstStyle/>
+              <a:p>
+                <a:pPr algn="ctr"/>
+                <a:endParaRPr lang="en-AU"/>
+              </a:p>
+            </p:txBody>
+          </p:sp>
+          <p:sp>
+            <p:nvSpPr>
+              <p:cNvPr id="73" name="Rectangle 72">
+                <a:extLst>
+                  <a:ext uri="{FF2B5EF4-FFF2-40B4-BE49-F238E27FC236}">
+                    <a16:creationId xmlns:a16="http://schemas.microsoft.com/office/drawing/2014/main" id="{BA2C1014-C17E-4ED5-B942-5CF21EC7A990}"/>
+                  </a:ext>
+                </a:extLst>
+              </p:cNvPr>
+              <p:cNvSpPr/>
+              <p:nvPr/>
+            </p:nvSpPr>
+            <p:spPr>
+              <a:xfrm>
+                <a:off x="7162800" y="1647824"/>
+                <a:ext cx="228600" cy="152400"/>
+              </a:xfrm>
+              <a:prstGeom prst="rect">
+                <a:avLst/>
+              </a:prstGeom>
+            </p:spPr>
+            <p:style>
+              <a:lnRef idx="2">
+                <a:schemeClr val="accent6"/>
+              </a:lnRef>
+              <a:fillRef idx="1">
+                <a:schemeClr val="lt1"/>
+              </a:fillRef>
+              <a:effectRef idx="0">
+                <a:schemeClr val="accent6"/>
+              </a:effectRef>
+              <a:fontRef idx="minor">
+                <a:schemeClr val="dk1"/>
+              </a:fontRef>
+            </p:style>
+            <p:txBody>
+              <a:bodyPr rtlCol="0" anchor="ctr"/>
+              <a:lstStyle/>
+              <a:p>
+                <a:pPr algn="ctr"/>
+                <a:endParaRPr lang="en-AU"/>
+              </a:p>
+            </p:txBody>
+          </p:sp>
+          <p:sp>
+            <p:nvSpPr>
+              <p:cNvPr id="74" name="Rectangle 73">
+                <a:extLst>
+                  <a:ext uri="{FF2B5EF4-FFF2-40B4-BE49-F238E27FC236}">
+                    <a16:creationId xmlns:a16="http://schemas.microsoft.com/office/drawing/2014/main" id="{ACFE4E8F-6EEE-4335-B35F-3EDEE2E7997B}"/>
+                  </a:ext>
+                </a:extLst>
+              </p:cNvPr>
+              <p:cNvSpPr/>
+              <p:nvPr/>
+            </p:nvSpPr>
+            <p:spPr>
+              <a:xfrm>
+                <a:off x="7442200" y="1460499"/>
+                <a:ext cx="228600" cy="152400"/>
+              </a:xfrm>
+              <a:prstGeom prst="rect">
+                <a:avLst/>
+              </a:prstGeom>
+            </p:spPr>
+            <p:style>
+              <a:lnRef idx="2">
+                <a:schemeClr val="accent6"/>
+              </a:lnRef>
+              <a:fillRef idx="1">
+                <a:schemeClr val="lt1"/>
+              </a:fillRef>
+              <a:effectRef idx="0">
+                <a:schemeClr val="accent6"/>
+              </a:effectRef>
+              <a:fontRef idx="minor">
+                <a:schemeClr val="dk1"/>
+              </a:fontRef>
+            </p:style>
+            <p:txBody>
+              <a:bodyPr rtlCol="0" anchor="ctr"/>
+              <a:lstStyle/>
+              <a:p>
+                <a:pPr algn="ctr"/>
+                <a:endParaRPr lang="en-AU"/>
+              </a:p>
+            </p:txBody>
+          </p:sp>
+          <p:sp>
+            <p:nvSpPr>
+              <p:cNvPr id="75" name="Rectangle 74">
+                <a:extLst>
+                  <a:ext uri="{FF2B5EF4-FFF2-40B4-BE49-F238E27FC236}">
+                    <a16:creationId xmlns:a16="http://schemas.microsoft.com/office/drawing/2014/main" id="{FAFC20F0-9389-4B08-ABE4-F8C15A0661A8}"/>
+                  </a:ext>
+                </a:extLst>
+              </p:cNvPr>
+              <p:cNvSpPr/>
+              <p:nvPr/>
+            </p:nvSpPr>
+            <p:spPr>
+              <a:xfrm>
+                <a:off x="7442200" y="1825625"/>
+                <a:ext cx="228600" cy="152400"/>
+              </a:xfrm>
+              <a:prstGeom prst="rect">
+                <a:avLst/>
+              </a:prstGeom>
+            </p:spPr>
+            <p:style>
+              <a:lnRef idx="2">
+                <a:schemeClr val="accent6"/>
+              </a:lnRef>
+              <a:fillRef idx="1">
+                <a:schemeClr val="lt1"/>
+              </a:fillRef>
+              <a:effectRef idx="0">
+                <a:schemeClr val="accent6"/>
+              </a:effectRef>
+              <a:fontRef idx="minor">
+                <a:schemeClr val="dk1"/>
+              </a:fontRef>
+            </p:style>
+            <p:txBody>
+              <a:bodyPr rtlCol="0" anchor="ctr"/>
+              <a:lstStyle/>
+              <a:p>
+                <a:pPr algn="ctr"/>
+                <a:endParaRPr lang="en-AU"/>
+              </a:p>
+            </p:txBody>
+          </p:sp>
+          <p:sp>
+            <p:nvSpPr>
+              <p:cNvPr id="76" name="Rectangle 75">
+                <a:extLst>
+                  <a:ext uri="{FF2B5EF4-FFF2-40B4-BE49-F238E27FC236}">
+                    <a16:creationId xmlns:a16="http://schemas.microsoft.com/office/drawing/2014/main" id="{08EBA348-3956-4D39-8969-22B839D994EE}"/>
+                  </a:ext>
+                </a:extLst>
+              </p:cNvPr>
+              <p:cNvSpPr/>
+              <p:nvPr/>
+            </p:nvSpPr>
+            <p:spPr>
+              <a:xfrm>
+                <a:off x="7442200" y="1643062"/>
+                <a:ext cx="228600" cy="152400"/>
+              </a:xfrm>
+              <a:prstGeom prst="rect">
+                <a:avLst/>
+              </a:prstGeom>
+            </p:spPr>
+            <p:style>
+              <a:lnRef idx="2">
+                <a:schemeClr val="accent6"/>
+              </a:lnRef>
+              <a:fillRef idx="1">
+                <a:schemeClr val="lt1"/>
+              </a:fillRef>
+              <a:effectRef idx="0">
+                <a:schemeClr val="accent6"/>
+              </a:effectRef>
+              <a:fontRef idx="minor">
+                <a:schemeClr val="dk1"/>
+              </a:fontRef>
+            </p:style>
+            <p:txBody>
+              <a:bodyPr rtlCol="0" anchor="ctr"/>
+              <a:lstStyle/>
+              <a:p>
+                <a:pPr algn="ctr"/>
+                <a:endParaRPr lang="en-AU"/>
+              </a:p>
+            </p:txBody>
+          </p:sp>
+        </p:grpSp>
+        <p:grpSp>
+          <p:nvGrpSpPr>
+            <p:cNvPr id="77" name="Group 76">
+              <a:extLst>
+                <a:ext uri="{FF2B5EF4-FFF2-40B4-BE49-F238E27FC236}">
+                  <a16:creationId xmlns:a16="http://schemas.microsoft.com/office/drawing/2014/main" id="{68C7F0EB-A601-44DD-B955-5CCB354BC7A7}"/>
+                </a:ext>
+              </a:extLst>
+            </p:cNvPr>
+            <p:cNvGrpSpPr/>
+            <p:nvPr/>
+          </p:nvGrpSpPr>
+          <p:grpSpPr>
+            <a:xfrm>
+              <a:off x="9093199" y="2781300"/>
+              <a:ext cx="1117600" cy="1092200"/>
+              <a:chOff x="6718300" y="990599"/>
+              <a:chExt cx="1117600" cy="1092200"/>
+            </a:xfrm>
+          </p:grpSpPr>
+          <p:sp>
+            <p:nvSpPr>
+              <p:cNvPr id="78" name="Rectangle 77">
+                <a:extLst>
+                  <a:ext uri="{FF2B5EF4-FFF2-40B4-BE49-F238E27FC236}">
+                    <a16:creationId xmlns:a16="http://schemas.microsoft.com/office/drawing/2014/main" id="{56A35325-4512-4FE4-AED8-75B4D5A6BBEB}"/>
+                  </a:ext>
+                </a:extLst>
+              </p:cNvPr>
+              <p:cNvSpPr/>
+              <p:nvPr/>
+            </p:nvSpPr>
+            <p:spPr>
+              <a:xfrm>
+                <a:off x="6718300" y="990599"/>
+                <a:ext cx="1117600" cy="1092200"/>
+              </a:xfrm>
+              <a:prstGeom prst="rect">
+                <a:avLst/>
+              </a:prstGeom>
+            </p:spPr>
+            <p:style>
+              <a:lnRef idx="2">
+                <a:schemeClr val="accent6"/>
+              </a:lnRef>
+              <a:fillRef idx="1">
+                <a:schemeClr val="lt1"/>
+              </a:fillRef>
+              <a:effectRef idx="0">
+                <a:schemeClr val="accent6"/>
+              </a:effectRef>
+              <a:fontRef idx="minor">
+                <a:schemeClr val="dk1"/>
+              </a:fontRef>
+            </p:style>
+            <p:txBody>
+              <a:bodyPr rtlCol="0" anchor="t"/>
+              <a:lstStyle/>
+              <a:p>
+                <a:pPr algn="ctr"/>
+                <a:r>
+                  <a:rPr lang="en-AU" sz="1200" dirty="0"/>
+                  <a:t>Node (56 procs)</a:t>
+                </a:r>
+              </a:p>
+            </p:txBody>
+          </p:sp>
+          <p:sp>
+            <p:nvSpPr>
+              <p:cNvPr id="79" name="Rectangle 78">
+                <a:extLst>
+                  <a:ext uri="{FF2B5EF4-FFF2-40B4-BE49-F238E27FC236}">
+                    <a16:creationId xmlns:a16="http://schemas.microsoft.com/office/drawing/2014/main" id="{C7EC8FEA-D950-45DE-901A-7592862CA72E}"/>
+                  </a:ext>
+                </a:extLst>
+              </p:cNvPr>
+              <p:cNvSpPr/>
+              <p:nvPr/>
+            </p:nvSpPr>
+            <p:spPr>
+              <a:xfrm>
+                <a:off x="6896100" y="1460499"/>
+                <a:ext cx="228600" cy="152400"/>
+              </a:xfrm>
+              <a:prstGeom prst="rect">
+                <a:avLst/>
+              </a:prstGeom>
+            </p:spPr>
+            <p:style>
+              <a:lnRef idx="2">
+                <a:schemeClr val="accent6"/>
+              </a:lnRef>
+              <a:fillRef idx="1">
+                <a:schemeClr val="lt1"/>
+              </a:fillRef>
+              <a:effectRef idx="0">
+                <a:schemeClr val="accent6"/>
+              </a:effectRef>
+              <a:fontRef idx="minor">
+                <a:schemeClr val="dk1"/>
+              </a:fontRef>
+            </p:style>
+            <p:txBody>
+              <a:bodyPr rtlCol="0" anchor="ctr"/>
+              <a:lstStyle/>
+              <a:p>
+                <a:pPr algn="ctr"/>
+                <a:endParaRPr lang="en-AU"/>
+              </a:p>
+            </p:txBody>
+          </p:sp>
+          <p:sp>
+            <p:nvSpPr>
+              <p:cNvPr id="80" name="Rectangle 79">
+                <a:extLst>
+                  <a:ext uri="{FF2B5EF4-FFF2-40B4-BE49-F238E27FC236}">
+                    <a16:creationId xmlns:a16="http://schemas.microsoft.com/office/drawing/2014/main" id="{60D3F08D-6426-446A-83CB-878A713CDBE7}"/>
+                  </a:ext>
+                </a:extLst>
+              </p:cNvPr>
+              <p:cNvSpPr/>
+              <p:nvPr/>
+            </p:nvSpPr>
+            <p:spPr>
+              <a:xfrm>
+                <a:off x="6896100" y="1825625"/>
+                <a:ext cx="228600" cy="152400"/>
+              </a:xfrm>
+              <a:prstGeom prst="rect">
+                <a:avLst/>
+              </a:prstGeom>
+            </p:spPr>
+            <p:style>
+              <a:lnRef idx="2">
+                <a:schemeClr val="accent6"/>
+              </a:lnRef>
+              <a:fillRef idx="1">
+                <a:schemeClr val="lt1"/>
+              </a:fillRef>
+              <a:effectRef idx="0">
+                <a:schemeClr val="accent6"/>
+              </a:effectRef>
+              <a:fontRef idx="minor">
+                <a:schemeClr val="dk1"/>
+              </a:fontRef>
+            </p:style>
+            <p:txBody>
+              <a:bodyPr rtlCol="0" anchor="ctr"/>
+              <a:lstStyle/>
+              <a:p>
+                <a:pPr algn="ctr"/>
+                <a:endParaRPr lang="en-AU"/>
+              </a:p>
+            </p:txBody>
+          </p:sp>
+          <p:sp>
+            <p:nvSpPr>
+              <p:cNvPr id="81" name="Rectangle 80">
+                <a:extLst>
+                  <a:ext uri="{FF2B5EF4-FFF2-40B4-BE49-F238E27FC236}">
+                    <a16:creationId xmlns:a16="http://schemas.microsoft.com/office/drawing/2014/main" id="{88D59B5C-E822-46B9-8911-1B313C422AB0}"/>
+                  </a:ext>
+                </a:extLst>
+              </p:cNvPr>
+              <p:cNvSpPr/>
+              <p:nvPr/>
+            </p:nvSpPr>
+            <p:spPr>
+              <a:xfrm>
+                <a:off x="6896100" y="1643062"/>
+                <a:ext cx="228600" cy="152400"/>
+              </a:xfrm>
+              <a:prstGeom prst="rect">
+                <a:avLst/>
+              </a:prstGeom>
+            </p:spPr>
+            <p:style>
+              <a:lnRef idx="2">
+                <a:schemeClr val="accent6"/>
+              </a:lnRef>
+              <a:fillRef idx="1">
+                <a:schemeClr val="lt1"/>
+              </a:fillRef>
+              <a:effectRef idx="0">
+                <a:schemeClr val="accent6"/>
+              </a:effectRef>
+              <a:fontRef idx="minor">
+                <a:schemeClr val="dk1"/>
+              </a:fontRef>
+            </p:style>
+            <p:txBody>
+              <a:bodyPr rtlCol="0" anchor="ctr"/>
+              <a:lstStyle/>
+              <a:p>
+                <a:pPr algn="ctr"/>
+                <a:endParaRPr lang="en-AU"/>
+              </a:p>
+            </p:txBody>
+          </p:sp>
+          <p:sp>
+            <p:nvSpPr>
+              <p:cNvPr id="82" name="Rectangle 81">
+                <a:extLst>
+                  <a:ext uri="{FF2B5EF4-FFF2-40B4-BE49-F238E27FC236}">
+                    <a16:creationId xmlns:a16="http://schemas.microsoft.com/office/drawing/2014/main" id="{99639E73-EF1B-4401-806D-5B1F6B17D414}"/>
+                  </a:ext>
+                </a:extLst>
+              </p:cNvPr>
+              <p:cNvSpPr/>
+              <p:nvPr/>
+            </p:nvSpPr>
+            <p:spPr>
+              <a:xfrm>
+                <a:off x="7162800" y="1465261"/>
+                <a:ext cx="228600" cy="152400"/>
+              </a:xfrm>
+              <a:prstGeom prst="rect">
+                <a:avLst/>
+              </a:prstGeom>
+            </p:spPr>
+            <p:style>
+              <a:lnRef idx="2">
+                <a:schemeClr val="accent6"/>
+              </a:lnRef>
+              <a:fillRef idx="1">
+                <a:schemeClr val="lt1"/>
+              </a:fillRef>
+              <a:effectRef idx="0">
+                <a:schemeClr val="accent6"/>
+              </a:effectRef>
+              <a:fontRef idx="minor">
+                <a:schemeClr val="dk1"/>
+              </a:fontRef>
+            </p:style>
+            <p:txBody>
+              <a:bodyPr rtlCol="0" anchor="ctr"/>
+              <a:lstStyle/>
+              <a:p>
+                <a:pPr algn="ctr"/>
+                <a:endParaRPr lang="en-AU"/>
+              </a:p>
+            </p:txBody>
+          </p:sp>
+          <p:sp>
+            <p:nvSpPr>
+              <p:cNvPr id="83" name="Rectangle 82">
+                <a:extLst>
+                  <a:ext uri="{FF2B5EF4-FFF2-40B4-BE49-F238E27FC236}">
+                    <a16:creationId xmlns:a16="http://schemas.microsoft.com/office/drawing/2014/main" id="{DAD5856C-7E57-420E-AAB4-65A4562359FF}"/>
+                  </a:ext>
+                </a:extLst>
+              </p:cNvPr>
+              <p:cNvSpPr/>
+              <p:nvPr/>
+            </p:nvSpPr>
+            <p:spPr>
+              <a:xfrm>
+                <a:off x="7162800" y="1830387"/>
+                <a:ext cx="228600" cy="152400"/>
+              </a:xfrm>
+              <a:prstGeom prst="rect">
+                <a:avLst/>
+              </a:prstGeom>
+            </p:spPr>
+            <p:style>
+              <a:lnRef idx="2">
+                <a:schemeClr val="accent6"/>
+              </a:lnRef>
+              <a:fillRef idx="1">
+                <a:schemeClr val="lt1"/>
+              </a:fillRef>
+              <a:effectRef idx="0">
+                <a:schemeClr val="accent6"/>
+              </a:effectRef>
+              <a:fontRef idx="minor">
+                <a:schemeClr val="dk1"/>
+              </a:fontRef>
+            </p:style>
+            <p:txBody>
+              <a:bodyPr rtlCol="0" anchor="ctr"/>
+              <a:lstStyle/>
+              <a:p>
+                <a:pPr algn="ctr"/>
+                <a:endParaRPr lang="en-AU"/>
+              </a:p>
+            </p:txBody>
+          </p:sp>
+          <p:sp>
+            <p:nvSpPr>
+              <p:cNvPr id="84" name="Rectangle 83">
+                <a:extLst>
+                  <a:ext uri="{FF2B5EF4-FFF2-40B4-BE49-F238E27FC236}">
+                    <a16:creationId xmlns:a16="http://schemas.microsoft.com/office/drawing/2014/main" id="{AB46BD0B-6AEB-4FCA-99DB-C340FFB46E6D}"/>
+                  </a:ext>
+                </a:extLst>
+              </p:cNvPr>
+              <p:cNvSpPr/>
+              <p:nvPr/>
+            </p:nvSpPr>
+            <p:spPr>
+              <a:xfrm>
+                <a:off x="7162800" y="1647824"/>
+                <a:ext cx="228600" cy="152400"/>
+              </a:xfrm>
+              <a:prstGeom prst="rect">
+                <a:avLst/>
+              </a:prstGeom>
+            </p:spPr>
+            <p:style>
+              <a:lnRef idx="2">
+                <a:schemeClr val="accent6"/>
+              </a:lnRef>
+              <a:fillRef idx="1">
+                <a:schemeClr val="lt1"/>
+              </a:fillRef>
+              <a:effectRef idx="0">
+                <a:schemeClr val="accent6"/>
+              </a:effectRef>
+              <a:fontRef idx="minor">
+                <a:schemeClr val="dk1"/>
+              </a:fontRef>
+            </p:style>
+            <p:txBody>
+              <a:bodyPr rtlCol="0" anchor="ctr"/>
+              <a:lstStyle/>
+              <a:p>
+                <a:pPr algn="ctr"/>
+                <a:endParaRPr lang="en-AU"/>
+              </a:p>
+            </p:txBody>
+          </p:sp>
+          <p:sp>
+            <p:nvSpPr>
+              <p:cNvPr id="85" name="Rectangle 84">
+                <a:extLst>
+                  <a:ext uri="{FF2B5EF4-FFF2-40B4-BE49-F238E27FC236}">
+                    <a16:creationId xmlns:a16="http://schemas.microsoft.com/office/drawing/2014/main" id="{6B9AD895-F370-49F9-86AC-FF4AD18C4C72}"/>
+                  </a:ext>
+                </a:extLst>
+              </p:cNvPr>
+              <p:cNvSpPr/>
+              <p:nvPr/>
+            </p:nvSpPr>
+            <p:spPr>
+              <a:xfrm>
+                <a:off x="7442200" y="1460499"/>
+                <a:ext cx="228600" cy="152400"/>
+              </a:xfrm>
+              <a:prstGeom prst="rect">
+                <a:avLst/>
+              </a:prstGeom>
+            </p:spPr>
+            <p:style>
+              <a:lnRef idx="2">
+                <a:schemeClr val="accent6"/>
+              </a:lnRef>
+              <a:fillRef idx="1">
+                <a:schemeClr val="lt1"/>
+              </a:fillRef>
+              <a:effectRef idx="0">
+                <a:schemeClr val="accent6"/>
+              </a:effectRef>
+              <a:fontRef idx="minor">
+                <a:schemeClr val="dk1"/>
+              </a:fontRef>
+            </p:style>
+            <p:txBody>
+              <a:bodyPr rtlCol="0" anchor="ctr"/>
+              <a:lstStyle/>
+              <a:p>
+                <a:pPr algn="ctr"/>
+                <a:endParaRPr lang="en-AU"/>
+              </a:p>
+            </p:txBody>
+          </p:sp>
+          <p:sp>
+            <p:nvSpPr>
+              <p:cNvPr id="86" name="Rectangle 85">
+                <a:extLst>
+                  <a:ext uri="{FF2B5EF4-FFF2-40B4-BE49-F238E27FC236}">
+                    <a16:creationId xmlns:a16="http://schemas.microsoft.com/office/drawing/2014/main" id="{B2A8165F-0D04-4218-B35B-BCD2E48E7E3D}"/>
+                  </a:ext>
+                </a:extLst>
+              </p:cNvPr>
+              <p:cNvSpPr/>
+              <p:nvPr/>
+            </p:nvSpPr>
+            <p:spPr>
+              <a:xfrm>
+                <a:off x="7442200" y="1825625"/>
+                <a:ext cx="228600" cy="152400"/>
+              </a:xfrm>
+              <a:prstGeom prst="rect">
+                <a:avLst/>
+              </a:prstGeom>
+            </p:spPr>
+            <p:style>
+              <a:lnRef idx="2">
+                <a:schemeClr val="accent6"/>
+              </a:lnRef>
+              <a:fillRef idx="1">
+                <a:schemeClr val="lt1"/>
+              </a:fillRef>
+              <a:effectRef idx="0">
+                <a:schemeClr val="accent6"/>
+              </a:effectRef>
+              <a:fontRef idx="minor">
+                <a:schemeClr val="dk1"/>
+              </a:fontRef>
+            </p:style>
+            <p:txBody>
+              <a:bodyPr rtlCol="0" anchor="ctr"/>
+              <a:lstStyle/>
+              <a:p>
+                <a:pPr algn="ctr"/>
+                <a:endParaRPr lang="en-AU"/>
+              </a:p>
+            </p:txBody>
+          </p:sp>
+          <p:sp>
+            <p:nvSpPr>
+              <p:cNvPr id="87" name="Rectangle 86">
+                <a:extLst>
+                  <a:ext uri="{FF2B5EF4-FFF2-40B4-BE49-F238E27FC236}">
+                    <a16:creationId xmlns:a16="http://schemas.microsoft.com/office/drawing/2014/main" id="{06A6C9A8-6987-4755-BAEC-9B9C8F8322A7}"/>
+                  </a:ext>
+                </a:extLst>
+              </p:cNvPr>
+              <p:cNvSpPr/>
+              <p:nvPr/>
+            </p:nvSpPr>
+            <p:spPr>
+              <a:xfrm>
+                <a:off x="7442200" y="1643062"/>
+                <a:ext cx="228600" cy="152400"/>
+              </a:xfrm>
+              <a:prstGeom prst="rect">
+                <a:avLst/>
+              </a:prstGeom>
+            </p:spPr>
+            <p:style>
+              <a:lnRef idx="2">
+                <a:schemeClr val="accent6"/>
+              </a:lnRef>
+              <a:fillRef idx="1">
+                <a:schemeClr val="lt1"/>
+              </a:fillRef>
+              <a:effectRef idx="0">
+                <a:schemeClr val="accent6"/>
+              </a:effectRef>
+              <a:fontRef idx="minor">
+                <a:schemeClr val="dk1"/>
+              </a:fontRef>
+            </p:style>
+            <p:txBody>
+              <a:bodyPr rtlCol="0" anchor="ctr"/>
+              <a:lstStyle/>
+              <a:p>
+                <a:pPr algn="ctr"/>
+                <a:endParaRPr lang="en-AU"/>
+              </a:p>
+            </p:txBody>
+          </p:sp>
+        </p:grpSp>
+        <p:grpSp>
+          <p:nvGrpSpPr>
+            <p:cNvPr id="88" name="Group 87">
+              <a:extLst>
+                <a:ext uri="{FF2B5EF4-FFF2-40B4-BE49-F238E27FC236}">
+                  <a16:creationId xmlns:a16="http://schemas.microsoft.com/office/drawing/2014/main" id="{F4DE26EE-43F4-4594-9B72-12E13387F579}"/>
+                </a:ext>
+              </a:extLst>
+            </p:cNvPr>
+            <p:cNvGrpSpPr/>
+            <p:nvPr/>
+          </p:nvGrpSpPr>
+          <p:grpSpPr>
+            <a:xfrm>
+              <a:off x="6527799" y="4084638"/>
+              <a:ext cx="1117600" cy="1092200"/>
+              <a:chOff x="6718300" y="990599"/>
+              <a:chExt cx="1117600" cy="1092200"/>
+            </a:xfrm>
+          </p:grpSpPr>
+          <p:sp>
+            <p:nvSpPr>
+              <p:cNvPr id="89" name="Rectangle 88">
+                <a:extLst>
+                  <a:ext uri="{FF2B5EF4-FFF2-40B4-BE49-F238E27FC236}">
+                    <a16:creationId xmlns:a16="http://schemas.microsoft.com/office/drawing/2014/main" id="{D1180B1E-B624-4349-875E-E2A758BEC052}"/>
+                  </a:ext>
+                </a:extLst>
+              </p:cNvPr>
+              <p:cNvSpPr/>
+              <p:nvPr/>
+            </p:nvSpPr>
+            <p:spPr>
+              <a:xfrm>
+                <a:off x="6718300" y="990599"/>
+                <a:ext cx="1117600" cy="1092200"/>
+              </a:xfrm>
+              <a:prstGeom prst="rect">
+                <a:avLst/>
+              </a:prstGeom>
+            </p:spPr>
+            <p:style>
+              <a:lnRef idx="2">
+                <a:schemeClr val="accent6"/>
+              </a:lnRef>
+              <a:fillRef idx="1">
+                <a:schemeClr val="lt1"/>
+              </a:fillRef>
+              <a:effectRef idx="0">
+                <a:schemeClr val="accent6"/>
+              </a:effectRef>
+              <a:fontRef idx="minor">
+                <a:schemeClr val="dk1"/>
+              </a:fontRef>
+            </p:style>
+            <p:txBody>
+              <a:bodyPr rtlCol="0" anchor="t"/>
+              <a:lstStyle/>
+              <a:p>
+                <a:pPr algn="ctr"/>
+                <a:r>
+                  <a:rPr lang="en-AU" sz="1200" dirty="0"/>
+                  <a:t>Node (56 procs)</a:t>
+                </a:r>
+              </a:p>
+            </p:txBody>
+          </p:sp>
+          <p:sp>
+            <p:nvSpPr>
+              <p:cNvPr id="90" name="Rectangle 89">
+                <a:extLst>
+                  <a:ext uri="{FF2B5EF4-FFF2-40B4-BE49-F238E27FC236}">
+                    <a16:creationId xmlns:a16="http://schemas.microsoft.com/office/drawing/2014/main" id="{72717E31-6944-424C-BA25-AF920AC30C3A}"/>
+                  </a:ext>
+                </a:extLst>
+              </p:cNvPr>
+              <p:cNvSpPr/>
+              <p:nvPr/>
+            </p:nvSpPr>
+            <p:spPr>
+              <a:xfrm>
+                <a:off x="6896100" y="1460499"/>
+                <a:ext cx="228600" cy="152400"/>
+              </a:xfrm>
+              <a:prstGeom prst="rect">
+                <a:avLst/>
+              </a:prstGeom>
+            </p:spPr>
+            <p:style>
+              <a:lnRef idx="2">
+                <a:schemeClr val="accent6"/>
+              </a:lnRef>
+              <a:fillRef idx="1">
+                <a:schemeClr val="lt1"/>
+              </a:fillRef>
+              <a:effectRef idx="0">
+                <a:schemeClr val="accent6"/>
+              </a:effectRef>
+              <a:fontRef idx="minor">
+                <a:schemeClr val="dk1"/>
+              </a:fontRef>
+            </p:style>
+            <p:txBody>
+              <a:bodyPr rtlCol="0" anchor="ctr"/>
+              <a:lstStyle/>
+              <a:p>
+                <a:pPr algn="ctr"/>
+                <a:endParaRPr lang="en-AU"/>
+              </a:p>
+            </p:txBody>
+          </p:sp>
+          <p:sp>
+            <p:nvSpPr>
+              <p:cNvPr id="91" name="Rectangle 90">
+                <a:extLst>
+                  <a:ext uri="{FF2B5EF4-FFF2-40B4-BE49-F238E27FC236}">
+                    <a16:creationId xmlns:a16="http://schemas.microsoft.com/office/drawing/2014/main" id="{03CC7F46-8BCC-4C2D-9819-9368F031385A}"/>
+                  </a:ext>
+                </a:extLst>
+              </p:cNvPr>
+              <p:cNvSpPr/>
+              <p:nvPr/>
+            </p:nvSpPr>
+            <p:spPr>
+              <a:xfrm>
+                <a:off x="6896100" y="1825625"/>
+                <a:ext cx="228600" cy="152400"/>
+              </a:xfrm>
+              <a:prstGeom prst="rect">
+                <a:avLst/>
+              </a:prstGeom>
+            </p:spPr>
+            <p:style>
+              <a:lnRef idx="2">
+                <a:schemeClr val="accent6"/>
+              </a:lnRef>
+              <a:fillRef idx="1">
+                <a:schemeClr val="lt1"/>
+              </a:fillRef>
+              <a:effectRef idx="0">
+                <a:schemeClr val="accent6"/>
+              </a:effectRef>
+              <a:fontRef idx="minor">
+                <a:schemeClr val="dk1"/>
+              </a:fontRef>
+            </p:style>
+            <p:txBody>
+              <a:bodyPr rtlCol="0" anchor="ctr"/>
+              <a:lstStyle/>
+              <a:p>
+                <a:pPr algn="ctr"/>
+                <a:endParaRPr lang="en-AU"/>
+              </a:p>
+            </p:txBody>
+          </p:sp>
+          <p:sp>
+            <p:nvSpPr>
+              <p:cNvPr id="92" name="Rectangle 91">
+                <a:extLst>
+                  <a:ext uri="{FF2B5EF4-FFF2-40B4-BE49-F238E27FC236}">
+                    <a16:creationId xmlns:a16="http://schemas.microsoft.com/office/drawing/2014/main" id="{6211B24C-01D5-4863-ACAE-403461C72A6F}"/>
+                  </a:ext>
+                </a:extLst>
+              </p:cNvPr>
+              <p:cNvSpPr/>
+              <p:nvPr/>
+            </p:nvSpPr>
+            <p:spPr>
+              <a:xfrm>
+                <a:off x="6896100" y="1643062"/>
+                <a:ext cx="228600" cy="152400"/>
+              </a:xfrm>
+              <a:prstGeom prst="rect">
+                <a:avLst/>
+              </a:prstGeom>
+            </p:spPr>
+            <p:style>
+              <a:lnRef idx="2">
+                <a:schemeClr val="accent6"/>
+              </a:lnRef>
+              <a:fillRef idx="1">
+                <a:schemeClr val="lt1"/>
+              </a:fillRef>
+              <a:effectRef idx="0">
+                <a:schemeClr val="accent6"/>
+              </a:effectRef>
+              <a:fontRef idx="minor">
+                <a:schemeClr val="dk1"/>
+              </a:fontRef>
+            </p:style>
+            <p:txBody>
+              <a:bodyPr rtlCol="0" anchor="ctr"/>
+              <a:lstStyle/>
+              <a:p>
+                <a:pPr algn="ctr"/>
+                <a:endParaRPr lang="en-AU"/>
+              </a:p>
+            </p:txBody>
+          </p:sp>
+          <p:sp>
+            <p:nvSpPr>
+              <p:cNvPr id="93" name="Rectangle 92">
+                <a:extLst>
+                  <a:ext uri="{FF2B5EF4-FFF2-40B4-BE49-F238E27FC236}">
+                    <a16:creationId xmlns:a16="http://schemas.microsoft.com/office/drawing/2014/main" id="{B169CFE6-5B3C-4305-BCD9-C0FDDAD7DEAD}"/>
+                  </a:ext>
+                </a:extLst>
+              </p:cNvPr>
+              <p:cNvSpPr/>
+              <p:nvPr/>
+            </p:nvSpPr>
+            <p:spPr>
+              <a:xfrm>
+                <a:off x="7162800" y="1465261"/>
+                <a:ext cx="228600" cy="152400"/>
+              </a:xfrm>
+              <a:prstGeom prst="rect">
+                <a:avLst/>
+              </a:prstGeom>
+            </p:spPr>
+            <p:style>
+              <a:lnRef idx="2">
+                <a:schemeClr val="accent6"/>
+              </a:lnRef>
+              <a:fillRef idx="1">
+                <a:schemeClr val="lt1"/>
+              </a:fillRef>
+              <a:effectRef idx="0">
+                <a:schemeClr val="accent6"/>
+              </a:effectRef>
+              <a:fontRef idx="minor">
+                <a:schemeClr val="dk1"/>
+              </a:fontRef>
+            </p:style>
+            <p:txBody>
+              <a:bodyPr rtlCol="0" anchor="ctr"/>
+              <a:lstStyle/>
+              <a:p>
+                <a:pPr algn="ctr"/>
+                <a:endParaRPr lang="en-AU"/>
+              </a:p>
+            </p:txBody>
+          </p:sp>
+          <p:sp>
+            <p:nvSpPr>
+              <p:cNvPr id="94" name="Rectangle 93">
+                <a:extLst>
+                  <a:ext uri="{FF2B5EF4-FFF2-40B4-BE49-F238E27FC236}">
+                    <a16:creationId xmlns:a16="http://schemas.microsoft.com/office/drawing/2014/main" id="{29B5429C-74CA-4913-B410-84FA4F4ECA0D}"/>
+                  </a:ext>
+                </a:extLst>
+              </p:cNvPr>
+              <p:cNvSpPr/>
+              <p:nvPr/>
+            </p:nvSpPr>
+            <p:spPr>
+              <a:xfrm>
+                <a:off x="7162800" y="1830387"/>
+                <a:ext cx="228600" cy="152400"/>
+              </a:xfrm>
+              <a:prstGeom prst="rect">
+                <a:avLst/>
+              </a:prstGeom>
+            </p:spPr>
+            <p:style>
+              <a:lnRef idx="2">
+                <a:schemeClr val="accent6"/>
+              </a:lnRef>
+              <a:fillRef idx="1">
+                <a:schemeClr val="lt1"/>
+              </a:fillRef>
+              <a:effectRef idx="0">
+                <a:schemeClr val="accent6"/>
+              </a:effectRef>
+              <a:fontRef idx="minor">
+                <a:schemeClr val="dk1"/>
+              </a:fontRef>
+            </p:style>
+            <p:txBody>
+              <a:bodyPr rtlCol="0" anchor="ctr"/>
+              <a:lstStyle/>
+              <a:p>
+                <a:pPr algn="ctr"/>
+                <a:endParaRPr lang="en-AU"/>
+              </a:p>
+            </p:txBody>
+          </p:sp>
+          <p:sp>
+            <p:nvSpPr>
+              <p:cNvPr id="95" name="Rectangle 94">
+                <a:extLst>
+                  <a:ext uri="{FF2B5EF4-FFF2-40B4-BE49-F238E27FC236}">
+                    <a16:creationId xmlns:a16="http://schemas.microsoft.com/office/drawing/2014/main" id="{568017E2-1283-4568-802E-11E81AF9EF9F}"/>
+                  </a:ext>
+                </a:extLst>
+              </p:cNvPr>
+              <p:cNvSpPr/>
+              <p:nvPr/>
+            </p:nvSpPr>
+            <p:spPr>
+              <a:xfrm>
+                <a:off x="7162800" y="1647824"/>
+                <a:ext cx="228600" cy="152400"/>
+              </a:xfrm>
+              <a:prstGeom prst="rect">
+                <a:avLst/>
+              </a:prstGeom>
+            </p:spPr>
+            <p:style>
+              <a:lnRef idx="2">
+                <a:schemeClr val="accent6"/>
+              </a:lnRef>
+              <a:fillRef idx="1">
+                <a:schemeClr val="lt1"/>
+              </a:fillRef>
+              <a:effectRef idx="0">
+                <a:schemeClr val="accent6"/>
+              </a:effectRef>
+              <a:fontRef idx="minor">
+                <a:schemeClr val="dk1"/>
+              </a:fontRef>
+            </p:style>
+            <p:txBody>
+              <a:bodyPr rtlCol="0" anchor="ctr"/>
+              <a:lstStyle/>
+              <a:p>
+                <a:pPr algn="ctr"/>
+                <a:endParaRPr lang="en-AU"/>
+              </a:p>
+            </p:txBody>
+          </p:sp>
+          <p:sp>
+            <p:nvSpPr>
+              <p:cNvPr id="96" name="Rectangle 95">
+                <a:extLst>
+                  <a:ext uri="{FF2B5EF4-FFF2-40B4-BE49-F238E27FC236}">
+                    <a16:creationId xmlns:a16="http://schemas.microsoft.com/office/drawing/2014/main" id="{0F4FB486-4AE9-46E1-8240-E877A9C70B08}"/>
+                  </a:ext>
+                </a:extLst>
+              </p:cNvPr>
+              <p:cNvSpPr/>
+              <p:nvPr/>
+            </p:nvSpPr>
+            <p:spPr>
+              <a:xfrm>
+                <a:off x="7442200" y="1460499"/>
+                <a:ext cx="228600" cy="152400"/>
+              </a:xfrm>
+              <a:prstGeom prst="rect">
+                <a:avLst/>
+              </a:prstGeom>
+            </p:spPr>
+            <p:style>
+              <a:lnRef idx="2">
+                <a:schemeClr val="accent6"/>
+              </a:lnRef>
+              <a:fillRef idx="1">
+                <a:schemeClr val="lt1"/>
+              </a:fillRef>
+              <a:effectRef idx="0">
+                <a:schemeClr val="accent6"/>
+              </a:effectRef>
+              <a:fontRef idx="minor">
+                <a:schemeClr val="dk1"/>
+              </a:fontRef>
+            </p:style>
+            <p:txBody>
+              <a:bodyPr rtlCol="0" anchor="ctr"/>
+              <a:lstStyle/>
+              <a:p>
+                <a:pPr algn="ctr"/>
+                <a:endParaRPr lang="en-AU"/>
+              </a:p>
+            </p:txBody>
+          </p:sp>
+          <p:sp>
+            <p:nvSpPr>
+              <p:cNvPr id="97" name="Rectangle 96">
+                <a:extLst>
+                  <a:ext uri="{FF2B5EF4-FFF2-40B4-BE49-F238E27FC236}">
+                    <a16:creationId xmlns:a16="http://schemas.microsoft.com/office/drawing/2014/main" id="{E55EA1DB-AEE6-4397-9997-AD1FB704BC51}"/>
+                  </a:ext>
+                </a:extLst>
+              </p:cNvPr>
+              <p:cNvSpPr/>
+              <p:nvPr/>
+            </p:nvSpPr>
+            <p:spPr>
+              <a:xfrm>
+                <a:off x="7442200" y="1825625"/>
+                <a:ext cx="228600" cy="152400"/>
+              </a:xfrm>
+              <a:prstGeom prst="rect">
+                <a:avLst/>
+              </a:prstGeom>
+            </p:spPr>
+            <p:style>
+              <a:lnRef idx="2">
+                <a:schemeClr val="accent6"/>
+              </a:lnRef>
+              <a:fillRef idx="1">
+                <a:schemeClr val="lt1"/>
+              </a:fillRef>
+              <a:effectRef idx="0">
+                <a:schemeClr val="accent6"/>
+              </a:effectRef>
+              <a:fontRef idx="minor">
+                <a:schemeClr val="dk1"/>
+              </a:fontRef>
+            </p:style>
+            <p:txBody>
+              <a:bodyPr rtlCol="0" anchor="ctr"/>
+              <a:lstStyle/>
+              <a:p>
+                <a:pPr algn="ctr"/>
+                <a:endParaRPr lang="en-AU"/>
+              </a:p>
+            </p:txBody>
+          </p:sp>
+          <p:sp>
+            <p:nvSpPr>
+              <p:cNvPr id="98" name="Rectangle 97">
+                <a:extLst>
+                  <a:ext uri="{FF2B5EF4-FFF2-40B4-BE49-F238E27FC236}">
+                    <a16:creationId xmlns:a16="http://schemas.microsoft.com/office/drawing/2014/main" id="{3E7111FF-3986-41CF-B2EB-7B9CBA73C463}"/>
+                  </a:ext>
+                </a:extLst>
+              </p:cNvPr>
+              <p:cNvSpPr/>
+              <p:nvPr/>
+            </p:nvSpPr>
+            <p:spPr>
+              <a:xfrm>
+                <a:off x="7442200" y="1643062"/>
+                <a:ext cx="228600" cy="152400"/>
+              </a:xfrm>
+              <a:prstGeom prst="rect">
+                <a:avLst/>
+              </a:prstGeom>
+            </p:spPr>
+            <p:style>
+              <a:lnRef idx="2">
+                <a:schemeClr val="accent6"/>
+              </a:lnRef>
+              <a:fillRef idx="1">
+                <a:schemeClr val="lt1"/>
+              </a:fillRef>
+              <a:effectRef idx="0">
+                <a:schemeClr val="accent6"/>
+              </a:effectRef>
+              <a:fontRef idx="minor">
+                <a:schemeClr val="dk1"/>
+              </a:fontRef>
+            </p:style>
+            <p:txBody>
+              <a:bodyPr rtlCol="0" anchor="ctr"/>
+              <a:lstStyle/>
+              <a:p>
+                <a:pPr algn="ctr"/>
+                <a:endParaRPr lang="en-AU"/>
+              </a:p>
+            </p:txBody>
+          </p:sp>
+        </p:grpSp>
+        <p:grpSp>
+          <p:nvGrpSpPr>
+            <p:cNvPr id="99" name="Group 98">
+              <a:extLst>
+                <a:ext uri="{FF2B5EF4-FFF2-40B4-BE49-F238E27FC236}">
+                  <a16:creationId xmlns:a16="http://schemas.microsoft.com/office/drawing/2014/main" id="{8808055F-57F4-495B-93A0-C4BC950562F8}"/>
+                </a:ext>
+              </a:extLst>
+            </p:cNvPr>
+            <p:cNvGrpSpPr/>
+            <p:nvPr/>
+          </p:nvGrpSpPr>
+          <p:grpSpPr>
+            <a:xfrm>
+              <a:off x="7797798" y="4084638"/>
+              <a:ext cx="1117600" cy="1092200"/>
+              <a:chOff x="6718300" y="990599"/>
+              <a:chExt cx="1117600" cy="1092200"/>
+            </a:xfrm>
+          </p:grpSpPr>
+          <p:sp>
+            <p:nvSpPr>
+              <p:cNvPr id="100" name="Rectangle 99">
+                <a:extLst>
+                  <a:ext uri="{FF2B5EF4-FFF2-40B4-BE49-F238E27FC236}">
+                    <a16:creationId xmlns:a16="http://schemas.microsoft.com/office/drawing/2014/main" id="{54FAAA85-6D10-4BE0-AE24-08E7C6782AFA}"/>
+                  </a:ext>
+                </a:extLst>
+              </p:cNvPr>
+              <p:cNvSpPr/>
+              <p:nvPr/>
+            </p:nvSpPr>
+            <p:spPr>
+              <a:xfrm>
+                <a:off x="6718300" y="990599"/>
+                <a:ext cx="1117600" cy="1092200"/>
+              </a:xfrm>
+              <a:prstGeom prst="rect">
+                <a:avLst/>
+              </a:prstGeom>
+            </p:spPr>
+            <p:style>
+              <a:lnRef idx="2">
+                <a:schemeClr val="accent6"/>
+              </a:lnRef>
+              <a:fillRef idx="1">
+                <a:schemeClr val="lt1"/>
+              </a:fillRef>
+              <a:effectRef idx="0">
+                <a:schemeClr val="accent6"/>
+              </a:effectRef>
+              <a:fontRef idx="minor">
+                <a:schemeClr val="dk1"/>
+              </a:fontRef>
+            </p:style>
+            <p:txBody>
+              <a:bodyPr rtlCol="0" anchor="t"/>
+              <a:lstStyle/>
+              <a:p>
+                <a:pPr algn="ctr"/>
+                <a:r>
+                  <a:rPr lang="en-AU" sz="1200" dirty="0"/>
+                  <a:t>Node (56 procs)</a:t>
+                </a:r>
+              </a:p>
+            </p:txBody>
+          </p:sp>
+          <p:sp>
+            <p:nvSpPr>
+              <p:cNvPr id="101" name="Rectangle 100">
+                <a:extLst>
+                  <a:ext uri="{FF2B5EF4-FFF2-40B4-BE49-F238E27FC236}">
+                    <a16:creationId xmlns:a16="http://schemas.microsoft.com/office/drawing/2014/main" id="{3EFBC43D-EF60-4513-ABB9-337D91CB3EEE}"/>
+                  </a:ext>
+                </a:extLst>
+              </p:cNvPr>
+              <p:cNvSpPr/>
+              <p:nvPr/>
+            </p:nvSpPr>
+            <p:spPr>
+              <a:xfrm>
+                <a:off x="6896100" y="1460499"/>
+                <a:ext cx="228600" cy="152400"/>
+              </a:xfrm>
+              <a:prstGeom prst="rect">
+                <a:avLst/>
+              </a:prstGeom>
+            </p:spPr>
+            <p:style>
+              <a:lnRef idx="2">
+                <a:schemeClr val="accent6"/>
+              </a:lnRef>
+              <a:fillRef idx="1">
+                <a:schemeClr val="lt1"/>
+              </a:fillRef>
+              <a:effectRef idx="0">
+                <a:schemeClr val="accent6"/>
+              </a:effectRef>
+              <a:fontRef idx="minor">
+                <a:schemeClr val="dk1"/>
+              </a:fontRef>
+            </p:style>
+            <p:txBody>
+              <a:bodyPr rtlCol="0" anchor="ctr"/>
+              <a:lstStyle/>
+              <a:p>
+                <a:pPr algn="ctr"/>
+                <a:endParaRPr lang="en-AU"/>
+              </a:p>
+            </p:txBody>
+          </p:sp>
+          <p:sp>
+            <p:nvSpPr>
+              <p:cNvPr id="102" name="Rectangle 101">
+                <a:extLst>
+                  <a:ext uri="{FF2B5EF4-FFF2-40B4-BE49-F238E27FC236}">
+                    <a16:creationId xmlns:a16="http://schemas.microsoft.com/office/drawing/2014/main" id="{4383D5CF-00EB-497B-9740-440CE9059C65}"/>
+                  </a:ext>
+                </a:extLst>
+              </p:cNvPr>
+              <p:cNvSpPr/>
+              <p:nvPr/>
+            </p:nvSpPr>
+            <p:spPr>
+              <a:xfrm>
+                <a:off x="6896100" y="1825625"/>
+                <a:ext cx="228600" cy="152400"/>
+              </a:xfrm>
+              <a:prstGeom prst="rect">
+                <a:avLst/>
+              </a:prstGeom>
+            </p:spPr>
+            <p:style>
+              <a:lnRef idx="2">
+                <a:schemeClr val="accent6"/>
+              </a:lnRef>
+              <a:fillRef idx="1">
+                <a:schemeClr val="lt1"/>
+              </a:fillRef>
+              <a:effectRef idx="0">
+                <a:schemeClr val="accent6"/>
+              </a:effectRef>
+              <a:fontRef idx="minor">
+                <a:schemeClr val="dk1"/>
+              </a:fontRef>
+            </p:style>
+            <p:txBody>
+              <a:bodyPr rtlCol="0" anchor="ctr"/>
+              <a:lstStyle/>
+              <a:p>
+                <a:pPr algn="ctr"/>
+                <a:endParaRPr lang="en-AU"/>
+              </a:p>
+            </p:txBody>
+          </p:sp>
+          <p:sp>
+            <p:nvSpPr>
+              <p:cNvPr id="103" name="Rectangle 102">
+                <a:extLst>
+                  <a:ext uri="{FF2B5EF4-FFF2-40B4-BE49-F238E27FC236}">
+                    <a16:creationId xmlns:a16="http://schemas.microsoft.com/office/drawing/2014/main" id="{580078D2-9A39-468D-9223-7CC0D27DBEEA}"/>
+                  </a:ext>
+                </a:extLst>
+              </p:cNvPr>
+              <p:cNvSpPr/>
+              <p:nvPr/>
+            </p:nvSpPr>
+            <p:spPr>
+              <a:xfrm>
+                <a:off x="6896100" y="1643062"/>
+                <a:ext cx="228600" cy="152400"/>
+              </a:xfrm>
+              <a:prstGeom prst="rect">
+                <a:avLst/>
+              </a:prstGeom>
+            </p:spPr>
+            <p:style>
+              <a:lnRef idx="2">
+                <a:schemeClr val="accent6"/>
+              </a:lnRef>
+              <a:fillRef idx="1">
+                <a:schemeClr val="lt1"/>
+              </a:fillRef>
+              <a:effectRef idx="0">
+                <a:schemeClr val="accent6"/>
+              </a:effectRef>
+              <a:fontRef idx="minor">
+                <a:schemeClr val="dk1"/>
+              </a:fontRef>
+            </p:style>
+            <p:txBody>
+              <a:bodyPr rtlCol="0" anchor="ctr"/>
+              <a:lstStyle/>
+              <a:p>
+                <a:pPr algn="ctr"/>
+                <a:endParaRPr lang="en-AU"/>
+              </a:p>
+            </p:txBody>
+          </p:sp>
+          <p:sp>
+            <p:nvSpPr>
+              <p:cNvPr id="104" name="Rectangle 103">
+                <a:extLst>
+                  <a:ext uri="{FF2B5EF4-FFF2-40B4-BE49-F238E27FC236}">
+                    <a16:creationId xmlns:a16="http://schemas.microsoft.com/office/drawing/2014/main" id="{57CA62ED-2165-4AE6-B434-D1571296A113}"/>
+                  </a:ext>
+                </a:extLst>
+              </p:cNvPr>
+              <p:cNvSpPr/>
+              <p:nvPr/>
+            </p:nvSpPr>
+            <p:spPr>
+              <a:xfrm>
+                <a:off x="7162800" y="1465261"/>
+                <a:ext cx="228600" cy="152400"/>
+              </a:xfrm>
+              <a:prstGeom prst="rect">
+                <a:avLst/>
+              </a:prstGeom>
+            </p:spPr>
+            <p:style>
+              <a:lnRef idx="2">
+                <a:schemeClr val="accent6"/>
+              </a:lnRef>
+              <a:fillRef idx="1">
+                <a:schemeClr val="lt1"/>
+              </a:fillRef>
+              <a:effectRef idx="0">
+                <a:schemeClr val="accent6"/>
+              </a:effectRef>
+              <a:fontRef idx="minor">
+                <a:schemeClr val="dk1"/>
+              </a:fontRef>
+            </p:style>
+            <p:txBody>
+              <a:bodyPr rtlCol="0" anchor="ctr"/>
+              <a:lstStyle/>
+              <a:p>
+                <a:pPr algn="ctr"/>
+                <a:endParaRPr lang="en-AU"/>
+              </a:p>
+            </p:txBody>
+          </p:sp>
+          <p:sp>
+            <p:nvSpPr>
+              <p:cNvPr id="105" name="Rectangle 104">
+                <a:extLst>
+                  <a:ext uri="{FF2B5EF4-FFF2-40B4-BE49-F238E27FC236}">
+                    <a16:creationId xmlns:a16="http://schemas.microsoft.com/office/drawing/2014/main" id="{6C18B2C0-0CBF-4F09-94DD-82FB686C7858}"/>
+                  </a:ext>
+                </a:extLst>
+              </p:cNvPr>
+              <p:cNvSpPr/>
+              <p:nvPr/>
+            </p:nvSpPr>
+            <p:spPr>
+              <a:xfrm>
+                <a:off x="7162800" y="1830387"/>
+                <a:ext cx="228600" cy="152400"/>
+              </a:xfrm>
+              <a:prstGeom prst="rect">
+                <a:avLst/>
+              </a:prstGeom>
+            </p:spPr>
+            <p:style>
+              <a:lnRef idx="2">
+                <a:schemeClr val="accent6"/>
+              </a:lnRef>
+              <a:fillRef idx="1">
+                <a:schemeClr val="lt1"/>
+              </a:fillRef>
+              <a:effectRef idx="0">
+                <a:schemeClr val="accent6"/>
+              </a:effectRef>
+              <a:fontRef idx="minor">
+                <a:schemeClr val="dk1"/>
+              </a:fontRef>
+            </p:style>
+            <p:txBody>
+              <a:bodyPr rtlCol="0" anchor="ctr"/>
+              <a:lstStyle/>
+              <a:p>
+                <a:pPr algn="ctr"/>
+                <a:endParaRPr lang="en-AU"/>
+              </a:p>
+            </p:txBody>
+          </p:sp>
+          <p:sp>
+            <p:nvSpPr>
+              <p:cNvPr id="106" name="Rectangle 105">
+                <a:extLst>
+                  <a:ext uri="{FF2B5EF4-FFF2-40B4-BE49-F238E27FC236}">
+                    <a16:creationId xmlns:a16="http://schemas.microsoft.com/office/drawing/2014/main" id="{4E73E0CC-8F08-4940-ADB9-CAE809E8AD8A}"/>
+                  </a:ext>
+                </a:extLst>
+              </p:cNvPr>
+              <p:cNvSpPr/>
+              <p:nvPr/>
+            </p:nvSpPr>
+            <p:spPr>
+              <a:xfrm>
+                <a:off x="7162800" y="1647824"/>
+                <a:ext cx="228600" cy="152400"/>
+              </a:xfrm>
+              <a:prstGeom prst="rect">
+                <a:avLst/>
+              </a:prstGeom>
+            </p:spPr>
+            <p:style>
+              <a:lnRef idx="2">
+                <a:schemeClr val="accent6"/>
+              </a:lnRef>
+              <a:fillRef idx="1">
+                <a:schemeClr val="lt1"/>
+              </a:fillRef>
+              <a:effectRef idx="0">
+                <a:schemeClr val="accent6"/>
+              </a:effectRef>
+              <a:fontRef idx="minor">
+                <a:schemeClr val="dk1"/>
+              </a:fontRef>
+            </p:style>
+            <p:txBody>
+              <a:bodyPr rtlCol="0" anchor="ctr"/>
+              <a:lstStyle/>
+              <a:p>
+                <a:pPr algn="ctr"/>
+                <a:endParaRPr lang="en-AU"/>
+              </a:p>
+            </p:txBody>
+          </p:sp>
+          <p:sp>
+            <p:nvSpPr>
+              <p:cNvPr id="107" name="Rectangle 106">
+                <a:extLst>
+                  <a:ext uri="{FF2B5EF4-FFF2-40B4-BE49-F238E27FC236}">
+                    <a16:creationId xmlns:a16="http://schemas.microsoft.com/office/drawing/2014/main" id="{3A862A06-05AB-4DD3-9CEB-FF56CA17ACAE}"/>
+                  </a:ext>
+                </a:extLst>
+              </p:cNvPr>
+              <p:cNvSpPr/>
+              <p:nvPr/>
+            </p:nvSpPr>
+            <p:spPr>
+              <a:xfrm>
+                <a:off x="7442200" y="1460499"/>
+                <a:ext cx="228600" cy="152400"/>
+              </a:xfrm>
+              <a:prstGeom prst="rect">
+                <a:avLst/>
+              </a:prstGeom>
+            </p:spPr>
+            <p:style>
+              <a:lnRef idx="2">
+                <a:schemeClr val="accent6"/>
+              </a:lnRef>
+              <a:fillRef idx="1">
+                <a:schemeClr val="lt1"/>
+              </a:fillRef>
+              <a:effectRef idx="0">
+                <a:schemeClr val="accent6"/>
+              </a:effectRef>
+              <a:fontRef idx="minor">
+                <a:schemeClr val="dk1"/>
+              </a:fontRef>
+            </p:style>
+            <p:txBody>
+              <a:bodyPr rtlCol="0" anchor="ctr"/>
+              <a:lstStyle/>
+              <a:p>
+                <a:pPr algn="ctr"/>
+                <a:endParaRPr lang="en-AU"/>
+              </a:p>
+            </p:txBody>
+          </p:sp>
+          <p:sp>
+            <p:nvSpPr>
+              <p:cNvPr id="108" name="Rectangle 107">
+                <a:extLst>
+                  <a:ext uri="{FF2B5EF4-FFF2-40B4-BE49-F238E27FC236}">
+                    <a16:creationId xmlns:a16="http://schemas.microsoft.com/office/drawing/2014/main" id="{6B051F86-829F-4111-92FD-D3CAA29D367B}"/>
+                  </a:ext>
+                </a:extLst>
+              </p:cNvPr>
+              <p:cNvSpPr/>
+              <p:nvPr/>
+            </p:nvSpPr>
+            <p:spPr>
+              <a:xfrm>
+                <a:off x="7442200" y="1825625"/>
+                <a:ext cx="228600" cy="152400"/>
+              </a:xfrm>
+              <a:prstGeom prst="rect">
+                <a:avLst/>
+              </a:prstGeom>
+            </p:spPr>
+            <p:style>
+              <a:lnRef idx="2">
+                <a:schemeClr val="accent6"/>
+              </a:lnRef>
+              <a:fillRef idx="1">
+                <a:schemeClr val="lt1"/>
+              </a:fillRef>
+              <a:effectRef idx="0">
+                <a:schemeClr val="accent6"/>
+              </a:effectRef>
+              <a:fontRef idx="minor">
+                <a:schemeClr val="dk1"/>
+              </a:fontRef>
+            </p:style>
+            <p:txBody>
+              <a:bodyPr rtlCol="0" anchor="ctr"/>
+              <a:lstStyle/>
+              <a:p>
+                <a:pPr algn="ctr"/>
+                <a:endParaRPr lang="en-AU"/>
+              </a:p>
+            </p:txBody>
+          </p:sp>
+          <p:sp>
+            <p:nvSpPr>
+              <p:cNvPr id="109" name="Rectangle 108">
+                <a:extLst>
+                  <a:ext uri="{FF2B5EF4-FFF2-40B4-BE49-F238E27FC236}">
+                    <a16:creationId xmlns:a16="http://schemas.microsoft.com/office/drawing/2014/main" id="{D5441B83-4AAB-40B3-B987-81D6873296D8}"/>
+                  </a:ext>
+                </a:extLst>
+              </p:cNvPr>
+              <p:cNvSpPr/>
+              <p:nvPr/>
+            </p:nvSpPr>
+            <p:spPr>
+              <a:xfrm>
+                <a:off x="7442200" y="1643062"/>
+                <a:ext cx="228600" cy="152400"/>
+              </a:xfrm>
+              <a:prstGeom prst="rect">
+                <a:avLst/>
+              </a:prstGeom>
+            </p:spPr>
+            <p:style>
+              <a:lnRef idx="2">
+                <a:schemeClr val="accent6"/>
+              </a:lnRef>
+              <a:fillRef idx="1">
+                <a:schemeClr val="lt1"/>
+              </a:fillRef>
+              <a:effectRef idx="0">
+                <a:schemeClr val="accent6"/>
+              </a:effectRef>
+              <a:fontRef idx="minor">
+                <a:schemeClr val="dk1"/>
+              </a:fontRef>
+            </p:style>
+            <p:txBody>
+              <a:bodyPr rtlCol="0" anchor="ctr"/>
+              <a:lstStyle/>
+              <a:p>
+                <a:pPr algn="ctr"/>
+                <a:endParaRPr lang="en-AU"/>
+              </a:p>
+            </p:txBody>
+          </p:sp>
+        </p:grpSp>
+        <p:grpSp>
+          <p:nvGrpSpPr>
+            <p:cNvPr id="110" name="Group 109">
+              <a:extLst>
+                <a:ext uri="{FF2B5EF4-FFF2-40B4-BE49-F238E27FC236}">
+                  <a16:creationId xmlns:a16="http://schemas.microsoft.com/office/drawing/2014/main" id="{671AE065-E121-45BC-B8E5-D63438C45574}"/>
+                </a:ext>
+              </a:extLst>
+            </p:cNvPr>
+            <p:cNvGrpSpPr/>
+            <p:nvPr/>
+          </p:nvGrpSpPr>
+          <p:grpSpPr>
+            <a:xfrm>
+              <a:off x="9093199" y="4084638"/>
+              <a:ext cx="1117600" cy="1092200"/>
+              <a:chOff x="6718300" y="990599"/>
+              <a:chExt cx="1117600" cy="1092200"/>
+            </a:xfrm>
+          </p:grpSpPr>
+          <p:sp>
+            <p:nvSpPr>
+              <p:cNvPr id="111" name="Rectangle 110">
+                <a:extLst>
+                  <a:ext uri="{FF2B5EF4-FFF2-40B4-BE49-F238E27FC236}">
+                    <a16:creationId xmlns:a16="http://schemas.microsoft.com/office/drawing/2014/main" id="{852B918B-0A16-40A1-9346-C7622AF45210}"/>
+                  </a:ext>
+                </a:extLst>
+              </p:cNvPr>
+              <p:cNvSpPr/>
+              <p:nvPr/>
+            </p:nvSpPr>
+            <p:spPr>
+              <a:xfrm>
+                <a:off x="6718300" y="990599"/>
+                <a:ext cx="1117600" cy="1092200"/>
+              </a:xfrm>
+              <a:prstGeom prst="rect">
+                <a:avLst/>
+              </a:prstGeom>
+            </p:spPr>
+            <p:style>
+              <a:lnRef idx="2">
+                <a:schemeClr val="accent6"/>
+              </a:lnRef>
+              <a:fillRef idx="1">
+                <a:schemeClr val="lt1"/>
+              </a:fillRef>
+              <a:effectRef idx="0">
+                <a:schemeClr val="accent6"/>
+              </a:effectRef>
+              <a:fontRef idx="minor">
+                <a:schemeClr val="dk1"/>
+              </a:fontRef>
+            </p:style>
+            <p:txBody>
+              <a:bodyPr rtlCol="0" anchor="t"/>
+              <a:lstStyle/>
+              <a:p>
+                <a:pPr algn="ctr"/>
+                <a:r>
+                  <a:rPr lang="en-AU" sz="1200" dirty="0"/>
+                  <a:t>Node (56 procs)</a:t>
+                </a:r>
+              </a:p>
+            </p:txBody>
+          </p:sp>
+          <p:sp>
+            <p:nvSpPr>
+              <p:cNvPr id="112" name="Rectangle 111">
+                <a:extLst>
+                  <a:ext uri="{FF2B5EF4-FFF2-40B4-BE49-F238E27FC236}">
+                    <a16:creationId xmlns:a16="http://schemas.microsoft.com/office/drawing/2014/main" id="{C1223312-97FA-4445-B354-A9AD13AEE7B9}"/>
+                  </a:ext>
+                </a:extLst>
+              </p:cNvPr>
+              <p:cNvSpPr/>
+              <p:nvPr/>
+            </p:nvSpPr>
+            <p:spPr>
+              <a:xfrm>
+                <a:off x="6896100" y="1460499"/>
+                <a:ext cx="228600" cy="152400"/>
+              </a:xfrm>
+              <a:prstGeom prst="rect">
+                <a:avLst/>
+              </a:prstGeom>
+            </p:spPr>
+            <p:style>
+              <a:lnRef idx="2">
+                <a:schemeClr val="accent6"/>
+              </a:lnRef>
+              <a:fillRef idx="1">
+                <a:schemeClr val="lt1"/>
+              </a:fillRef>
+              <a:effectRef idx="0">
+                <a:schemeClr val="accent6"/>
+              </a:effectRef>
+              <a:fontRef idx="minor">
+                <a:schemeClr val="dk1"/>
+              </a:fontRef>
+            </p:style>
+            <p:txBody>
+              <a:bodyPr rtlCol="0" anchor="ctr"/>
+              <a:lstStyle/>
+              <a:p>
+                <a:pPr algn="ctr"/>
+                <a:endParaRPr lang="en-AU"/>
+              </a:p>
+            </p:txBody>
+          </p:sp>
+          <p:sp>
+            <p:nvSpPr>
+              <p:cNvPr id="113" name="Rectangle 112">
+                <a:extLst>
+                  <a:ext uri="{FF2B5EF4-FFF2-40B4-BE49-F238E27FC236}">
+                    <a16:creationId xmlns:a16="http://schemas.microsoft.com/office/drawing/2014/main" id="{663D9800-334C-40B6-8E7A-83739B0B456B}"/>
+                  </a:ext>
+                </a:extLst>
+              </p:cNvPr>
+              <p:cNvSpPr/>
+              <p:nvPr/>
+            </p:nvSpPr>
+            <p:spPr>
+              <a:xfrm>
+                <a:off x="6896100" y="1825625"/>
+                <a:ext cx="228600" cy="152400"/>
+              </a:xfrm>
+              <a:prstGeom prst="rect">
+                <a:avLst/>
+              </a:prstGeom>
+            </p:spPr>
+            <p:style>
+              <a:lnRef idx="2">
+                <a:schemeClr val="accent6"/>
+              </a:lnRef>
+              <a:fillRef idx="1">
+                <a:schemeClr val="lt1"/>
+              </a:fillRef>
+              <a:effectRef idx="0">
+                <a:schemeClr val="accent6"/>
+              </a:effectRef>
+              <a:fontRef idx="minor">
+                <a:schemeClr val="dk1"/>
+              </a:fontRef>
+            </p:style>
+            <p:txBody>
+              <a:bodyPr rtlCol="0" anchor="ctr"/>
+              <a:lstStyle/>
+              <a:p>
+                <a:pPr algn="ctr"/>
+                <a:endParaRPr lang="en-AU"/>
+              </a:p>
+            </p:txBody>
+          </p:sp>
+          <p:sp>
+            <p:nvSpPr>
+              <p:cNvPr id="114" name="Rectangle 113">
+                <a:extLst>
+                  <a:ext uri="{FF2B5EF4-FFF2-40B4-BE49-F238E27FC236}">
+                    <a16:creationId xmlns:a16="http://schemas.microsoft.com/office/drawing/2014/main" id="{43AE7A0B-61F5-4AD2-802E-F25DDF896A01}"/>
+                  </a:ext>
+                </a:extLst>
+              </p:cNvPr>
+              <p:cNvSpPr/>
+              <p:nvPr/>
+            </p:nvSpPr>
+            <p:spPr>
+              <a:xfrm>
+                <a:off x="6896100" y="1643062"/>
+                <a:ext cx="228600" cy="152400"/>
+              </a:xfrm>
+              <a:prstGeom prst="rect">
+                <a:avLst/>
+              </a:prstGeom>
+            </p:spPr>
+            <p:style>
+              <a:lnRef idx="2">
+                <a:schemeClr val="accent6"/>
+              </a:lnRef>
+              <a:fillRef idx="1">
+                <a:schemeClr val="lt1"/>
+              </a:fillRef>
+              <a:effectRef idx="0">
+                <a:schemeClr val="accent6"/>
+              </a:effectRef>
+              <a:fontRef idx="minor">
+                <a:schemeClr val="dk1"/>
+              </a:fontRef>
+            </p:style>
+            <p:txBody>
+              <a:bodyPr rtlCol="0" anchor="ctr"/>
+              <a:lstStyle/>
+              <a:p>
+                <a:pPr algn="ctr"/>
+                <a:endParaRPr lang="en-AU"/>
+              </a:p>
+            </p:txBody>
+          </p:sp>
+          <p:sp>
+            <p:nvSpPr>
+              <p:cNvPr id="115" name="Rectangle 114">
+                <a:extLst>
+                  <a:ext uri="{FF2B5EF4-FFF2-40B4-BE49-F238E27FC236}">
+                    <a16:creationId xmlns:a16="http://schemas.microsoft.com/office/drawing/2014/main" id="{4FE00CD5-FA1C-4BB3-9FAC-7770A257BE74}"/>
+                  </a:ext>
+                </a:extLst>
+              </p:cNvPr>
+              <p:cNvSpPr/>
+              <p:nvPr/>
+            </p:nvSpPr>
+            <p:spPr>
+              <a:xfrm>
+                <a:off x="7162800" y="1465261"/>
+                <a:ext cx="228600" cy="152400"/>
+              </a:xfrm>
+              <a:prstGeom prst="rect">
+                <a:avLst/>
+              </a:prstGeom>
+            </p:spPr>
+            <p:style>
+              <a:lnRef idx="2">
+                <a:schemeClr val="accent6"/>
+              </a:lnRef>
+              <a:fillRef idx="1">
+                <a:schemeClr val="lt1"/>
+              </a:fillRef>
+              <a:effectRef idx="0">
+                <a:schemeClr val="accent6"/>
+              </a:effectRef>
+              <a:fontRef idx="minor">
+                <a:schemeClr val="dk1"/>
+              </a:fontRef>
+            </p:style>
+            <p:txBody>
+              <a:bodyPr rtlCol="0" anchor="ctr"/>
+              <a:lstStyle/>
+              <a:p>
+                <a:pPr algn="ctr"/>
+                <a:endParaRPr lang="en-AU"/>
+              </a:p>
+            </p:txBody>
+          </p:sp>
+          <p:sp>
+            <p:nvSpPr>
+              <p:cNvPr id="116" name="Rectangle 115">
+                <a:extLst>
+                  <a:ext uri="{FF2B5EF4-FFF2-40B4-BE49-F238E27FC236}">
+                    <a16:creationId xmlns:a16="http://schemas.microsoft.com/office/drawing/2014/main" id="{653E2832-CE19-4D7A-97C1-EF53C2056CE7}"/>
+                  </a:ext>
+                </a:extLst>
+              </p:cNvPr>
+              <p:cNvSpPr/>
+              <p:nvPr/>
+            </p:nvSpPr>
+            <p:spPr>
+              <a:xfrm>
+                <a:off x="7162800" y="1830387"/>
+                <a:ext cx="228600" cy="152400"/>
+              </a:xfrm>
+              <a:prstGeom prst="rect">
+                <a:avLst/>
+              </a:prstGeom>
+            </p:spPr>
+            <p:style>
+              <a:lnRef idx="2">
+                <a:schemeClr val="accent6"/>
+              </a:lnRef>
+              <a:fillRef idx="1">
+                <a:schemeClr val="lt1"/>
+              </a:fillRef>
+              <a:effectRef idx="0">
+                <a:schemeClr val="accent6"/>
+              </a:effectRef>
+              <a:fontRef idx="minor">
+                <a:schemeClr val="dk1"/>
+              </a:fontRef>
+            </p:style>
+            <p:txBody>
+              <a:bodyPr rtlCol="0" anchor="ctr"/>
+              <a:lstStyle/>
+              <a:p>
+                <a:pPr algn="ctr"/>
+                <a:endParaRPr lang="en-AU"/>
+              </a:p>
+            </p:txBody>
+          </p:sp>
+          <p:sp>
+            <p:nvSpPr>
+              <p:cNvPr id="117" name="Rectangle 116">
+                <a:extLst>
+                  <a:ext uri="{FF2B5EF4-FFF2-40B4-BE49-F238E27FC236}">
+                    <a16:creationId xmlns:a16="http://schemas.microsoft.com/office/drawing/2014/main" id="{C1C8A4EF-4840-426A-8635-61F47179B416}"/>
+                  </a:ext>
+                </a:extLst>
+              </p:cNvPr>
+              <p:cNvSpPr/>
+              <p:nvPr/>
+            </p:nvSpPr>
+            <p:spPr>
+              <a:xfrm>
+                <a:off x="7162800" y="1647824"/>
+                <a:ext cx="228600" cy="152400"/>
+              </a:xfrm>
+              <a:prstGeom prst="rect">
+                <a:avLst/>
+              </a:prstGeom>
+            </p:spPr>
+            <p:style>
+              <a:lnRef idx="2">
+                <a:schemeClr val="accent6"/>
+              </a:lnRef>
+              <a:fillRef idx="1">
+                <a:schemeClr val="lt1"/>
+              </a:fillRef>
+              <a:effectRef idx="0">
+                <a:schemeClr val="accent6"/>
+              </a:effectRef>
+              <a:fontRef idx="minor">
+                <a:schemeClr val="dk1"/>
+              </a:fontRef>
+            </p:style>
+            <p:txBody>
+              <a:bodyPr rtlCol="0" anchor="ctr"/>
+              <a:lstStyle/>
+              <a:p>
+                <a:pPr algn="ctr"/>
+                <a:endParaRPr lang="en-AU"/>
+              </a:p>
+            </p:txBody>
+          </p:sp>
+          <p:sp>
+            <p:nvSpPr>
+              <p:cNvPr id="118" name="Rectangle 117">
+                <a:extLst>
+                  <a:ext uri="{FF2B5EF4-FFF2-40B4-BE49-F238E27FC236}">
+                    <a16:creationId xmlns:a16="http://schemas.microsoft.com/office/drawing/2014/main" id="{D483CF22-8F32-4521-A246-1CFE52AD3090}"/>
+                  </a:ext>
+                </a:extLst>
+              </p:cNvPr>
+              <p:cNvSpPr/>
+              <p:nvPr/>
+            </p:nvSpPr>
+            <p:spPr>
+              <a:xfrm>
+                <a:off x="7442200" y="1460499"/>
+                <a:ext cx="228600" cy="152400"/>
+              </a:xfrm>
+              <a:prstGeom prst="rect">
+                <a:avLst/>
+              </a:prstGeom>
+            </p:spPr>
+            <p:style>
+              <a:lnRef idx="2">
+                <a:schemeClr val="accent6"/>
+              </a:lnRef>
+              <a:fillRef idx="1">
+                <a:schemeClr val="lt1"/>
+              </a:fillRef>
+              <a:effectRef idx="0">
+                <a:schemeClr val="accent6"/>
+              </a:effectRef>
+              <a:fontRef idx="minor">
+                <a:schemeClr val="dk1"/>
+              </a:fontRef>
+            </p:style>
+            <p:txBody>
+              <a:bodyPr rtlCol="0" anchor="ctr"/>
+              <a:lstStyle/>
+              <a:p>
+                <a:pPr algn="ctr"/>
+                <a:endParaRPr lang="en-AU"/>
+              </a:p>
+            </p:txBody>
+          </p:sp>
+          <p:sp>
+            <p:nvSpPr>
+              <p:cNvPr id="119" name="Rectangle 118">
+                <a:extLst>
+                  <a:ext uri="{FF2B5EF4-FFF2-40B4-BE49-F238E27FC236}">
+                    <a16:creationId xmlns:a16="http://schemas.microsoft.com/office/drawing/2014/main" id="{40E81DFD-F0FF-4916-AA86-4F5C1175D8F0}"/>
+                  </a:ext>
+                </a:extLst>
+              </p:cNvPr>
+              <p:cNvSpPr/>
+              <p:nvPr/>
+            </p:nvSpPr>
+            <p:spPr>
+              <a:xfrm>
+                <a:off x="7442200" y="1825625"/>
+                <a:ext cx="228600" cy="152400"/>
+              </a:xfrm>
+              <a:prstGeom prst="rect">
+                <a:avLst/>
+              </a:prstGeom>
+            </p:spPr>
+            <p:style>
+              <a:lnRef idx="2">
+                <a:schemeClr val="accent6"/>
+              </a:lnRef>
+              <a:fillRef idx="1">
+                <a:schemeClr val="lt1"/>
+              </a:fillRef>
+              <a:effectRef idx="0">
+                <a:schemeClr val="accent6"/>
+              </a:effectRef>
+              <a:fontRef idx="minor">
+                <a:schemeClr val="dk1"/>
+              </a:fontRef>
+            </p:style>
+            <p:txBody>
+              <a:bodyPr rtlCol="0" anchor="ctr"/>
+              <a:lstStyle/>
+              <a:p>
+                <a:pPr algn="ctr"/>
+                <a:endParaRPr lang="en-AU"/>
+              </a:p>
+            </p:txBody>
+          </p:sp>
+          <p:sp>
+            <p:nvSpPr>
+              <p:cNvPr id="120" name="Rectangle 119">
+                <a:extLst>
+                  <a:ext uri="{FF2B5EF4-FFF2-40B4-BE49-F238E27FC236}">
+                    <a16:creationId xmlns:a16="http://schemas.microsoft.com/office/drawing/2014/main" id="{DFC33457-4F84-426D-996B-63702686B63E}"/>
+                  </a:ext>
+                </a:extLst>
+              </p:cNvPr>
+              <p:cNvSpPr/>
+              <p:nvPr/>
+            </p:nvSpPr>
+            <p:spPr>
+              <a:xfrm>
+                <a:off x="7442200" y="1643062"/>
+                <a:ext cx="228600" cy="152400"/>
+              </a:xfrm>
+              <a:prstGeom prst="rect">
+                <a:avLst/>
+              </a:prstGeom>
+            </p:spPr>
+            <p:style>
+              <a:lnRef idx="2">
+                <a:schemeClr val="accent6"/>
+              </a:lnRef>
+              <a:fillRef idx="1">
+                <a:schemeClr val="lt1"/>
+              </a:fillRef>
+              <a:effectRef idx="0">
+                <a:schemeClr val="accent6"/>
+              </a:effectRef>
+              <a:fontRef idx="minor">
+                <a:schemeClr val="dk1"/>
+              </a:fontRef>
+            </p:style>
+            <p:txBody>
+              <a:bodyPr rtlCol="0" anchor="ctr"/>
+              <a:lstStyle/>
+              <a:p>
+                <a:pPr algn="ctr"/>
+                <a:endParaRPr lang="en-AU"/>
+              </a:p>
+            </p:txBody>
+          </p:sp>
+        </p:grpSp>
+      </p:grpSp>
+      <p:sp>
+        <p:nvSpPr>
+          <p:cNvPr id="122" name="Flowchart: Magnetic Disk 121">
+            <a:extLst>
+              <a:ext uri="{FF2B5EF4-FFF2-40B4-BE49-F238E27FC236}">
+                <a16:creationId xmlns:a16="http://schemas.microsoft.com/office/drawing/2014/main" id="{39A9713C-2855-43E5-9BB6-540B6A7E0759}"/>
+              </a:ext>
+            </a:extLst>
+          </p:cNvPr>
+          <p:cNvSpPr/>
+          <p:nvPr/>
+        </p:nvSpPr>
+        <p:spPr>
+          <a:xfrm>
+            <a:off x="5194299" y="2899021"/>
+            <a:ext cx="1536700" cy="1925638"/>
+          </a:xfrm>
+          <a:prstGeom prst="flowChartMagneticDisk">
+            <a:avLst/>
+          </a:prstGeom>
+        </p:spPr>
+        <p:style>
+          <a:lnRef idx="2">
+            <a:schemeClr val="accent6"/>
+          </a:lnRef>
+          <a:fillRef idx="1">
+            <a:schemeClr val="lt1"/>
+          </a:fillRef>
+          <a:effectRef idx="0">
+            <a:schemeClr val="accent6"/>
+          </a:effectRef>
+          <a:fontRef idx="minor">
+            <a:schemeClr val="dk1"/>
+          </a:fontRef>
+        </p:style>
+        <p:txBody>
+          <a:bodyPr rtlCol="0" anchor="ctr"/>
+          <a:lstStyle/>
+          <a:p>
+            <a:pPr algn="ctr"/>
+            <a:r>
+              <a:rPr lang="en-AU" dirty="0" err="1"/>
+              <a:t>stornext</a:t>
+            </a:r>
+            <a:endParaRPr lang="en-AU" dirty="0"/>
+          </a:p>
+          <a:p>
+            <a:pPr algn="ctr"/>
+            <a:r>
+              <a:rPr lang="en-AU" dirty="0" err="1"/>
+              <a:t>HPCScratch</a:t>
+            </a:r>
+            <a:endParaRPr lang="en-AU" dirty="0"/>
+          </a:p>
+        </p:txBody>
+      </p:sp>
+      <p:sp>
+        <p:nvSpPr>
+          <p:cNvPr id="123" name="Flowchart: Magnetic Disk 122">
+            <a:extLst>
+              <a:ext uri="{FF2B5EF4-FFF2-40B4-BE49-F238E27FC236}">
+                <a16:creationId xmlns:a16="http://schemas.microsoft.com/office/drawing/2014/main" id="{10776C97-7CE9-4C55-8466-056FA7ACF19B}"/>
+              </a:ext>
+            </a:extLst>
+          </p:cNvPr>
+          <p:cNvSpPr/>
+          <p:nvPr/>
+        </p:nvSpPr>
+        <p:spPr>
+          <a:xfrm>
+            <a:off x="301623" y="4325936"/>
+            <a:ext cx="3276599" cy="1989932"/>
+          </a:xfrm>
+          <a:prstGeom prst="flowChartMagneticDisk">
+            <a:avLst/>
+          </a:prstGeom>
+        </p:spPr>
+        <p:style>
+          <a:lnRef idx="2">
+            <a:schemeClr val="accent2"/>
+          </a:lnRef>
+          <a:fillRef idx="1">
+            <a:schemeClr val="lt1"/>
+          </a:fillRef>
+          <a:effectRef idx="0">
+            <a:schemeClr val="accent2"/>
+          </a:effectRef>
+          <a:fontRef idx="minor">
+            <a:schemeClr val="dk1"/>
+          </a:fontRef>
+        </p:style>
+        <p:txBody>
+          <a:bodyPr rtlCol="0" anchor="ctr"/>
+          <a:lstStyle/>
+          <a:p>
+            <a:pPr algn="ctr"/>
+            <a:r>
+              <a:rPr lang="en-AU" dirty="0" err="1"/>
+              <a:t>wehisan</a:t>
+            </a:r>
+            <a:r>
+              <a:rPr lang="en-AU" dirty="0"/>
+              <a:t> (your normal files)</a:t>
+            </a:r>
+          </a:p>
+        </p:txBody>
+      </p:sp>
+      <p:grpSp>
+        <p:nvGrpSpPr>
+          <p:cNvPr id="134" name="Group 133">
+            <a:extLst>
+              <a:ext uri="{FF2B5EF4-FFF2-40B4-BE49-F238E27FC236}">
+                <a16:creationId xmlns:a16="http://schemas.microsoft.com/office/drawing/2014/main" id="{078EC537-E402-483B-897F-67B3F892E8B0}"/>
+              </a:ext>
+            </a:extLst>
+          </p:cNvPr>
+          <p:cNvGrpSpPr/>
+          <p:nvPr/>
+        </p:nvGrpSpPr>
+        <p:grpSpPr>
+          <a:xfrm>
+            <a:off x="1930398" y="137878"/>
+            <a:ext cx="3263901" cy="2889485"/>
+            <a:chOff x="1930398" y="137878"/>
+            <a:chExt cx="3263901" cy="2889485"/>
+          </a:xfrm>
+        </p:grpSpPr>
+        <p:cxnSp>
+          <p:nvCxnSpPr>
+            <p:cNvPr id="126" name="Straight Arrow Connector 125">
+              <a:extLst>
+                <a:ext uri="{FF2B5EF4-FFF2-40B4-BE49-F238E27FC236}">
+                  <a16:creationId xmlns:a16="http://schemas.microsoft.com/office/drawing/2014/main" id="{0D2379AA-7242-4161-982B-97FCF143D8A4}"/>
+                </a:ext>
+              </a:extLst>
+            </p:cNvPr>
+            <p:cNvCxnSpPr>
+              <a:stCxn id="8" idx="6"/>
+              <a:endCxn id="16" idx="1"/>
+            </p:cNvCxnSpPr>
+            <p:nvPr/>
+          </p:nvCxnSpPr>
+          <p:spPr>
+            <a:xfrm>
+              <a:off x="1930398" y="858839"/>
+              <a:ext cx="3263901" cy="131761"/>
+            </a:xfrm>
+            <a:prstGeom prst="straightConnector1">
+              <a:avLst/>
+            </a:prstGeom>
+            <a:ln w="38100">
+              <a:tailEnd type="triangle"/>
+            </a:ln>
+          </p:spPr>
+          <p:style>
+            <a:lnRef idx="3">
+              <a:schemeClr val="dk1"/>
+            </a:lnRef>
+            <a:fillRef idx="0">
+              <a:schemeClr val="dk1"/>
+            </a:fillRef>
+            <a:effectRef idx="2">
+              <a:schemeClr val="dk1"/>
+            </a:effectRef>
+            <a:fontRef idx="minor">
+              <a:schemeClr val="tx1"/>
+            </a:fontRef>
+          </p:style>
+        </p:cxnSp>
+        <p:cxnSp>
+          <p:nvCxnSpPr>
+            <p:cNvPr id="127" name="Straight Arrow Connector 126">
+              <a:extLst>
+                <a:ext uri="{FF2B5EF4-FFF2-40B4-BE49-F238E27FC236}">
+                  <a16:creationId xmlns:a16="http://schemas.microsoft.com/office/drawing/2014/main" id="{EFA18573-0EAA-42E0-80F4-1AE501DDA3CA}"/>
+                </a:ext>
+              </a:extLst>
+            </p:cNvPr>
+            <p:cNvCxnSpPr>
+              <a:cxnSpLocks/>
+              <a:stCxn id="9" idx="6"/>
+              <a:endCxn id="16" idx="1"/>
+            </p:cNvCxnSpPr>
+            <p:nvPr/>
+          </p:nvCxnSpPr>
+          <p:spPr>
+            <a:xfrm flipV="1">
+              <a:off x="1930398" y="990600"/>
+              <a:ext cx="3263901" cy="952501"/>
+            </a:xfrm>
+            <a:prstGeom prst="straightConnector1">
+              <a:avLst/>
+            </a:prstGeom>
+            <a:ln w="38100">
+              <a:tailEnd type="triangle"/>
+            </a:ln>
+          </p:spPr>
+          <p:style>
+            <a:lnRef idx="3">
+              <a:schemeClr val="dk1"/>
+            </a:lnRef>
+            <a:fillRef idx="0">
+              <a:schemeClr val="dk1"/>
+            </a:fillRef>
+            <a:effectRef idx="2">
+              <a:schemeClr val="dk1"/>
+            </a:effectRef>
+            <a:fontRef idx="minor">
+              <a:schemeClr val="tx1"/>
+            </a:fontRef>
+          </p:style>
+        </p:cxnSp>
+        <p:cxnSp>
+          <p:nvCxnSpPr>
+            <p:cNvPr id="130" name="Straight Arrow Connector 129">
+              <a:extLst>
+                <a:ext uri="{FF2B5EF4-FFF2-40B4-BE49-F238E27FC236}">
+                  <a16:creationId xmlns:a16="http://schemas.microsoft.com/office/drawing/2014/main" id="{C669CBD2-29ED-4690-83E1-96B1F0ADD529}"/>
+                </a:ext>
+              </a:extLst>
+            </p:cNvPr>
+            <p:cNvCxnSpPr>
+              <a:cxnSpLocks/>
+              <a:stCxn id="10" idx="6"/>
+              <a:endCxn id="16" idx="1"/>
+            </p:cNvCxnSpPr>
+            <p:nvPr/>
+          </p:nvCxnSpPr>
+          <p:spPr>
+            <a:xfrm flipV="1">
+              <a:off x="1930398" y="990600"/>
+              <a:ext cx="3263901" cy="2036763"/>
+            </a:xfrm>
+            <a:prstGeom prst="straightConnector1">
+              <a:avLst/>
+            </a:prstGeom>
+            <a:ln w="38100">
+              <a:tailEnd type="triangle"/>
+            </a:ln>
+          </p:spPr>
+          <p:style>
+            <a:lnRef idx="3">
+              <a:schemeClr val="dk1"/>
+            </a:lnRef>
+            <a:fillRef idx="0">
+              <a:schemeClr val="dk1"/>
+            </a:fillRef>
+            <a:effectRef idx="2">
+              <a:schemeClr val="dk1"/>
+            </a:effectRef>
+            <a:fontRef idx="minor">
+              <a:schemeClr val="tx1"/>
+            </a:fontRef>
+          </p:style>
+        </p:cxnSp>
+        <p:sp>
+          <p:nvSpPr>
+            <p:cNvPr id="133" name="TextBox 132">
+              <a:extLst>
+                <a:ext uri="{FF2B5EF4-FFF2-40B4-BE49-F238E27FC236}">
+                  <a16:creationId xmlns:a16="http://schemas.microsoft.com/office/drawing/2014/main" id="{AFA66FA8-3BFB-4A73-AE63-D15A1F86E4EA}"/>
+                </a:ext>
+              </a:extLst>
+            </p:cNvPr>
+            <p:cNvSpPr txBox="1"/>
+            <p:nvPr/>
+          </p:nvSpPr>
+          <p:spPr>
+            <a:xfrm>
+              <a:off x="2009773" y="137878"/>
+              <a:ext cx="2406652" cy="646331"/>
+            </a:xfrm>
+            <a:prstGeom prst="rect">
+              <a:avLst/>
+            </a:prstGeom>
+          </p:spPr>
+          <p:style>
+            <a:lnRef idx="3">
+              <a:schemeClr val="lt1"/>
+            </a:lnRef>
+            <a:fillRef idx="1">
+              <a:schemeClr val="dk1"/>
+            </a:fillRef>
+            <a:effectRef idx="1">
+              <a:schemeClr val="dk1"/>
+            </a:effectRef>
+            <a:fontRef idx="minor">
+              <a:schemeClr val="lt1"/>
+            </a:fontRef>
+          </p:style>
+          <p:txBody>
+            <a:bodyPr wrap="square" rtlCol="0">
+              <a:spAutoFit/>
+            </a:bodyPr>
+            <a:lstStyle/>
+            <a:p>
+              <a:pPr algn="ctr"/>
+              <a:r>
+                <a:rPr lang="en-AU" dirty="0"/>
+                <a:t>1. </a:t>
+              </a:r>
+              <a:r>
+                <a:rPr lang="en-AU" dirty="0" err="1"/>
+                <a:t>ssh</a:t>
+              </a:r>
+              <a:r>
+                <a:rPr lang="en-AU" dirty="0"/>
+                <a:t> into head node</a:t>
+              </a:r>
+            </a:p>
+            <a:p>
+              <a:pPr algn="ctr"/>
+              <a:r>
+                <a:rPr lang="en-AU" dirty="0"/>
+                <a:t>2. </a:t>
+              </a:r>
+              <a:r>
+                <a:rPr lang="en-AU" dirty="0" err="1"/>
+                <a:t>qsub</a:t>
+              </a:r>
+              <a:r>
+                <a:rPr lang="en-AU" dirty="0"/>
+                <a:t> to submit job</a:t>
+              </a:r>
+            </a:p>
+          </p:txBody>
+        </p:sp>
+      </p:grpSp>
+      <p:grpSp>
+        <p:nvGrpSpPr>
+          <p:cNvPr id="150" name="Group 149">
+            <a:extLst>
+              <a:ext uri="{FF2B5EF4-FFF2-40B4-BE49-F238E27FC236}">
+                <a16:creationId xmlns:a16="http://schemas.microsoft.com/office/drawing/2014/main" id="{A0EE71D2-5D0B-4859-B626-08582C510081}"/>
+              </a:ext>
+            </a:extLst>
+          </p:cNvPr>
+          <p:cNvGrpSpPr/>
+          <p:nvPr/>
+        </p:nvGrpSpPr>
+        <p:grpSpPr>
+          <a:xfrm>
+            <a:off x="6680199" y="342737"/>
+            <a:ext cx="3924300" cy="3509332"/>
+            <a:chOff x="6680199" y="342737"/>
+            <a:chExt cx="3924300" cy="3509332"/>
+          </a:xfrm>
+        </p:grpSpPr>
+        <p:cxnSp>
+          <p:nvCxnSpPr>
+            <p:cNvPr id="135" name="Straight Arrow Connector 134">
+              <a:extLst>
+                <a:ext uri="{FF2B5EF4-FFF2-40B4-BE49-F238E27FC236}">
+                  <a16:creationId xmlns:a16="http://schemas.microsoft.com/office/drawing/2014/main" id="{8A9B8A26-AC6C-4855-9723-E1E47DAA5DAC}"/>
+                </a:ext>
+              </a:extLst>
+            </p:cNvPr>
+            <p:cNvCxnSpPr>
+              <a:cxnSpLocks/>
+              <a:stCxn id="16" idx="3"/>
+              <a:endCxn id="45" idx="1"/>
+            </p:cNvCxnSpPr>
+            <p:nvPr/>
+          </p:nvCxnSpPr>
+          <p:spPr>
+            <a:xfrm>
+              <a:off x="6680199" y="990600"/>
+              <a:ext cx="3924300" cy="330993"/>
+            </a:xfrm>
+            <a:prstGeom prst="straightConnector1">
+              <a:avLst/>
+            </a:prstGeom>
+            <a:ln w="38100">
+              <a:tailEnd type="triangle"/>
+            </a:ln>
+          </p:spPr>
+          <p:style>
+            <a:lnRef idx="3">
+              <a:schemeClr val="dk1"/>
+            </a:lnRef>
+            <a:fillRef idx="0">
+              <a:schemeClr val="dk1"/>
+            </a:fillRef>
+            <a:effectRef idx="2">
+              <a:schemeClr val="dk1"/>
+            </a:effectRef>
+            <a:fontRef idx="minor">
+              <a:schemeClr val="tx1"/>
+            </a:fontRef>
+          </p:style>
+        </p:cxnSp>
+        <p:cxnSp>
+          <p:nvCxnSpPr>
+            <p:cNvPr id="138" name="Straight Arrow Connector 137">
+              <a:extLst>
+                <a:ext uri="{FF2B5EF4-FFF2-40B4-BE49-F238E27FC236}">
+                  <a16:creationId xmlns:a16="http://schemas.microsoft.com/office/drawing/2014/main" id="{77CADAE5-E49D-4922-B809-9E2B9E084333}"/>
+                </a:ext>
+              </a:extLst>
+            </p:cNvPr>
+            <p:cNvCxnSpPr>
+              <a:cxnSpLocks/>
+              <a:stCxn id="16" idx="3"/>
+              <a:endCxn id="56" idx="1"/>
+            </p:cNvCxnSpPr>
+            <p:nvPr/>
+          </p:nvCxnSpPr>
+          <p:spPr>
+            <a:xfrm>
+              <a:off x="6680199" y="990600"/>
+              <a:ext cx="1358900" cy="1634331"/>
+            </a:xfrm>
+            <a:prstGeom prst="straightConnector1">
+              <a:avLst/>
+            </a:prstGeom>
+            <a:ln w="38100">
+              <a:tailEnd type="triangle"/>
+            </a:ln>
+          </p:spPr>
+          <p:style>
+            <a:lnRef idx="3">
+              <a:schemeClr val="dk1"/>
+            </a:lnRef>
+            <a:fillRef idx="0">
+              <a:schemeClr val="dk1"/>
+            </a:fillRef>
+            <a:effectRef idx="2">
+              <a:schemeClr val="dk1"/>
+            </a:effectRef>
+            <a:fontRef idx="minor">
+              <a:schemeClr val="tx1"/>
+            </a:fontRef>
+          </p:style>
+        </p:cxnSp>
+        <p:cxnSp>
+          <p:nvCxnSpPr>
+            <p:cNvPr id="141" name="Straight Arrow Connector 140">
+              <a:extLst>
+                <a:ext uri="{FF2B5EF4-FFF2-40B4-BE49-F238E27FC236}">
+                  <a16:creationId xmlns:a16="http://schemas.microsoft.com/office/drawing/2014/main" id="{394B3487-DF54-42D8-BD07-28B79F87B93D}"/>
+                </a:ext>
+              </a:extLst>
+            </p:cNvPr>
+            <p:cNvCxnSpPr>
+              <a:cxnSpLocks/>
+              <a:stCxn id="16" idx="3"/>
+              <a:endCxn id="90" idx="0"/>
+            </p:cNvCxnSpPr>
+            <p:nvPr/>
+          </p:nvCxnSpPr>
+          <p:spPr>
+            <a:xfrm>
+              <a:off x="6680199" y="990600"/>
+              <a:ext cx="1651000" cy="2861469"/>
+            </a:xfrm>
+            <a:prstGeom prst="straightConnector1">
+              <a:avLst/>
+            </a:prstGeom>
+            <a:ln w="38100">
+              <a:tailEnd type="triangle"/>
+            </a:ln>
+          </p:spPr>
+          <p:style>
+            <a:lnRef idx="3">
+              <a:schemeClr val="dk1"/>
+            </a:lnRef>
+            <a:fillRef idx="0">
+              <a:schemeClr val="dk1"/>
+            </a:fillRef>
+            <a:effectRef idx="2">
+              <a:schemeClr val="dk1"/>
+            </a:effectRef>
+            <a:fontRef idx="minor">
+              <a:schemeClr val="tx1"/>
+            </a:fontRef>
+          </p:style>
+        </p:cxnSp>
+        <p:sp>
+          <p:nvSpPr>
+            <p:cNvPr id="149" name="TextBox 148">
+              <a:extLst>
+                <a:ext uri="{FF2B5EF4-FFF2-40B4-BE49-F238E27FC236}">
+                  <a16:creationId xmlns:a16="http://schemas.microsoft.com/office/drawing/2014/main" id="{BFC1C469-AA49-46E4-9F54-1CC8D12DDA91}"/>
+                </a:ext>
+              </a:extLst>
+            </p:cNvPr>
+            <p:cNvSpPr txBox="1"/>
+            <p:nvPr/>
+          </p:nvSpPr>
+          <p:spPr>
+            <a:xfrm>
+              <a:off x="6940548" y="342737"/>
+              <a:ext cx="2406652" cy="369332"/>
+            </a:xfrm>
+            <a:prstGeom prst="rect">
+              <a:avLst/>
+            </a:prstGeom>
+          </p:spPr>
+          <p:style>
+            <a:lnRef idx="2">
+              <a:schemeClr val="dk1">
+                <a:shade val="50000"/>
+              </a:schemeClr>
+            </a:lnRef>
+            <a:fillRef idx="1">
+              <a:schemeClr val="dk1"/>
+            </a:fillRef>
+            <a:effectRef idx="0">
+              <a:schemeClr val="dk1"/>
+            </a:effectRef>
+            <a:fontRef idx="minor">
+              <a:schemeClr val="lt1"/>
+            </a:fontRef>
+          </p:style>
+          <p:txBody>
+            <a:bodyPr wrap="square" rtlCol="0">
+              <a:spAutoFit/>
+            </a:bodyPr>
+            <a:lstStyle/>
+            <a:p>
+              <a:pPr algn="ctr"/>
+              <a:r>
+                <a:rPr lang="en-AU" dirty="0"/>
+                <a:t>3. Job dispatch</a:t>
+              </a:r>
+            </a:p>
+          </p:txBody>
+        </p:sp>
+      </p:grpSp>
+      <p:grpSp>
+        <p:nvGrpSpPr>
+          <p:cNvPr id="158" name="Group 157">
+            <a:extLst>
+              <a:ext uri="{FF2B5EF4-FFF2-40B4-BE49-F238E27FC236}">
+                <a16:creationId xmlns:a16="http://schemas.microsoft.com/office/drawing/2014/main" id="{86E1C471-4AB8-407B-B0DC-892EDEBCA624}"/>
+              </a:ext>
+            </a:extLst>
+          </p:cNvPr>
+          <p:cNvGrpSpPr/>
+          <p:nvPr/>
+        </p:nvGrpSpPr>
+        <p:grpSpPr>
+          <a:xfrm>
+            <a:off x="4885667" y="3499945"/>
+            <a:ext cx="2893081" cy="1782802"/>
+            <a:chOff x="4885667" y="3499945"/>
+            <a:chExt cx="2893081" cy="1782802"/>
+          </a:xfrm>
+        </p:grpSpPr>
+        <p:sp>
+          <p:nvSpPr>
+            <p:cNvPr id="153" name="TextBox 152">
+              <a:extLst>
+                <a:ext uri="{FF2B5EF4-FFF2-40B4-BE49-F238E27FC236}">
+                  <a16:creationId xmlns:a16="http://schemas.microsoft.com/office/drawing/2014/main" id="{46BBCB44-6950-4260-8984-5015CE15992B}"/>
+                </a:ext>
+              </a:extLst>
+            </p:cNvPr>
+            <p:cNvSpPr txBox="1"/>
+            <p:nvPr/>
+          </p:nvSpPr>
+          <p:spPr>
+            <a:xfrm>
+              <a:off x="4885667" y="4636416"/>
+              <a:ext cx="2406652" cy="646331"/>
+            </a:xfrm>
+            <a:prstGeom prst="rect">
+              <a:avLst/>
+            </a:prstGeom>
+          </p:spPr>
+          <p:style>
+            <a:lnRef idx="2">
+              <a:schemeClr val="dk1">
+                <a:shade val="50000"/>
+              </a:schemeClr>
+            </a:lnRef>
+            <a:fillRef idx="1">
+              <a:schemeClr val="dk1"/>
+            </a:fillRef>
+            <a:effectRef idx="0">
+              <a:schemeClr val="dk1"/>
+            </a:effectRef>
+            <a:fontRef idx="minor">
+              <a:schemeClr val="lt1"/>
+            </a:fontRef>
+          </p:style>
+          <p:txBody>
+            <a:bodyPr wrap="square" rtlCol="0">
+              <a:spAutoFit/>
+            </a:bodyPr>
+            <a:lstStyle/>
+            <a:p>
+              <a:pPr algn="ctr"/>
+              <a:r>
+                <a:rPr lang="en-AU" dirty="0"/>
+                <a:t>4.1. VERY FAST Read/write operations</a:t>
+              </a:r>
+            </a:p>
+          </p:txBody>
+        </p:sp>
+        <p:sp>
+          <p:nvSpPr>
+            <p:cNvPr id="157" name="Arrow: Left-Right 156">
+              <a:extLst>
+                <a:ext uri="{FF2B5EF4-FFF2-40B4-BE49-F238E27FC236}">
+                  <a16:creationId xmlns:a16="http://schemas.microsoft.com/office/drawing/2014/main" id="{12E47CD4-585F-4137-9B1D-F8386F1F8119}"/>
+                </a:ext>
+              </a:extLst>
+            </p:cNvPr>
+            <p:cNvSpPr/>
+            <p:nvPr/>
+          </p:nvSpPr>
+          <p:spPr>
+            <a:xfrm>
+              <a:off x="6730999" y="3499945"/>
+              <a:ext cx="1047749" cy="825991"/>
+            </a:xfrm>
+            <a:prstGeom prst="leftRightArrow">
+              <a:avLst/>
+            </a:prstGeom>
+          </p:spPr>
+          <p:style>
+            <a:lnRef idx="2">
+              <a:schemeClr val="accent6"/>
+            </a:lnRef>
+            <a:fillRef idx="1">
+              <a:schemeClr val="lt1"/>
+            </a:fillRef>
+            <a:effectRef idx="0">
+              <a:schemeClr val="accent6"/>
+            </a:effectRef>
+            <a:fontRef idx="minor">
+              <a:schemeClr val="dk1"/>
+            </a:fontRef>
+          </p:style>
+          <p:txBody>
+            <a:bodyPr rtlCol="0" anchor="ctr"/>
+            <a:lstStyle/>
+            <a:p>
+              <a:pPr algn="ctr"/>
+              <a:endParaRPr lang="en-AU"/>
+            </a:p>
+          </p:txBody>
+        </p:sp>
+      </p:grpSp>
+      <p:grpSp>
+        <p:nvGrpSpPr>
+          <p:cNvPr id="163" name="Group 162">
+            <a:extLst>
+              <a:ext uri="{FF2B5EF4-FFF2-40B4-BE49-F238E27FC236}">
+                <a16:creationId xmlns:a16="http://schemas.microsoft.com/office/drawing/2014/main" id="{BE85073E-2BCB-4C1A-995D-823CB50F2357}"/>
+              </a:ext>
+            </a:extLst>
+          </p:cNvPr>
+          <p:cNvGrpSpPr/>
+          <p:nvPr/>
+        </p:nvGrpSpPr>
+        <p:grpSpPr>
+          <a:xfrm>
+            <a:off x="2009773" y="1993104"/>
+            <a:ext cx="5730872" cy="4518136"/>
+            <a:chOff x="2009773" y="1993104"/>
+            <a:chExt cx="5730872" cy="4518136"/>
+          </a:xfrm>
+        </p:grpSpPr>
+        <p:sp>
+          <p:nvSpPr>
+            <p:cNvPr id="160" name="TextBox 159">
+              <a:extLst>
+                <a:ext uri="{FF2B5EF4-FFF2-40B4-BE49-F238E27FC236}">
+                  <a16:creationId xmlns:a16="http://schemas.microsoft.com/office/drawing/2014/main" id="{B2D8BBD1-6023-4DFF-8322-1667117FA158}"/>
+                </a:ext>
+              </a:extLst>
+            </p:cNvPr>
+            <p:cNvSpPr txBox="1"/>
+            <p:nvPr/>
+          </p:nvSpPr>
+          <p:spPr>
+            <a:xfrm>
+              <a:off x="2009773" y="5864909"/>
+              <a:ext cx="2406652" cy="646331"/>
+            </a:xfrm>
+            <a:prstGeom prst="rect">
+              <a:avLst/>
+            </a:prstGeom>
+          </p:spPr>
+          <p:style>
+            <a:lnRef idx="2">
+              <a:schemeClr val="dk1">
+                <a:shade val="50000"/>
+              </a:schemeClr>
+            </a:lnRef>
+            <a:fillRef idx="1">
+              <a:schemeClr val="dk1"/>
+            </a:fillRef>
+            <a:effectRef idx="0">
+              <a:schemeClr val="dk1"/>
+            </a:effectRef>
+            <a:fontRef idx="minor">
+              <a:schemeClr val="lt1"/>
+            </a:fontRef>
+          </p:style>
+          <p:txBody>
+            <a:bodyPr wrap="square" rtlCol="0">
+              <a:spAutoFit/>
+            </a:bodyPr>
+            <a:lstStyle/>
+            <a:p>
+              <a:pPr algn="ctr"/>
+              <a:r>
+                <a:rPr lang="en-AU" dirty="0"/>
+                <a:t>4.2. SLOWER Read/write operations</a:t>
+              </a:r>
+            </a:p>
+          </p:txBody>
+        </p:sp>
+        <p:sp>
+          <p:nvSpPr>
+            <p:cNvPr id="162" name="Arrow: Left-Up 161">
+              <a:extLst>
+                <a:ext uri="{FF2B5EF4-FFF2-40B4-BE49-F238E27FC236}">
+                  <a16:creationId xmlns:a16="http://schemas.microsoft.com/office/drawing/2014/main" id="{C81D5EE3-B334-49AF-8388-580C68C8CE0F}"/>
+                </a:ext>
+              </a:extLst>
+            </p:cNvPr>
+            <p:cNvSpPr/>
+            <p:nvPr/>
+          </p:nvSpPr>
+          <p:spPr>
+            <a:xfrm flipH="1" flipV="1">
+              <a:off x="2166002" y="1993104"/>
+              <a:ext cx="5574643" cy="2297655"/>
+            </a:xfrm>
+            <a:prstGeom prst="leftUpArrow">
+              <a:avLst>
+                <a:gd name="adj1" fmla="val 18720"/>
+                <a:gd name="adj2" fmla="val 20781"/>
+                <a:gd name="adj3" fmla="val 27704"/>
+              </a:avLst>
+            </a:prstGeom>
+          </p:spPr>
+          <p:style>
+            <a:lnRef idx="1">
+              <a:schemeClr val="accent2"/>
+            </a:lnRef>
+            <a:fillRef idx="2">
+              <a:schemeClr val="accent2"/>
+            </a:fillRef>
+            <a:effectRef idx="1">
+              <a:schemeClr val="accent2"/>
+            </a:effectRef>
+            <a:fontRef idx="minor">
+              <a:schemeClr val="dk1"/>
+            </a:fontRef>
+          </p:style>
+          <p:txBody>
+            <a:bodyPr rtlCol="0" anchor="ctr"/>
+            <a:lstStyle/>
+            <a:p>
+              <a:pPr algn="ctr"/>
+              <a:endParaRPr lang="en-AU"/>
+            </a:p>
+          </p:txBody>
+        </p:sp>
+      </p:grpSp>
+      <p:sp>
+        <p:nvSpPr>
+          <p:cNvPr id="164" name="TextBox 163">
+            <a:extLst>
+              <a:ext uri="{FF2B5EF4-FFF2-40B4-BE49-F238E27FC236}">
+                <a16:creationId xmlns:a16="http://schemas.microsoft.com/office/drawing/2014/main" id="{AF6D9772-5880-4026-ACAE-BCE10738B0D5}"/>
+              </a:ext>
+            </a:extLst>
+          </p:cNvPr>
+          <p:cNvSpPr txBox="1"/>
+          <p:nvPr/>
+        </p:nvSpPr>
+        <p:spPr>
+          <a:xfrm>
+            <a:off x="9004298" y="4959581"/>
+            <a:ext cx="2286000" cy="830997"/>
+          </a:xfrm>
+          <a:prstGeom prst="rect">
+            <a:avLst/>
+          </a:prstGeom>
+          <a:noFill/>
+        </p:spPr>
+        <p:txBody>
+          <a:bodyPr wrap="square" rtlCol="0">
+            <a:spAutoFit/>
+          </a:bodyPr>
+          <a:lstStyle/>
+          <a:p>
+            <a:r>
+              <a:rPr lang="en-AU" sz="4800" b="1" dirty="0"/>
+              <a:t>MILTON</a:t>
+            </a:r>
+          </a:p>
+        </p:txBody>
+      </p:sp>
+    </p:spTree>
+    <p:extLst>
+      <p:ext uri="{BB962C8B-B14F-4D97-AF65-F5344CB8AC3E}">
+        <p14:creationId xmlns:p14="http://schemas.microsoft.com/office/powerpoint/2010/main" val="1898603235"/>
+      </p:ext>
+    </p:extLst>
+  </p:cSld>
+  <p:clrMapOvr>
+    <a:masterClrMapping/>
+  </p:clrMapOvr>
+  <p:timing>
+    <p:tnLst>
+      <p:par>
+        <p:cTn id="1" dur="indefinite" restart="never" nodeType="tmRoot">
+          <p:childTnLst>
+            <p:seq concurrent="1" nextAc="seek">
+              <p:cTn id="2" dur="indefinite" nodeType="mainSeq">
+                <p:childTnLst>
+                  <p:par>
+                    <p:cTn id="3" fill="hold">
+                      <p:stCondLst>
+                        <p:cond delay="indefinite"/>
+                      </p:stCondLst>
+                      <p:childTnLst>
+                        <p:par>
+                          <p:cTn id="4" fill="hold">
+                            <p:stCondLst>
+                              <p:cond delay="0"/>
+                            </p:stCondLst>
+                            <p:childTnLst>
+                              <p:par>
+                                <p:cTn id="5" presetID="1" presetClass="entr" presetSubtype="0" fill="hold" nodeType="clickEffect">
+                                  <p:stCondLst>
+                                    <p:cond delay="0"/>
+                                  </p:stCondLst>
+                                  <p:childTnLst>
+                                    <p:set>
+                                      <p:cBhvr>
+                                        <p:cTn id="6" dur="1" fill="hold">
+                                          <p:stCondLst>
+                                            <p:cond delay="0"/>
+                                          </p:stCondLst>
+                                        </p:cTn>
+                                        <p:tgtEl>
+                                          <p:spTgt spid="134"/>
+                                        </p:tgtEl>
+                                        <p:attrNameLst>
+                                          <p:attrName>style.visibility</p:attrName>
+                                        </p:attrNameLst>
+                                      </p:cBhvr>
+                                      <p:to>
+                                        <p:strVal val="visible"/>
+                                      </p:to>
+                                    </p:set>
+                                  </p:childTnLst>
+                                </p:cTn>
+                              </p:par>
+                            </p:childTnLst>
+                          </p:cTn>
+                        </p:par>
+                      </p:childTnLst>
+                    </p:cTn>
+                  </p:par>
+                  <p:par>
+                    <p:cTn id="7" fill="hold">
+                      <p:stCondLst>
+                        <p:cond delay="indefinite"/>
+                      </p:stCondLst>
+                      <p:childTnLst>
+                        <p:par>
+                          <p:cTn id="8" fill="hold">
+                            <p:stCondLst>
+                              <p:cond delay="0"/>
+                            </p:stCondLst>
+                            <p:childTnLst>
+                              <p:par>
+                                <p:cTn id="9" presetID="1" presetClass="entr" presetSubtype="0" fill="hold" nodeType="clickEffect">
+                                  <p:stCondLst>
+                                    <p:cond delay="0"/>
+                                  </p:stCondLst>
+                                  <p:childTnLst>
+                                    <p:set>
+                                      <p:cBhvr>
+                                        <p:cTn id="10" dur="1" fill="hold">
+                                          <p:stCondLst>
+                                            <p:cond delay="0"/>
+                                          </p:stCondLst>
+                                        </p:cTn>
+                                        <p:tgtEl>
+                                          <p:spTgt spid="150"/>
+                                        </p:tgtEl>
+                                        <p:attrNameLst>
+                                          <p:attrName>style.visibility</p:attrName>
+                                        </p:attrNameLst>
+                                      </p:cBhvr>
+                                      <p:to>
+                                        <p:strVal val="visible"/>
+                                      </p:to>
+                                    </p:set>
+                                  </p:childTnLst>
+                                </p:cTn>
+                              </p:par>
+                            </p:childTnLst>
+                          </p:cTn>
+                        </p:par>
+                      </p:childTnLst>
+                    </p:cTn>
+                  </p:par>
+                  <p:par>
+                    <p:cTn id="11" fill="hold">
+                      <p:stCondLst>
+                        <p:cond delay="indefinite"/>
+                      </p:stCondLst>
+                      <p:childTnLst>
+                        <p:par>
+                          <p:cTn id="12" fill="hold">
+                            <p:stCondLst>
+                              <p:cond delay="0"/>
+                            </p:stCondLst>
+                            <p:childTnLst>
+                              <p:par>
+                                <p:cTn id="13" presetID="1" presetClass="entr" presetSubtype="0" fill="hold" nodeType="clickEffect">
+                                  <p:stCondLst>
+                                    <p:cond delay="0"/>
+                                  </p:stCondLst>
+                                  <p:childTnLst>
+                                    <p:set>
+                                      <p:cBhvr>
+                                        <p:cTn id="14" dur="1" fill="hold">
+                                          <p:stCondLst>
+                                            <p:cond delay="0"/>
+                                          </p:stCondLst>
+                                        </p:cTn>
+                                        <p:tgtEl>
+                                          <p:spTgt spid="158"/>
+                                        </p:tgtEl>
+                                        <p:attrNameLst>
+                                          <p:attrName>style.visibility</p:attrName>
+                                        </p:attrNameLst>
+                                      </p:cBhvr>
+                                      <p:to>
+                                        <p:strVal val="visible"/>
+                                      </p:to>
+                                    </p:set>
+                                  </p:childTnLst>
+                                </p:cTn>
+                              </p:par>
+                            </p:childTnLst>
+                          </p:cTn>
+                        </p:par>
+                      </p:childTnLst>
+                    </p:cTn>
+                  </p:par>
+                  <p:par>
+                    <p:cTn id="15" fill="hold">
+                      <p:stCondLst>
+                        <p:cond delay="indefinite"/>
+                      </p:stCondLst>
+                      <p:childTnLst>
+                        <p:par>
+                          <p:cTn id="16" fill="hold">
+                            <p:stCondLst>
+                              <p:cond delay="0"/>
+                            </p:stCondLst>
+                            <p:childTnLst>
+                              <p:par>
+                                <p:cTn id="17" presetID="1" presetClass="entr" presetSubtype="0" fill="hold" nodeType="clickEffect">
+                                  <p:stCondLst>
+                                    <p:cond delay="0"/>
+                                  </p:stCondLst>
+                                  <p:childTnLst>
+                                    <p:set>
+                                      <p:cBhvr>
+                                        <p:cTn id="18" dur="1" fill="hold">
+                                          <p:stCondLst>
+                                            <p:cond delay="0"/>
+                                          </p:stCondLst>
+                                        </p:cTn>
+                                        <p:tgtEl>
+                                          <p:spTgt spid="163"/>
+                                        </p:tgtEl>
+                                        <p:attrNameLst>
+                                          <p:attrName>style.visibility</p:attrName>
+                                        </p:attrNameLst>
+                                      </p:cBhvr>
+                                      <p:to>
+                                        <p:strVal val="visible"/>
+                                      </p:to>
+                                    </p:set>
+                                  </p:childTnLst>
+                                </p:cTn>
+                              </p:par>
+                            </p:childTnLst>
+                          </p:cTn>
+                        </p:par>
+                      </p:childTnLst>
+                    </p:cTn>
+                  </p:par>
+                </p:childTnLst>
+              </p:cTn>
+              <p:prevCondLst>
+                <p:cond evt="onPrev" delay="0">
+                  <p:tgtEl>
+                    <p:sldTgt/>
+                  </p:tgtEl>
+                </p:cond>
+              </p:prevCondLst>
+              <p:nextCondLst>
+                <p:cond evt="onNext" delay="0">
+                  <p:tgtEl>
+                    <p:sldTgt/>
+                  </p:tgtEl>
+                </p:cond>
+              </p:nextCondLst>
+            </p:seq>
+          </p:childTnLst>
+        </p:cTn>
+      </p:par>
+    </p:tnLst>
+  </p:timing>
+</p:sld>
+</file>
+
+<file path=ppt/slides/slide15.xml><?xml version="1.0" encoding="utf-8"?>
+<p:sld xmlns:a="http://schemas.openxmlformats.org/drawingml/2006/main" xmlns:r="http://schemas.openxmlformats.org/officeDocument/2006/relationships" xmlns:p="http://schemas.openxmlformats.org/presentationml/2006/main">
+  <p:cSld>
+    <p:spTree>
+      <p:nvGrpSpPr>
+        <p:cNvPr id="1" name=""/>
+        <p:cNvGrpSpPr/>
+        <p:nvPr/>
+      </p:nvGrpSpPr>
+      <p:grpSpPr>
+        <a:xfrm>
+          <a:off x="0" y="0"/>
+          <a:ext cx="0" cy="0"/>
+          <a:chOff x="0" y="0"/>
+          <a:chExt cx="0" cy="0"/>
+        </a:xfrm>
+      </p:grpSpPr>
+      <p:sp>
+        <p:nvSpPr>
+          <p:cNvPr id="5" name="Title 4">
+            <a:extLst>
+              <a:ext uri="{FF2B5EF4-FFF2-40B4-BE49-F238E27FC236}">
+                <a16:creationId xmlns:a16="http://schemas.microsoft.com/office/drawing/2014/main" id="{6578CB6B-7937-4CEE-8D86-961052ACE278}"/>
+              </a:ext>
+            </a:extLst>
+          </p:cNvPr>
+          <p:cNvSpPr>
+            <a:spLocks noGrp="1"/>
+          </p:cNvSpPr>
+          <p:nvPr>
+            <p:ph type="title"/>
+          </p:nvPr>
+        </p:nvSpPr>
+        <p:spPr/>
+        <p:txBody>
+          <a:bodyPr/>
+          <a:lstStyle/>
+          <a:p>
+            <a:r>
+              <a:rPr lang="en-AU"/>
+              <a:t>Bootstrapping computations</a:t>
+            </a:r>
+          </a:p>
+        </p:txBody>
+      </p:sp>
+      <p:sp>
+        <p:nvSpPr>
+          <p:cNvPr id="6" name="Text Placeholder 5">
+            <a:extLst>
+              <a:ext uri="{FF2B5EF4-FFF2-40B4-BE49-F238E27FC236}">
+                <a16:creationId xmlns:a16="http://schemas.microsoft.com/office/drawing/2014/main" id="{A10FB840-968E-493B-B30C-1C80ED48D53B}"/>
+              </a:ext>
+            </a:extLst>
+          </p:cNvPr>
+          <p:cNvSpPr>
+            <a:spLocks noGrp="1"/>
+          </p:cNvSpPr>
+          <p:nvPr>
+            <p:ph type="body" idx="1"/>
+          </p:nvPr>
+        </p:nvSpPr>
+        <p:spPr/>
+        <p:txBody>
+          <a:bodyPr/>
+          <a:lstStyle/>
+          <a:p>
+            <a:endParaRPr lang="en-AU"/>
+          </a:p>
+        </p:txBody>
+      </p:sp>
+      <p:sp>
+        <p:nvSpPr>
+          <p:cNvPr id="4" name="Slide Number Placeholder 3">
+            <a:extLst>
+              <a:ext uri="{FF2B5EF4-FFF2-40B4-BE49-F238E27FC236}">
+                <a16:creationId xmlns:a16="http://schemas.microsoft.com/office/drawing/2014/main" id="{1AA59A5D-7E79-4160-92D1-B6FDB59CF2E4}"/>
+              </a:ext>
+            </a:extLst>
+          </p:cNvPr>
+          <p:cNvSpPr>
+            <a:spLocks noGrp="1"/>
+          </p:cNvSpPr>
+          <p:nvPr>
+            <p:ph type="sldNum" sz="quarter" idx="12"/>
+          </p:nvPr>
+        </p:nvSpPr>
+        <p:spPr/>
+        <p:txBody>
+          <a:bodyPr/>
+          <a:lstStyle/>
+          <a:p>
+            <a:fld id="{027315CF-1C63-4A2B-8455-6CD6E5AB9463}" type="slidenum">
+              <a:rPr lang="en-AU" smtClean="0"/>
+              <a:t>15</a:t>
             </a:fld>
             <a:endParaRPr lang="en-AU"/>
           </a:p>
@@ -5262,7 +11120,7 @@
 </p:sld>
 </file>
 
-<file path=ppt/slides/slide14.xml><?xml version="1.0" encoding="utf-8"?>
+<file path=ppt/slides/slide16.xml><?xml version="1.0" encoding="utf-8"?>
 <p:sld xmlns:a="http://schemas.openxmlformats.org/drawingml/2006/main" xmlns:r="http://schemas.openxmlformats.org/officeDocument/2006/relationships" xmlns:p="http://schemas.openxmlformats.org/presentationml/2006/main">
   <p:cSld>
     <p:spTree>
@@ -5828,7 +11686,7 @@
           <a:p>
             <a:fld id="{027315CF-1C63-4A2B-8455-6CD6E5AB9463}" type="slidenum">
               <a:rPr lang="en-AU" smtClean="0"/>
-              <a:t>14</a:t>
+              <a:t>16</a:t>
             </a:fld>
             <a:endParaRPr lang="en-AU"/>
           </a:p>
@@ -5847,7 +11705,7 @@
 </p:sld>
 </file>
 
-<file path=ppt/slides/slide15.xml><?xml version="1.0" encoding="utf-8"?>
+<file path=ppt/slides/slide17.xml><?xml version="1.0" encoding="utf-8"?>
 <p:sld xmlns:a="http://schemas.openxmlformats.org/drawingml/2006/main" xmlns:r="http://schemas.openxmlformats.org/officeDocument/2006/relationships" xmlns:p="http://schemas.openxmlformats.org/presentationml/2006/main">
   <p:cSld>
     <p:spTree>
@@ -5901,6 +11759,15 @@
           <a:bodyPr/>
           <a:lstStyle/>
           <a:p>
+            <a:pPr marL="0" indent="0">
+              <a:buNone/>
+            </a:pPr>
+            <a:r>
+              <a:rPr lang="en-US" dirty="0"/>
+              <a:t>Required packages:</a:t>
+            </a:r>
+          </a:p>
+          <a:p>
             <a:r>
               <a:rPr lang="en-US" dirty="0"/>
               <a:t>parallel</a:t>
@@ -5938,16 +11805,36 @@
               <a:t>–</a:t>
             </a:r>
             <a:r>
-              <a:rPr lang="en-US"/>
-              <a:t> for </a:t>
-            </a:r>
-            <a:r>
-              <a:rPr lang="en-US" smtClean="0"/>
-              <a:t>loop-like </a:t>
-            </a:r>
-            <a:r>
-              <a:rPr lang="en-US"/>
-              <a:t>implementation of parallelization</a:t>
+              <a:rPr lang="en-US" dirty="0"/>
+              <a:t> for loop-like implementation of parallelization</a:t>
+            </a:r>
+          </a:p>
+          <a:p>
+            <a:endParaRPr lang="en-US" dirty="0"/>
+          </a:p>
+          <a:p>
+            <a:pPr marL="0" indent="0">
+              <a:buNone/>
+            </a:pPr>
+            <a:r>
+              <a:rPr lang="en-US" dirty="0"/>
+              <a:t>Other packages:</a:t>
+            </a:r>
+          </a:p>
+          <a:p>
+            <a:r>
+              <a:rPr lang="en-US" dirty="0" err="1"/>
+              <a:t>doRNG</a:t>
+            </a:r>
+            <a:r>
+              <a:rPr lang="en-US" dirty="0"/>
+              <a:t> (Reproducible random numbers)</a:t>
+            </a:r>
+          </a:p>
+          <a:p>
+            <a:r>
+              <a:rPr lang="en-US" dirty="0"/>
+              <a:t>Iterators</a:t>
             </a:r>
           </a:p>
         </p:txBody>
@@ -5969,7 +11856,7 @@
           <a:p>
             <a:fld id="{027315CF-1C63-4A2B-8455-6CD6E5AB9463}" type="slidenum">
               <a:rPr lang="en-AU" smtClean="0"/>
-              <a:t>15</a:t>
+              <a:t>17</a:t>
             </a:fld>
             <a:endParaRPr lang="en-AU"/>
           </a:p>
@@ -5988,7 +11875,7 @@
 </p:sld>
 </file>
 
-<file path=ppt/slides/slide16.xml><?xml version="1.0" encoding="utf-8"?>
+<file path=ppt/slides/slide18.xml><?xml version="1.0" encoding="utf-8"?>
 <p:sld xmlns:a="http://schemas.openxmlformats.org/drawingml/2006/main" xmlns:r="http://schemas.openxmlformats.org/officeDocument/2006/relationships" xmlns:p="http://schemas.openxmlformats.org/presentationml/2006/main">
   <p:cSld>
     <p:spTree>
@@ -6026,7 +11913,7 @@
           <a:lstStyle/>
           <a:p>
             <a:r>
-              <a:rPr lang="en-US"/>
+              <a:rPr lang="en-US" dirty="0"/>
               <a:t>Code</a:t>
             </a:r>
           </a:p>
@@ -6054,7 +11941,7 @@
           <a:p>
             <a:fld id="{027315CF-1C63-4A2B-8455-6CD6E5AB9463}" type="slidenum">
               <a:rPr lang="en-AU" smtClean="0"/>
-              <a:t>16</a:t>
+              <a:t>18</a:t>
             </a:fld>
             <a:endParaRPr lang="en-AU"/>
           </a:p>
@@ -6065,7 +11952,7 @@
           <p:cNvPr id="10" name="Picture 9">
             <a:extLst>
               <a:ext uri="{FF2B5EF4-FFF2-40B4-BE49-F238E27FC236}">
-                <a16:creationId xmlns:a16="http://schemas.microsoft.com/office/drawing/2014/main" xmlns="" id="{102135DF-C050-4FE7-9CA0-181BA49C5A88}"/>
+                <a16:creationId xmlns:a16="http://schemas.microsoft.com/office/drawing/2014/main" id="{102135DF-C050-4FE7-9CA0-181BA49C5A88}"/>
               </a:ext>
             </a:extLst>
           </p:cNvPr>
@@ -6095,7 +11982,7 @@
           <p:cNvPr id="12" name="Picture 11">
             <a:extLst>
               <a:ext uri="{FF2B5EF4-FFF2-40B4-BE49-F238E27FC236}">
-                <a16:creationId xmlns:a16="http://schemas.microsoft.com/office/drawing/2014/main" xmlns="" id="{BDC12AA0-9C88-4F5C-AA26-495C5EBA8C1E}"/>
+                <a16:creationId xmlns:a16="http://schemas.microsoft.com/office/drawing/2014/main" id="{BDC12AA0-9C88-4F5C-AA26-495C5EBA8C1E}"/>
               </a:ext>
             </a:extLst>
           </p:cNvPr>
@@ -6119,6 +12006,45 @@
           </a:prstGeom>
         </p:spPr>
       </p:pic>
+      <p:sp>
+        <p:nvSpPr>
+          <p:cNvPr id="3" name="TextBox 2">
+            <a:extLst>
+              <a:ext uri="{FF2B5EF4-FFF2-40B4-BE49-F238E27FC236}">
+                <a16:creationId xmlns:a16="http://schemas.microsoft.com/office/drawing/2014/main" id="{F062D499-56C6-4926-B3C3-11711D1DC488}"/>
+              </a:ext>
+            </a:extLst>
+          </p:cNvPr>
+          <p:cNvSpPr txBox="1"/>
+          <p:nvPr/>
+        </p:nvSpPr>
+        <p:spPr>
+          <a:xfrm>
+            <a:off x="6731876" y="137805"/>
+            <a:ext cx="4477407" cy="830997"/>
+          </a:xfrm>
+          <a:prstGeom prst="rect">
+            <a:avLst/>
+          </a:prstGeom>
+          <a:noFill/>
+        </p:spPr>
+        <p:txBody>
+          <a:bodyPr wrap="square" rtlCol="0">
+            <a:spAutoFit/>
+          </a:bodyPr>
+          <a:lstStyle/>
+          <a:p>
+            <a:r>
+              <a:rPr lang="en-AU" sz="2400" dirty="0">
+                <a:solidFill>
+                  <a:srgbClr val="FF0000"/>
+                </a:solidFill>
+              </a:rPr>
+              <a:t>NOTE: clusters here are an interface to the physical cluster</a:t>
+            </a:r>
+          </a:p>
+        </p:txBody>
+      </p:sp>
     </p:spTree>
     <p:extLst>
       <p:ext uri="{BB962C8B-B14F-4D97-AF65-F5344CB8AC3E}">
@@ -6132,7 +12058,7 @@
 </p:sld>
 </file>
 
-<file path=ppt/slides/slide17.xml><?xml version="1.0" encoding="utf-8"?>
+<file path=ppt/slides/slide19.xml><?xml version="1.0" encoding="utf-8"?>
 <p:sld xmlns:a="http://schemas.openxmlformats.org/drawingml/2006/main" xmlns:r="http://schemas.openxmlformats.org/officeDocument/2006/relationships" xmlns:p="http://schemas.openxmlformats.org/presentationml/2006/main">
   <p:cSld>
     <p:spTree>
@@ -6526,7 +12452,7 @@
           <a:p>
             <a:fld id="{027315CF-1C63-4A2B-8455-6CD6E5AB9463}" type="slidenum">
               <a:rPr lang="en-AU" smtClean="0"/>
-              <a:t>17</a:t>
+              <a:t>19</a:t>
             </a:fld>
             <a:endParaRPr lang="en-AU"/>
           </a:p>
@@ -6545,7 +12471,7 @@
 </p:sld>
 </file>
 
-<file path=ppt/slides/slide18.xml><?xml version="1.0" encoding="utf-8"?>
+<file path=ppt/slides/slide2.xml><?xml version="1.0" encoding="utf-8"?>
 <p:sld xmlns:a="http://schemas.openxmlformats.org/drawingml/2006/main" xmlns:r="http://schemas.openxmlformats.org/officeDocument/2006/relationships" xmlns:p="http://schemas.openxmlformats.org/presentationml/2006/main">
   <p:cSld>
     <p:spTree>
@@ -6574,6 +12500,242 @@
         </p:nvSpPr>
         <p:spPr/>
         <p:txBody>
+          <a:bodyPr>
+            <a:normAutofit/>
+          </a:bodyPr>
+          <a:lstStyle/>
+          <a:p>
+            <a:r>
+              <a:rPr lang="en-US" sz="3600" u="sng"/>
+              <a:t>Davis Lab </a:t>
+            </a:r>
+            <a:r>
+              <a:rPr lang="en-US" sz="3600" u="sng" err="1"/>
+              <a:t>GitHub</a:t>
+            </a:r>
+            <a:r>
+              <a:rPr lang="en-US" sz="3600" u="sng"/>
+              <a:t> repository</a:t>
+            </a:r>
+          </a:p>
+        </p:txBody>
+      </p:sp>
+      <p:sp>
+        <p:nvSpPr>
+          <p:cNvPr id="4" name="Slide Number Placeholder 3"/>
+          <p:cNvSpPr>
+            <a:spLocks noGrp="1"/>
+          </p:cNvSpPr>
+          <p:nvPr>
+            <p:ph type="sldNum" sz="quarter" idx="12"/>
+          </p:nvPr>
+        </p:nvSpPr>
+        <p:spPr/>
+        <p:txBody>
+          <a:bodyPr/>
+          <a:lstStyle/>
+          <a:p>
+            <a:fld id="{027315CF-1C63-4A2B-8455-6CD6E5AB9463}" type="slidenum">
+              <a:rPr lang="en-AU" smtClean="0"/>
+              <a:t>2</a:t>
+            </a:fld>
+            <a:endParaRPr lang="en-AU"/>
+          </a:p>
+        </p:txBody>
+      </p:sp>
+      <p:pic>
+        <p:nvPicPr>
+          <p:cNvPr id="5" name="Picture 4" descr="Screen Shot 2017-07-17 at 8.58.36 am.png"/>
+          <p:cNvPicPr>
+            <a:picLocks noChangeAspect="1"/>
+          </p:cNvPicPr>
+          <p:nvPr/>
+        </p:nvPicPr>
+        <p:blipFill>
+          <a:blip r:embed="rId2" cstate="print">
+            <a:extLst>
+              <a:ext uri="{28A0092B-C50C-407E-A947-70E740481C1C}">
+                <a14:useLocalDpi xmlns:a14="http://schemas.microsoft.com/office/drawing/2010/main" val="0"/>
+              </a:ext>
+            </a:extLst>
+          </a:blip>
+          <a:stretch>
+            <a:fillRect/>
+          </a:stretch>
+        </p:blipFill>
+        <p:spPr>
+          <a:xfrm>
+            <a:off x="6732619" y="895987"/>
+            <a:ext cx="5101109" cy="5239351"/>
+          </a:xfrm>
+          <a:prstGeom prst="rect">
+            <a:avLst/>
+          </a:prstGeom>
+        </p:spPr>
+      </p:pic>
+      <p:sp>
+        <p:nvSpPr>
+          <p:cNvPr id="6" name="TextBox 5"/>
+          <p:cNvSpPr txBox="1"/>
+          <p:nvPr/>
+        </p:nvSpPr>
+        <p:spPr>
+          <a:xfrm>
+            <a:off x="956832" y="1809372"/>
+            <a:ext cx="4818955" cy="2585323"/>
+          </a:xfrm>
+          <a:prstGeom prst="rect">
+            <a:avLst/>
+          </a:prstGeom>
+          <a:noFill/>
+        </p:spPr>
+        <p:txBody>
+          <a:bodyPr wrap="square" rtlCol="0">
+            <a:spAutoFit/>
+          </a:bodyPr>
+          <a:lstStyle/>
+          <a:p>
+            <a:pPr marL="285750" indent="-285750">
+              <a:buFont typeface="Arial"/>
+              <a:buChar char="•"/>
+            </a:pPr>
+            <a:r>
+              <a:rPr lang="en-US"/>
+              <a:t>An open-source repository for ready-to-publish code and software prepared by members and students of the lab</a:t>
+            </a:r>
+          </a:p>
+          <a:p>
+            <a:pPr marL="285750" indent="-285750">
+              <a:buFont typeface="Arial"/>
+              <a:buChar char="•"/>
+            </a:pPr>
+            <a:endParaRPr lang="en-US"/>
+          </a:p>
+          <a:p>
+            <a:pPr marL="285750" indent="-285750">
+              <a:buFont typeface="Arial"/>
+              <a:buChar char="•"/>
+            </a:pPr>
+            <a:endParaRPr lang="en-US"/>
+          </a:p>
+          <a:p>
+            <a:pPr marL="285750" indent="-285750">
+              <a:buFont typeface="Arial"/>
+              <a:buChar char="•"/>
+            </a:pPr>
+            <a:endParaRPr lang="en-US"/>
+          </a:p>
+          <a:p>
+            <a:pPr marL="285750" indent="-285750">
+              <a:buFont typeface="Arial"/>
+              <a:buChar char="•"/>
+            </a:pPr>
+            <a:endParaRPr lang="en-US"/>
+          </a:p>
+          <a:p>
+            <a:pPr marL="285750" indent="-285750">
+              <a:buFont typeface="Arial"/>
+              <a:buChar char="•"/>
+            </a:pPr>
+            <a:r>
+              <a:rPr lang="en-US"/>
+              <a:t>Learning resources such as </a:t>
+            </a:r>
+            <a:r>
+              <a:rPr lang="en-US" err="1"/>
+              <a:t>Git</a:t>
+            </a:r>
+            <a:r>
+              <a:rPr lang="en-US"/>
+              <a:t> tutorials, Bioinformatics/R courses</a:t>
+            </a:r>
+          </a:p>
+        </p:txBody>
+      </p:sp>
+      <p:sp>
+        <p:nvSpPr>
+          <p:cNvPr id="3" name="TextBox 2"/>
+          <p:cNvSpPr txBox="1"/>
+          <p:nvPr/>
+        </p:nvSpPr>
+        <p:spPr>
+          <a:xfrm>
+            <a:off x="7306719" y="6306707"/>
+            <a:ext cx="4323142" cy="369332"/>
+          </a:xfrm>
+          <a:prstGeom prst="rect">
+            <a:avLst/>
+          </a:prstGeom>
+          <a:noFill/>
+        </p:spPr>
+        <p:txBody>
+          <a:bodyPr wrap="square" rtlCol="0">
+            <a:spAutoFit/>
+          </a:bodyPr>
+          <a:lstStyle/>
+          <a:p>
+            <a:r>
+              <a:rPr lang="en-US"/>
+              <a:t>https://</a:t>
+            </a:r>
+            <a:r>
+              <a:rPr lang="en-US" err="1"/>
+              <a:t>github.com</a:t>
+            </a:r>
+            <a:r>
+              <a:rPr lang="en-US"/>
+              <a:t>/</a:t>
+            </a:r>
+            <a:r>
+              <a:rPr lang="en-US" err="1"/>
+              <a:t>DavisLaboratory</a:t>
+            </a:r>
+            <a:endParaRPr lang="en-US"/>
+          </a:p>
+        </p:txBody>
+      </p:sp>
+    </p:spTree>
+    <p:extLst>
+      <p:ext uri="{BB962C8B-B14F-4D97-AF65-F5344CB8AC3E}">
+        <p14:creationId xmlns:p14="http://schemas.microsoft.com/office/powerpoint/2010/main" val="3991718150"/>
+      </p:ext>
+    </p:extLst>
+  </p:cSld>
+  <p:clrMapOvr>
+    <a:masterClrMapping/>
+  </p:clrMapOvr>
+</p:sld>
+</file>
+
+<file path=ppt/slides/slide20.xml><?xml version="1.0" encoding="utf-8"?>
+<p:sld xmlns:a="http://schemas.openxmlformats.org/drawingml/2006/main" xmlns:r="http://schemas.openxmlformats.org/officeDocument/2006/relationships" xmlns:p="http://schemas.openxmlformats.org/presentationml/2006/main">
+  <p:cSld>
+    <p:spTree>
+      <p:nvGrpSpPr>
+        <p:cNvPr id="1" name=""/>
+        <p:cNvGrpSpPr/>
+        <p:nvPr/>
+      </p:nvGrpSpPr>
+      <p:grpSpPr>
+        <a:xfrm>
+          <a:off x="0" y="0"/>
+          <a:ext cx="0" cy="0"/>
+          <a:chOff x="0" y="0"/>
+          <a:chExt cx="0" cy="0"/>
+        </a:xfrm>
+      </p:grpSpPr>
+      <p:sp>
+        <p:nvSpPr>
+          <p:cNvPr id="2" name="Title 1"/>
+          <p:cNvSpPr>
+            <a:spLocks noGrp="1"/>
+          </p:cNvSpPr>
+          <p:nvPr>
+            <p:ph type="title"/>
+          </p:nvPr>
+        </p:nvSpPr>
+        <p:spPr/>
+        <p:txBody>
           <a:bodyPr/>
           <a:lstStyle/>
           <a:p>
@@ -6653,7 +12815,7 @@
           <a:p>
             <a:fld id="{027315CF-1C63-4A2B-8455-6CD6E5AB9463}" type="slidenum">
               <a:rPr lang="en-AU" smtClean="0"/>
-              <a:t>18</a:t>
+              <a:t>20</a:t>
             </a:fld>
             <a:endParaRPr lang="en-AU"/>
           </a:p>
@@ -6664,7 +12826,7 @@
           <p:cNvPr id="2050" name="Picture 2" descr="Image result for angry user cartoon">
             <a:extLst>
               <a:ext uri="{FF2B5EF4-FFF2-40B4-BE49-F238E27FC236}">
-                <a16:creationId xmlns:a16="http://schemas.microsoft.com/office/drawing/2014/main" xmlns="" id="{1B2ED4DD-914B-42F5-9AD9-6E511B6C5636}"/>
+                <a16:creationId xmlns:a16="http://schemas.microsoft.com/office/drawing/2014/main" id="{1B2ED4DD-914B-42F5-9AD9-6E511B6C5636}"/>
               </a:ext>
             </a:extLst>
           </p:cNvPr>
@@ -6719,7 +12881,7 @@
 </p:sld>
 </file>
 
-<file path=ppt/slides/slide19.xml><?xml version="1.0" encoding="utf-8"?>
+<file path=ppt/slides/slide21.xml><?xml version="1.0" encoding="utf-8"?>
 <p:sld xmlns:a="http://schemas.openxmlformats.org/drawingml/2006/main" xmlns:r="http://schemas.openxmlformats.org/officeDocument/2006/relationships" xmlns:p="http://schemas.openxmlformats.org/presentationml/2006/main">
   <p:cSld>
     <p:spTree>
@@ -6796,7 +12958,7 @@
               <a:defRPr/>
             </a:pPr>
             <a:r>
-              <a:rPr lang="en-US"/>
+              <a:rPr lang="en-US" dirty="0"/>
               <a:t>Format</a:t>
             </a:r>
           </a:p>
@@ -6819,24 +12981,24 @@
               <a:defRPr/>
             </a:pPr>
             <a:r>
-              <a:rPr lang="en-US"/>
+              <a:rPr lang="en-US" dirty="0"/>
               <a:t>	</a:t>
             </a:r>
             <a:r>
-              <a:rPr lang="en-US" err="1"/>
+              <a:rPr lang="en-US" dirty="0" err="1"/>
               <a:t>qsub</a:t>
             </a:r>
             <a:r>
-              <a:rPr lang="en-US"/>
+              <a:rPr lang="en-US" dirty="0"/>
               <a:t> </a:t>
             </a:r>
             <a:r>
-              <a:rPr lang="mr-IN"/>
+              <a:rPr lang="mr-IN" dirty="0"/>
               <a:t>–</a:t>
             </a:r>
             <a:r>
-              <a:rPr lang="en-US"/>
-              <a:t>q small –l nodes=1:ppn=55,mem=275gb job.sh</a:t>
+              <a:rPr lang="en-US" dirty="0"/>
+              <a:t>q submit –l nodes=1:ppn=55,mem=275gb job.sh</a:t>
             </a:r>
           </a:p>
           <a:p>
@@ -6850,24 +13012,24 @@
               <a:buNone/>
             </a:pPr>
             <a:r>
-              <a:rPr lang="en-US"/>
+              <a:rPr lang="en-US" dirty="0"/>
               <a:t>	</a:t>
             </a:r>
             <a:r>
-              <a:rPr lang="en-US" err="1"/>
+              <a:rPr lang="en-US" dirty="0" err="1"/>
               <a:t>qsub</a:t>
             </a:r>
             <a:r>
-              <a:rPr lang="en-US"/>
+              <a:rPr lang="en-US" dirty="0"/>
               <a:t> </a:t>
             </a:r>
             <a:r>
-              <a:rPr lang="mr-IN"/>
+              <a:rPr lang="mr-IN" dirty="0"/>
               <a:t>–</a:t>
             </a:r>
             <a:r>
-              <a:rPr lang="en-US"/>
-              <a:t>q small –l nodes=2:ppn=50,mem=275gb job.sh</a:t>
+              <a:rPr lang="en-US" dirty="0"/>
+              <a:t>q submit –l nodes=2:ppn=50,mem=275gb job.sh</a:t>
             </a:r>
           </a:p>
           <a:p>
@@ -6888,7 +13050,7 @@
               <a:tabLst/>
               <a:defRPr/>
             </a:pPr>
-            <a:endParaRPr lang="en-US"/>
+            <a:endParaRPr lang="en-US" dirty="0"/>
           </a:p>
           <a:p>
             <a:pPr marL="342900" lvl="1" indent="-342900">
@@ -6900,7 +13062,7 @@
               </a:spcBef>
             </a:pPr>
             <a:r>
-              <a:rPr lang="en-US"/>
+              <a:rPr lang="en-US" dirty="0"/>
               <a:t>This is always a submission to the default queue (small)</a:t>
             </a:r>
           </a:p>
@@ -6914,7 +13076,7 @@
               </a:spcBef>
             </a:pPr>
             <a:r>
-              <a:rPr lang="en-US"/>
+              <a:rPr lang="en-US" dirty="0"/>
               <a:t>The first command will allocate 55 processors and 520Gb of memory</a:t>
             </a:r>
           </a:p>
@@ -6928,7 +13090,7 @@
               </a:spcBef>
             </a:pPr>
             <a:r>
-              <a:rPr lang="en-US"/>
+              <a:rPr lang="en-US" dirty="0"/>
               <a:t>The second will allocate 100 processors and 520Gb of memory across 2 nodes (Max per node is 55+1 processors)</a:t>
             </a:r>
           </a:p>
@@ -6951,7 +13113,7 @@
           <a:p>
             <a:fld id="{027315CF-1C63-4A2B-8455-6CD6E5AB9463}" type="slidenum">
               <a:rPr lang="en-AU" smtClean="0"/>
-              <a:t>19</a:t>
+              <a:t>21</a:t>
             </a:fld>
             <a:endParaRPr lang="en-AU"/>
           </a:p>
@@ -6970,7 +13132,7 @@
 </p:sld>
 </file>
 
-<file path=ppt/slides/slide2.xml><?xml version="1.0" encoding="utf-8"?>
+<file path=ppt/slides/slide22.xml><?xml version="1.0" encoding="utf-8"?>
 <p:sld xmlns:a="http://schemas.openxmlformats.org/drawingml/2006/main" xmlns:r="http://schemas.openxmlformats.org/officeDocument/2006/relationships" xmlns:p="http://schemas.openxmlformats.org/presentationml/2006/main">
   <p:cSld>
     <p:spTree>
@@ -6999,23 +13161,52 @@
         </p:nvSpPr>
         <p:spPr/>
         <p:txBody>
-          <a:bodyPr>
-            <a:normAutofit/>
-          </a:bodyPr>
-          <a:lstStyle/>
-          <a:p>
-            <a:r>
-              <a:rPr lang="en-US" sz="3600" u="sng"/>
-              <a:t>Davis Lab </a:t>
-            </a:r>
-            <a:r>
-              <a:rPr lang="en-US" sz="3600" u="sng" err="1"/>
-              <a:t>GitHub</a:t>
-            </a:r>
-            <a:r>
-              <a:rPr lang="en-US" sz="3600" u="sng"/>
-              <a:t> repository</a:t>
-            </a:r>
+          <a:bodyPr/>
+          <a:lstStyle/>
+          <a:p>
+            <a:r>
+              <a:rPr lang="en-US"/>
+              <a:t>Option 2: OR uses iterators!</a:t>
+            </a:r>
+          </a:p>
+        </p:txBody>
+      </p:sp>
+      <p:sp>
+        <p:nvSpPr>
+          <p:cNvPr id="3" name="Content Placeholder 2"/>
+          <p:cNvSpPr>
+            <a:spLocks noGrp="1"/>
+          </p:cNvSpPr>
+          <p:nvPr>
+            <p:ph idx="1"/>
+          </p:nvPr>
+        </p:nvSpPr>
+        <p:spPr/>
+        <p:txBody>
+          <a:bodyPr/>
+          <a:lstStyle/>
+          <a:p>
+            <a:r>
+              <a:rPr lang="en-US"/>
+              <a:t>Processing 1 column of the matrix per function call?</a:t>
+            </a:r>
+          </a:p>
+          <a:p>
+            <a:r>
+              <a:rPr lang="en-US"/>
+              <a:t>Why copy the entire matrix, just copy iterators (pointer to the column)</a:t>
+            </a:r>
+          </a:p>
+          <a:p>
+            <a:r>
+              <a:rPr lang="en-US" i="1"/>
+              <a:t>iterators</a:t>
+            </a:r>
+            <a:r>
+              <a:rPr lang="en-US"/>
+              <a:t> package in R can be used to do so</a:t>
+            </a:r>
+            <a:endParaRPr lang="en-US" i="1"/>
           </a:p>
         </p:txBody>
       </p:sp>
@@ -7036,272 +13227,7 @@
           <a:p>
             <a:fld id="{027315CF-1C63-4A2B-8455-6CD6E5AB9463}" type="slidenum">
               <a:rPr lang="en-AU" smtClean="0"/>
-              <a:t>2</a:t>
-            </a:fld>
-            <a:endParaRPr lang="en-AU"/>
-          </a:p>
-        </p:txBody>
-      </p:sp>
-      <p:pic>
-        <p:nvPicPr>
-          <p:cNvPr id="5" name="Picture 4" descr="Screen Shot 2017-07-17 at 8.58.36 am.png"/>
-          <p:cNvPicPr>
-            <a:picLocks noChangeAspect="1"/>
-          </p:cNvPicPr>
-          <p:nvPr/>
-        </p:nvPicPr>
-        <p:blipFill>
-          <a:blip r:embed="rId2" cstate="print">
-            <a:extLst>
-              <a:ext uri="{28A0092B-C50C-407E-A947-70E740481C1C}">
-                <a14:useLocalDpi xmlns:a14="http://schemas.microsoft.com/office/drawing/2010/main" val="0"/>
-              </a:ext>
-            </a:extLst>
-          </a:blip>
-          <a:stretch>
-            <a:fillRect/>
-          </a:stretch>
-        </p:blipFill>
-        <p:spPr>
-          <a:xfrm>
-            <a:off x="6732619" y="895987"/>
-            <a:ext cx="5101109" cy="5239351"/>
-          </a:xfrm>
-          <a:prstGeom prst="rect">
-            <a:avLst/>
-          </a:prstGeom>
-        </p:spPr>
-      </p:pic>
-      <p:sp>
-        <p:nvSpPr>
-          <p:cNvPr id="6" name="TextBox 5"/>
-          <p:cNvSpPr txBox="1"/>
-          <p:nvPr/>
-        </p:nvSpPr>
-        <p:spPr>
-          <a:xfrm>
-            <a:off x="956832" y="1809372"/>
-            <a:ext cx="4818955" cy="2585323"/>
-          </a:xfrm>
-          <a:prstGeom prst="rect">
-            <a:avLst/>
-          </a:prstGeom>
-          <a:noFill/>
-        </p:spPr>
-        <p:txBody>
-          <a:bodyPr wrap="square" rtlCol="0">
-            <a:spAutoFit/>
-          </a:bodyPr>
-          <a:lstStyle/>
-          <a:p>
-            <a:pPr marL="285750" indent="-285750">
-              <a:buFont typeface="Arial"/>
-              <a:buChar char="•"/>
-            </a:pPr>
-            <a:r>
-              <a:rPr lang="en-US"/>
-              <a:t>An open-source repository for ready-to-publish code and software prepared by members and students of the lab</a:t>
-            </a:r>
-          </a:p>
-          <a:p>
-            <a:pPr marL="285750" indent="-285750">
-              <a:buFont typeface="Arial"/>
-              <a:buChar char="•"/>
-            </a:pPr>
-            <a:endParaRPr lang="en-US"/>
-          </a:p>
-          <a:p>
-            <a:pPr marL="285750" indent="-285750">
-              <a:buFont typeface="Arial"/>
-              <a:buChar char="•"/>
-            </a:pPr>
-            <a:endParaRPr lang="en-US"/>
-          </a:p>
-          <a:p>
-            <a:pPr marL="285750" indent="-285750">
-              <a:buFont typeface="Arial"/>
-              <a:buChar char="•"/>
-            </a:pPr>
-            <a:endParaRPr lang="en-US"/>
-          </a:p>
-          <a:p>
-            <a:pPr marL="285750" indent="-285750">
-              <a:buFont typeface="Arial"/>
-              <a:buChar char="•"/>
-            </a:pPr>
-            <a:endParaRPr lang="en-US"/>
-          </a:p>
-          <a:p>
-            <a:pPr marL="285750" indent="-285750">
-              <a:buFont typeface="Arial"/>
-              <a:buChar char="•"/>
-            </a:pPr>
-            <a:r>
-              <a:rPr lang="en-US"/>
-              <a:t>Learning resources such as </a:t>
-            </a:r>
-            <a:r>
-              <a:rPr lang="en-US" err="1"/>
-              <a:t>Git</a:t>
-            </a:r>
-            <a:r>
-              <a:rPr lang="en-US"/>
-              <a:t> tutorials, Bioinformatics/R courses</a:t>
-            </a:r>
-          </a:p>
-        </p:txBody>
-      </p:sp>
-      <p:sp>
-        <p:nvSpPr>
-          <p:cNvPr id="3" name="TextBox 2"/>
-          <p:cNvSpPr txBox="1"/>
-          <p:nvPr/>
-        </p:nvSpPr>
-        <p:spPr>
-          <a:xfrm>
-            <a:off x="7306719" y="6306707"/>
-            <a:ext cx="4323142" cy="369332"/>
-          </a:xfrm>
-          <a:prstGeom prst="rect">
-            <a:avLst/>
-          </a:prstGeom>
-          <a:noFill/>
-        </p:spPr>
-        <p:txBody>
-          <a:bodyPr wrap="square" rtlCol="0">
-            <a:spAutoFit/>
-          </a:bodyPr>
-          <a:lstStyle/>
-          <a:p>
-            <a:r>
-              <a:rPr lang="en-US"/>
-              <a:t>https://</a:t>
-            </a:r>
-            <a:r>
-              <a:rPr lang="en-US" err="1"/>
-              <a:t>github.com</a:t>
-            </a:r>
-            <a:r>
-              <a:rPr lang="en-US"/>
-              <a:t>/</a:t>
-            </a:r>
-            <a:r>
-              <a:rPr lang="en-US" err="1"/>
-              <a:t>DavisLaboratory</a:t>
-            </a:r>
-            <a:endParaRPr lang="en-US"/>
-          </a:p>
-        </p:txBody>
-      </p:sp>
-    </p:spTree>
-    <p:extLst>
-      <p:ext uri="{BB962C8B-B14F-4D97-AF65-F5344CB8AC3E}">
-        <p14:creationId xmlns:p14="http://schemas.microsoft.com/office/powerpoint/2010/main" val="3991718150"/>
-      </p:ext>
-    </p:extLst>
-  </p:cSld>
-  <p:clrMapOvr>
-    <a:masterClrMapping/>
-  </p:clrMapOvr>
-</p:sld>
-</file>
-
-<file path=ppt/slides/slide20.xml><?xml version="1.0" encoding="utf-8"?>
-<p:sld xmlns:a="http://schemas.openxmlformats.org/drawingml/2006/main" xmlns:r="http://schemas.openxmlformats.org/officeDocument/2006/relationships" xmlns:p="http://schemas.openxmlformats.org/presentationml/2006/main">
-  <p:cSld>
-    <p:spTree>
-      <p:nvGrpSpPr>
-        <p:cNvPr id="1" name=""/>
-        <p:cNvGrpSpPr/>
-        <p:nvPr/>
-      </p:nvGrpSpPr>
-      <p:grpSpPr>
-        <a:xfrm>
-          <a:off x="0" y="0"/>
-          <a:ext cx="0" cy="0"/>
-          <a:chOff x="0" y="0"/>
-          <a:chExt cx="0" cy="0"/>
-        </a:xfrm>
-      </p:grpSpPr>
-      <p:sp>
-        <p:nvSpPr>
-          <p:cNvPr id="2" name="Title 1"/>
-          <p:cNvSpPr>
-            <a:spLocks noGrp="1"/>
-          </p:cNvSpPr>
-          <p:nvPr>
-            <p:ph type="title"/>
-          </p:nvPr>
-        </p:nvSpPr>
-        <p:spPr/>
-        <p:txBody>
-          <a:bodyPr/>
-          <a:lstStyle/>
-          <a:p>
-            <a:r>
-              <a:rPr lang="en-US"/>
-              <a:t>Option 2: OR uses iterators!</a:t>
-            </a:r>
-          </a:p>
-        </p:txBody>
-      </p:sp>
-      <p:sp>
-        <p:nvSpPr>
-          <p:cNvPr id="3" name="Content Placeholder 2"/>
-          <p:cNvSpPr>
-            <a:spLocks noGrp="1"/>
-          </p:cNvSpPr>
-          <p:nvPr>
-            <p:ph idx="1"/>
-          </p:nvPr>
-        </p:nvSpPr>
-        <p:spPr/>
-        <p:txBody>
-          <a:bodyPr/>
-          <a:lstStyle/>
-          <a:p>
-            <a:r>
-              <a:rPr lang="en-US"/>
-              <a:t>Processing 1 column of the matrix per function call?</a:t>
-            </a:r>
-          </a:p>
-          <a:p>
-            <a:r>
-              <a:rPr lang="en-US"/>
-              <a:t>Why copy the entire matrix, just copy iterators (pointer to the column)</a:t>
-            </a:r>
-          </a:p>
-          <a:p>
-            <a:r>
-              <a:rPr lang="en-US" i="1"/>
-              <a:t>iterators</a:t>
-            </a:r>
-            <a:r>
-              <a:rPr lang="en-US"/>
-              <a:t> package in R can be used to do so</a:t>
-            </a:r>
-            <a:endParaRPr lang="en-US" i="1"/>
-          </a:p>
-        </p:txBody>
-      </p:sp>
-      <p:sp>
-        <p:nvSpPr>
-          <p:cNvPr id="4" name="Slide Number Placeholder 3"/>
-          <p:cNvSpPr>
-            <a:spLocks noGrp="1"/>
-          </p:cNvSpPr>
-          <p:nvPr>
-            <p:ph type="sldNum" sz="quarter" idx="12"/>
-          </p:nvPr>
-        </p:nvSpPr>
-        <p:spPr/>
-        <p:txBody>
-          <a:bodyPr/>
-          <a:lstStyle/>
-          <a:p>
-            <a:fld id="{027315CF-1C63-4A2B-8455-6CD6E5AB9463}" type="slidenum">
-              <a:rPr lang="en-AU" smtClean="0"/>
-              <a:t>20</a:t>
+              <a:t>22</a:t>
             </a:fld>
             <a:endParaRPr lang="en-AU"/>
           </a:p>
@@ -7968,241 +13894,6 @@
 </p:sld>
 </file>
 
-<file path=ppt/slides/slide21.xml><?xml version="1.0" encoding="utf-8"?>
-<p:sld xmlns:a="http://schemas.openxmlformats.org/drawingml/2006/main" xmlns:r="http://schemas.openxmlformats.org/officeDocument/2006/relationships" xmlns:p="http://schemas.openxmlformats.org/presentationml/2006/main">
-  <p:cSld>
-    <p:spTree>
-      <p:nvGrpSpPr>
-        <p:cNvPr id="1" name=""/>
-        <p:cNvGrpSpPr/>
-        <p:nvPr/>
-      </p:nvGrpSpPr>
-      <p:grpSpPr>
-        <a:xfrm>
-          <a:off x="0" y="0"/>
-          <a:ext cx="0" cy="0"/>
-          <a:chOff x="0" y="0"/>
-          <a:chExt cx="0" cy="0"/>
-        </a:xfrm>
-      </p:grpSpPr>
-      <p:sp>
-        <p:nvSpPr>
-          <p:cNvPr id="2" name="Title 1"/>
-          <p:cNvSpPr>
-            <a:spLocks noGrp="1"/>
-          </p:cNvSpPr>
-          <p:nvPr>
-            <p:ph type="title"/>
-          </p:nvPr>
-        </p:nvSpPr>
-        <p:spPr/>
-        <p:txBody>
-          <a:bodyPr/>
-          <a:lstStyle/>
-          <a:p>
-            <a:r>
-              <a:rPr lang="en-US"/>
-              <a:t>Option 3: Exclude non-relevant variables</a:t>
-            </a:r>
-          </a:p>
-        </p:txBody>
-      </p:sp>
-      <p:sp>
-        <p:nvSpPr>
-          <p:cNvPr id="3" name="Content Placeholder 2"/>
-          <p:cNvSpPr>
-            <a:spLocks noGrp="1"/>
-          </p:cNvSpPr>
-          <p:nvPr>
-            <p:ph idx="1"/>
-          </p:nvPr>
-        </p:nvSpPr>
-        <p:spPr/>
-        <p:txBody>
-          <a:bodyPr/>
-          <a:lstStyle/>
-          <a:p>
-            <a:r>
-              <a:rPr lang="en-US"/>
-              <a:t>Since the entire R environment is copied when using socket clusters, exclude variables not used in the function.</a:t>
-            </a:r>
-          </a:p>
-          <a:p>
-            <a:r>
-              <a:rPr lang="en-US"/>
-              <a:t>In the </a:t>
-            </a:r>
-            <a:r>
-              <a:rPr lang="en-US" i="1" err="1"/>
-              <a:t>foreach</a:t>
-            </a:r>
-            <a:r>
-              <a:rPr lang="en-US"/>
-              <a:t> context this is done using the .exclude = c(</a:t>
-            </a:r>
-            <a:r>
-              <a:rPr lang="en-US" err="1"/>
-              <a:t>list_of_vars</a:t>
-            </a:r>
-            <a:r>
-              <a:rPr lang="en-US"/>
-              <a:t>)</a:t>
-            </a:r>
-          </a:p>
-        </p:txBody>
-      </p:sp>
-      <p:sp>
-        <p:nvSpPr>
-          <p:cNvPr id="4" name="Slide Number Placeholder 3"/>
-          <p:cNvSpPr>
-            <a:spLocks noGrp="1"/>
-          </p:cNvSpPr>
-          <p:nvPr>
-            <p:ph type="sldNum" sz="quarter" idx="12"/>
-          </p:nvPr>
-        </p:nvSpPr>
-        <p:spPr/>
-        <p:txBody>
-          <a:bodyPr/>
-          <a:lstStyle/>
-          <a:p>
-            <a:fld id="{027315CF-1C63-4A2B-8455-6CD6E5AB9463}" type="slidenum">
-              <a:rPr lang="en-AU" smtClean="0"/>
-              <a:t>21</a:t>
-            </a:fld>
-            <a:endParaRPr lang="en-AU"/>
-          </a:p>
-        </p:txBody>
-      </p:sp>
-    </p:spTree>
-    <p:extLst>
-      <p:ext uri="{BB962C8B-B14F-4D97-AF65-F5344CB8AC3E}">
-        <p14:creationId xmlns:p14="http://schemas.microsoft.com/office/powerpoint/2010/main" val="765822114"/>
-      </p:ext>
-    </p:extLst>
-  </p:cSld>
-  <p:clrMapOvr>
-    <a:masterClrMapping/>
-  </p:clrMapOvr>
-</p:sld>
-</file>
-
-<file path=ppt/slides/slide22.xml><?xml version="1.0" encoding="utf-8"?>
-<p:sld xmlns:a="http://schemas.openxmlformats.org/drawingml/2006/main" xmlns:r="http://schemas.openxmlformats.org/officeDocument/2006/relationships" xmlns:p="http://schemas.openxmlformats.org/presentationml/2006/main">
-  <p:cSld>
-    <p:spTree>
-      <p:nvGrpSpPr>
-        <p:cNvPr id="1" name=""/>
-        <p:cNvGrpSpPr/>
-        <p:nvPr/>
-      </p:nvGrpSpPr>
-      <p:grpSpPr>
-        <a:xfrm>
-          <a:off x="0" y="0"/>
-          <a:ext cx="0" cy="0"/>
-          <a:chOff x="0" y="0"/>
-          <a:chExt cx="0" cy="0"/>
-        </a:xfrm>
-      </p:grpSpPr>
-      <p:sp>
-        <p:nvSpPr>
-          <p:cNvPr id="2" name="Title 1"/>
-          <p:cNvSpPr>
-            <a:spLocks noGrp="1"/>
-          </p:cNvSpPr>
-          <p:nvPr>
-            <p:ph type="title"/>
-          </p:nvPr>
-        </p:nvSpPr>
-        <p:spPr/>
-        <p:txBody>
-          <a:bodyPr/>
-          <a:lstStyle/>
-          <a:p>
-            <a:r>
-              <a:rPr lang="en-US"/>
-              <a:t>Similar concepts in Python</a:t>
-            </a:r>
-          </a:p>
-        </p:txBody>
-      </p:sp>
-      <p:sp>
-        <p:nvSpPr>
-          <p:cNvPr id="3" name="Content Placeholder 2"/>
-          <p:cNvSpPr>
-            <a:spLocks noGrp="1"/>
-          </p:cNvSpPr>
-          <p:nvPr>
-            <p:ph idx="1"/>
-          </p:nvPr>
-        </p:nvSpPr>
-        <p:spPr/>
-        <p:txBody>
-          <a:bodyPr/>
-          <a:lstStyle/>
-          <a:p>
-            <a:r>
-              <a:rPr lang="en-US"/>
-              <a:t>Concepts in R apply to python as well</a:t>
-            </a:r>
-          </a:p>
-          <a:p>
-            <a:r>
-              <a:rPr lang="en-US"/>
-              <a:t>Creating the cluster, dispatching jobs and combining results is a bit involving.</a:t>
-            </a:r>
-          </a:p>
-          <a:p>
-            <a:r>
-              <a:rPr lang="en-US" i="1" err="1"/>
-              <a:t>dispy</a:t>
-            </a:r>
-            <a:r>
-              <a:rPr lang="en-US"/>
-              <a:t> library used to create clusters and dispatch jobs to it</a:t>
-            </a:r>
-          </a:p>
-          <a:p>
-            <a:endParaRPr lang="en-US"/>
-          </a:p>
-        </p:txBody>
-      </p:sp>
-      <p:sp>
-        <p:nvSpPr>
-          <p:cNvPr id="4" name="Slide Number Placeholder 3"/>
-          <p:cNvSpPr>
-            <a:spLocks noGrp="1"/>
-          </p:cNvSpPr>
-          <p:nvPr>
-            <p:ph type="sldNum" sz="quarter" idx="12"/>
-          </p:nvPr>
-        </p:nvSpPr>
-        <p:spPr/>
-        <p:txBody>
-          <a:bodyPr/>
-          <a:lstStyle/>
-          <a:p>
-            <a:fld id="{027315CF-1C63-4A2B-8455-6CD6E5AB9463}" type="slidenum">
-              <a:rPr lang="en-AU" smtClean="0"/>
-              <a:t>22</a:t>
-            </a:fld>
-            <a:endParaRPr lang="en-AU"/>
-          </a:p>
-        </p:txBody>
-      </p:sp>
-    </p:spTree>
-    <p:extLst>
-      <p:ext uri="{BB962C8B-B14F-4D97-AF65-F5344CB8AC3E}">
-        <p14:creationId xmlns:p14="http://schemas.microsoft.com/office/powerpoint/2010/main" val="591462213"/>
-      </p:ext>
-    </p:extLst>
-  </p:cSld>
-  <p:clrMapOvr>
-    <a:masterClrMapping/>
-  </p:clrMapOvr>
-</p:sld>
-</file>
-
 <file path=ppt/slides/slide23.xml><?xml version="1.0" encoding="utf-8"?>
 <p:sld xmlns:a="http://schemas.openxmlformats.org/drawingml/2006/main" xmlns:r="http://schemas.openxmlformats.org/officeDocument/2006/relationships" xmlns:p="http://schemas.openxmlformats.org/presentationml/2006/main">
   <p:cSld>
@@ -8237,7 +13928,7 @@
           <a:p>
             <a:r>
               <a:rPr lang="en-US"/>
-              <a:t>Summary</a:t>
+              <a:t>Option 3: Exclude non-relevant variables</a:t>
             </a:r>
           </a:p>
         </p:txBody>
@@ -8259,27 +13950,29 @@
           <a:p>
             <a:r>
               <a:rPr lang="en-US"/>
-              <a:t>Bootstrap parallelization is easy!</a:t>
+              <a:t>Since the entire R environment is copied when using socket clusters, exclude variables not used in the function.</a:t>
             </a:r>
           </a:p>
           <a:p>
             <a:r>
               <a:rPr lang="en-US"/>
-              <a:t>Memory estimates should be made and resource requests should be done accordingly</a:t>
-            </a:r>
-          </a:p>
-          <a:p>
+              <a:t>In the </a:t>
+            </a:r>
+            <a:r>
+              <a:rPr lang="en-US" i="1" err="1"/>
+              <a:t>foreach</a:t>
+            </a:r>
             <a:r>
               <a:rPr lang="en-US"/>
-              <a:t>Soon we may need to have time estimates as well. A good way to estimate is to generate a curve with different problem sizes and extrapolate. Contact </a:t>
+              <a:t> context this is done using the .exclude = c(</a:t>
             </a:r>
             <a:r>
               <a:rPr lang="en-US" err="1"/>
-              <a:t>Dharmesh</a:t>
+              <a:t>list_of_vars</a:t>
             </a:r>
             <a:r>
               <a:rPr lang="en-US"/>
-              <a:t> for more on this.</a:t>
+              <a:t>)</a:t>
             </a:r>
           </a:p>
         </p:txBody>
@@ -8310,7 +14003,7 @@
     </p:spTree>
     <p:extLst>
       <p:ext uri="{BB962C8B-B14F-4D97-AF65-F5344CB8AC3E}">
-        <p14:creationId xmlns:p14="http://schemas.microsoft.com/office/powerpoint/2010/main" val="593148561"/>
+        <p14:creationId xmlns:p14="http://schemas.microsoft.com/office/powerpoint/2010/main" val="765822114"/>
       </p:ext>
     </p:extLst>
   </p:cSld>
@@ -8339,10 +14032,285 @@
       </p:grpSpPr>
       <p:sp>
         <p:nvSpPr>
+          <p:cNvPr id="2" name="Title 1"/>
+          <p:cNvSpPr>
+            <a:spLocks noGrp="1"/>
+          </p:cNvSpPr>
+          <p:nvPr>
+            <p:ph type="title"/>
+          </p:nvPr>
+        </p:nvSpPr>
+        <p:spPr/>
+        <p:txBody>
+          <a:bodyPr/>
+          <a:lstStyle/>
+          <a:p>
+            <a:r>
+              <a:rPr lang="en-US"/>
+              <a:t>Similar concepts in Python</a:t>
+            </a:r>
+          </a:p>
+        </p:txBody>
+      </p:sp>
+      <p:sp>
+        <p:nvSpPr>
+          <p:cNvPr id="3" name="Content Placeholder 2"/>
+          <p:cNvSpPr>
+            <a:spLocks noGrp="1"/>
+          </p:cNvSpPr>
+          <p:nvPr>
+            <p:ph idx="1"/>
+          </p:nvPr>
+        </p:nvSpPr>
+        <p:spPr/>
+        <p:txBody>
+          <a:bodyPr/>
+          <a:lstStyle/>
+          <a:p>
+            <a:r>
+              <a:rPr lang="en-US"/>
+              <a:t>Concepts in R apply to python as well</a:t>
+            </a:r>
+          </a:p>
+          <a:p>
+            <a:r>
+              <a:rPr lang="en-US"/>
+              <a:t>Creating the cluster, dispatching jobs and combining results is a bit involving.</a:t>
+            </a:r>
+          </a:p>
+          <a:p>
+            <a:r>
+              <a:rPr lang="en-US" i="1" err="1"/>
+              <a:t>dispy</a:t>
+            </a:r>
+            <a:r>
+              <a:rPr lang="en-US"/>
+              <a:t> library used to create clusters and dispatch jobs to it</a:t>
+            </a:r>
+          </a:p>
+          <a:p>
+            <a:endParaRPr lang="en-US"/>
+          </a:p>
+        </p:txBody>
+      </p:sp>
+      <p:sp>
+        <p:nvSpPr>
+          <p:cNvPr id="4" name="Slide Number Placeholder 3"/>
+          <p:cNvSpPr>
+            <a:spLocks noGrp="1"/>
+          </p:cNvSpPr>
+          <p:nvPr>
+            <p:ph type="sldNum" sz="quarter" idx="12"/>
+          </p:nvPr>
+        </p:nvSpPr>
+        <p:spPr/>
+        <p:txBody>
+          <a:bodyPr/>
+          <a:lstStyle/>
+          <a:p>
+            <a:fld id="{027315CF-1C63-4A2B-8455-6CD6E5AB9463}" type="slidenum">
+              <a:rPr lang="en-AU" smtClean="0"/>
+              <a:t>24</a:t>
+            </a:fld>
+            <a:endParaRPr lang="en-AU"/>
+          </a:p>
+        </p:txBody>
+      </p:sp>
+    </p:spTree>
+    <p:extLst>
+      <p:ext uri="{BB962C8B-B14F-4D97-AF65-F5344CB8AC3E}">
+        <p14:creationId xmlns:p14="http://schemas.microsoft.com/office/powerpoint/2010/main" val="591462213"/>
+      </p:ext>
+    </p:extLst>
+  </p:cSld>
+  <p:clrMapOvr>
+    <a:masterClrMapping/>
+  </p:clrMapOvr>
+</p:sld>
+</file>
+
+<file path=ppt/slides/slide25.xml><?xml version="1.0" encoding="utf-8"?>
+<p:sld xmlns:a="http://schemas.openxmlformats.org/drawingml/2006/main" xmlns:r="http://schemas.openxmlformats.org/officeDocument/2006/relationships" xmlns:p="http://schemas.openxmlformats.org/presentationml/2006/main">
+  <p:cSld>
+    <p:spTree>
+      <p:nvGrpSpPr>
+        <p:cNvPr id="1" name=""/>
+        <p:cNvGrpSpPr/>
+        <p:nvPr/>
+      </p:nvGrpSpPr>
+      <p:grpSpPr>
+        <a:xfrm>
+          <a:off x="0" y="0"/>
+          <a:ext cx="0" cy="0"/>
+          <a:chOff x="0" y="0"/>
+          <a:chExt cx="0" cy="0"/>
+        </a:xfrm>
+      </p:grpSpPr>
+      <p:sp>
+        <p:nvSpPr>
+          <p:cNvPr id="2" name="Title 1"/>
+          <p:cNvSpPr>
+            <a:spLocks noGrp="1"/>
+          </p:cNvSpPr>
+          <p:nvPr>
+            <p:ph type="title"/>
+          </p:nvPr>
+        </p:nvSpPr>
+        <p:spPr/>
+        <p:txBody>
+          <a:bodyPr/>
+          <a:lstStyle/>
+          <a:p>
+            <a:r>
+              <a:rPr lang="en-US"/>
+              <a:t>Summary</a:t>
+            </a:r>
+          </a:p>
+        </p:txBody>
+      </p:sp>
+      <p:sp>
+        <p:nvSpPr>
+          <p:cNvPr id="3" name="Content Placeholder 2"/>
+          <p:cNvSpPr>
+            <a:spLocks noGrp="1"/>
+          </p:cNvSpPr>
+          <p:nvPr>
+            <p:ph idx="1"/>
+          </p:nvPr>
+        </p:nvSpPr>
+        <p:spPr/>
+        <p:txBody>
+          <a:bodyPr/>
+          <a:lstStyle/>
+          <a:p>
+            <a:r>
+              <a:rPr lang="en-US" dirty="0"/>
+              <a:t>Bootstrap parallelization is easy!</a:t>
+            </a:r>
+          </a:p>
+          <a:p>
+            <a:r>
+              <a:rPr lang="en-US" dirty="0"/>
+              <a:t>Memory estimates should be made and resource requests should be done accordingly</a:t>
+            </a:r>
+          </a:p>
+          <a:p>
+            <a:r>
+              <a:rPr lang="en-US" dirty="0"/>
+              <a:t>Soon we may need to have time estimates as well. A good way to estimate is to generate a curve with different problem sizes and extrapolate. Contact Dharmesh for more on this.</a:t>
+            </a:r>
+          </a:p>
+        </p:txBody>
+      </p:sp>
+      <p:sp>
+        <p:nvSpPr>
+          <p:cNvPr id="4" name="Slide Number Placeholder 3"/>
+          <p:cNvSpPr>
+            <a:spLocks noGrp="1"/>
+          </p:cNvSpPr>
+          <p:nvPr>
+            <p:ph type="sldNum" sz="quarter" idx="12"/>
+          </p:nvPr>
+        </p:nvSpPr>
+        <p:spPr/>
+        <p:txBody>
+          <a:bodyPr/>
+          <a:lstStyle/>
+          <a:p>
+            <a:fld id="{027315CF-1C63-4A2B-8455-6CD6E5AB9463}" type="slidenum">
+              <a:rPr lang="en-AU" smtClean="0"/>
+              <a:t>25</a:t>
+            </a:fld>
+            <a:endParaRPr lang="en-AU"/>
+          </a:p>
+        </p:txBody>
+      </p:sp>
+      <p:sp>
+        <p:nvSpPr>
+          <p:cNvPr id="6" name="Speech Bubble: Oval 5">
+            <a:extLst>
+              <a:ext uri="{FF2B5EF4-FFF2-40B4-BE49-F238E27FC236}">
+                <a16:creationId xmlns:a16="http://schemas.microsoft.com/office/drawing/2014/main" id="{F0407956-14CF-427C-A40B-C074D724B131}"/>
+              </a:ext>
+            </a:extLst>
+          </p:cNvPr>
+          <p:cNvSpPr/>
+          <p:nvPr/>
+        </p:nvSpPr>
+        <p:spPr>
+          <a:xfrm>
+            <a:off x="838200" y="5181600"/>
+            <a:ext cx="2400300" cy="1539875"/>
+          </a:xfrm>
+          <a:prstGeom prst="wedgeEllipseCallout">
+            <a:avLst>
+              <a:gd name="adj1" fmla="val 9326"/>
+              <a:gd name="adj2" fmla="val -98325"/>
+            </a:avLst>
+          </a:prstGeom>
+        </p:spPr>
+        <p:style>
+          <a:lnRef idx="2">
+            <a:schemeClr val="accent6"/>
+          </a:lnRef>
+          <a:fillRef idx="1">
+            <a:schemeClr val="lt1"/>
+          </a:fillRef>
+          <a:effectRef idx="0">
+            <a:schemeClr val="accent6"/>
+          </a:effectRef>
+          <a:fontRef idx="minor">
+            <a:schemeClr val="dk1"/>
+          </a:fontRef>
+        </p:style>
+        <p:txBody>
+          <a:bodyPr rtlCol="0" anchor="ctr"/>
+          <a:lstStyle/>
+          <a:p>
+            <a:pPr algn="ctr"/>
+            <a:r>
+              <a:rPr lang="en-AU" dirty="0"/>
+              <a:t>Really soon as Liam mentioned!</a:t>
+            </a:r>
+          </a:p>
+        </p:txBody>
+      </p:sp>
+    </p:spTree>
+    <p:extLst>
+      <p:ext uri="{BB962C8B-B14F-4D97-AF65-F5344CB8AC3E}">
+        <p14:creationId xmlns:p14="http://schemas.microsoft.com/office/powerpoint/2010/main" val="593148561"/>
+      </p:ext>
+    </p:extLst>
+  </p:cSld>
+  <p:clrMapOvr>
+    <a:masterClrMapping/>
+  </p:clrMapOvr>
+</p:sld>
+</file>
+
+<file path=ppt/slides/slide26.xml><?xml version="1.0" encoding="utf-8"?>
+<p:sld xmlns:a="http://schemas.openxmlformats.org/drawingml/2006/main" xmlns:r="http://schemas.openxmlformats.org/officeDocument/2006/relationships" xmlns:p="http://schemas.openxmlformats.org/presentationml/2006/main">
+  <p:cSld>
+    <p:spTree>
+      <p:nvGrpSpPr>
+        <p:cNvPr id="1" name=""/>
+        <p:cNvGrpSpPr/>
+        <p:nvPr/>
+      </p:nvGrpSpPr>
+      <p:grpSpPr>
+        <a:xfrm>
+          <a:off x="0" y="0"/>
+          <a:ext cx="0" cy="0"/>
+          <a:chOff x="0" y="0"/>
+          <a:chExt cx="0" cy="0"/>
+        </a:xfrm>
+      </p:grpSpPr>
+      <p:sp>
+        <p:nvSpPr>
           <p:cNvPr id="2" name="Title 1">
             <a:extLst>
               <a:ext uri="{FF2B5EF4-FFF2-40B4-BE49-F238E27FC236}">
-                <a16:creationId xmlns:a16="http://schemas.microsoft.com/office/drawing/2014/main" xmlns="" id="{1577ABFD-7669-45D7-8010-80FF6A5A1FB4}"/>
+                <a16:creationId xmlns:a16="http://schemas.microsoft.com/office/drawing/2014/main" id="{65363B58-2DE7-41DB-94D3-4CC547C8888C}"/>
               </a:ext>
             </a:extLst>
           </p:cNvPr>
@@ -8359,8 +14327,115 @@
           <a:lstStyle/>
           <a:p>
             <a:r>
-              <a:rPr lang="en-AU"/>
-              <a:t>Quick note: RDP using prkdsh01</a:t>
+              <a:rPr lang="en-AU" dirty="0"/>
+              <a:t>Estimation</a:t>
+            </a:r>
+          </a:p>
+        </p:txBody>
+      </p:sp>
+      <p:sp>
+        <p:nvSpPr>
+          <p:cNvPr id="3" name="Content Placeholder 2">
+            <a:extLst>
+              <a:ext uri="{FF2B5EF4-FFF2-40B4-BE49-F238E27FC236}">
+                <a16:creationId xmlns:a16="http://schemas.microsoft.com/office/drawing/2014/main" id="{B07DF907-B3D4-498E-9611-8C1E48007888}"/>
+              </a:ext>
+            </a:extLst>
+          </p:cNvPr>
+          <p:cNvSpPr>
+            <a:spLocks noGrp="1"/>
+          </p:cNvSpPr>
+          <p:nvPr>
+            <p:ph idx="1"/>
+          </p:nvPr>
+        </p:nvSpPr>
+        <p:spPr>
+          <a:xfrm>
+            <a:off x="838200" y="1825625"/>
+            <a:ext cx="7061200" cy="4351338"/>
+          </a:xfrm>
+        </p:spPr>
+        <p:txBody>
+          <a:bodyPr>
+            <a:normAutofit fontScale="85000" lnSpcReduction="20000"/>
+          </a:bodyPr>
+          <a:lstStyle/>
+          <a:p>
+            <a:pPr marL="514350" indent="-514350">
+              <a:lnSpc>
+                <a:spcPct val="120000"/>
+              </a:lnSpc>
+              <a:spcAft>
+                <a:spcPts val="600"/>
+              </a:spcAft>
+              <a:buFont typeface="+mj-lt"/>
+              <a:buAutoNum type="arabicPeriod"/>
+            </a:pPr>
+            <a:r>
+              <a:rPr lang="en-AU" dirty="0"/>
+              <a:t>For the large problem (e.g. 10000 data points), scale it down to a very small chunk (e.g. 10 data points)</a:t>
+            </a:r>
+          </a:p>
+          <a:p>
+            <a:pPr marL="514350" indent="-514350">
+              <a:spcAft>
+                <a:spcPts val="600"/>
+              </a:spcAft>
+              <a:buFont typeface="+mj-lt"/>
+              <a:buAutoNum type="arabicPeriod"/>
+            </a:pPr>
+            <a:r>
+              <a:rPr lang="en-AU" dirty="0"/>
+              <a:t>Estimate resources for chunk (time and memory)</a:t>
+            </a:r>
+          </a:p>
+          <a:p>
+            <a:pPr marL="514350" indent="-514350">
+              <a:spcAft>
+                <a:spcPts val="600"/>
+              </a:spcAft>
+              <a:buFont typeface="+mj-lt"/>
+              <a:buAutoNum type="arabicPeriod"/>
+            </a:pPr>
+            <a:r>
+              <a:rPr lang="en-AU" dirty="0"/>
+              <a:t>(n=5?) Repeat for varying problem sizes (10, 100, 1000, 1500, 2000)</a:t>
+            </a:r>
+          </a:p>
+          <a:p>
+            <a:pPr marL="514350" indent="-514350">
+              <a:spcAft>
+                <a:spcPts val="600"/>
+              </a:spcAft>
+              <a:buFont typeface="+mj-lt"/>
+              <a:buAutoNum type="arabicPeriod"/>
+            </a:pPr>
+            <a:r>
+              <a:rPr lang="en-AU" dirty="0"/>
+              <a:t>Plot curve of resource usage and extrapolate to n=10000</a:t>
+            </a:r>
+          </a:p>
+          <a:p>
+            <a:pPr marL="514350" indent="-514350">
+              <a:spcAft>
+                <a:spcPts val="600"/>
+              </a:spcAft>
+              <a:buFont typeface="+mj-lt"/>
+              <a:buAutoNum type="arabicPeriod"/>
+            </a:pPr>
+            <a:r>
+              <a:rPr lang="en-AU" dirty="0"/>
+              <a:t>I usually add 15-20% on all estimates. 5% if I am VERY confident with my estimates (I’m a terrible estimator </a:t>
+            </a:r>
+            <a:r>
+              <a:rPr lang="en-AU" dirty="0">
+                <a:sym typeface="Wingdings" panose="05000000000000000000" pitchFamily="2" charset="2"/>
+              </a:rPr>
+              <a:t></a:t>
+            </a:r>
+            <a:r>
+              <a:rPr lang="en-AU" dirty="0"/>
+              <a:t>)</a:t>
             </a:r>
           </a:p>
         </p:txBody>
@@ -8370,7 +14445,7 @@
           <p:cNvPr id="4" name="Slide Number Placeholder 3">
             <a:extLst>
               <a:ext uri="{FF2B5EF4-FFF2-40B4-BE49-F238E27FC236}">
-                <a16:creationId xmlns:a16="http://schemas.microsoft.com/office/drawing/2014/main" xmlns="" id="{272E563F-1228-49DD-983F-662D115ACD0A}"/>
+                <a16:creationId xmlns:a16="http://schemas.microsoft.com/office/drawing/2014/main" id="{0A63F117-073D-4839-B9D9-7CE63BBBEE1D}"/>
               </a:ext>
             </a:extLst>
           </p:cNvPr>
@@ -8388,7 +14463,370 @@
           <a:p>
             <a:fld id="{027315CF-1C63-4A2B-8455-6CD6E5AB9463}" type="slidenum">
               <a:rPr lang="en-AU" smtClean="0"/>
-              <a:t>24</a:t>
+              <a:t>26</a:t>
+            </a:fld>
+            <a:endParaRPr lang="en-AU"/>
+          </a:p>
+        </p:txBody>
+      </p:sp>
+      <p:cxnSp>
+        <p:nvCxnSpPr>
+          <p:cNvPr id="6" name="Connector: Elbow 5">
+            <a:extLst>
+              <a:ext uri="{FF2B5EF4-FFF2-40B4-BE49-F238E27FC236}">
+                <a16:creationId xmlns:a16="http://schemas.microsoft.com/office/drawing/2014/main" id="{AD87474E-3E6F-4ACA-A952-335690A79ED4}"/>
+              </a:ext>
+            </a:extLst>
+          </p:cNvPr>
+          <p:cNvCxnSpPr>
+            <a:cxnSpLocks/>
+          </p:cNvCxnSpPr>
+          <p:nvPr/>
+        </p:nvCxnSpPr>
+        <p:spPr>
+          <a:xfrm rot="16200000" flipH="1">
+            <a:off x="8287544" y="2013744"/>
+            <a:ext cx="3389312" cy="2743200"/>
+          </a:xfrm>
+          <a:prstGeom prst="bentConnector3">
+            <a:avLst>
+              <a:gd name="adj1" fmla="val 100211"/>
+            </a:avLst>
+          </a:prstGeom>
+        </p:spPr>
+        <p:style>
+          <a:lnRef idx="1">
+            <a:schemeClr val="accent1"/>
+          </a:lnRef>
+          <a:fillRef idx="0">
+            <a:schemeClr val="accent1"/>
+          </a:fillRef>
+          <a:effectRef idx="0">
+            <a:schemeClr val="accent1"/>
+          </a:effectRef>
+          <a:fontRef idx="minor">
+            <a:schemeClr val="tx1"/>
+          </a:fontRef>
+        </p:style>
+      </p:cxnSp>
+      <p:sp>
+        <p:nvSpPr>
+          <p:cNvPr id="20" name="Freeform: Shape 19">
+            <a:extLst>
+              <a:ext uri="{FF2B5EF4-FFF2-40B4-BE49-F238E27FC236}">
+                <a16:creationId xmlns:a16="http://schemas.microsoft.com/office/drawing/2014/main" id="{4178B023-7199-4F00-A33E-AF170B536728}"/>
+              </a:ext>
+            </a:extLst>
+          </p:cNvPr>
+          <p:cNvSpPr/>
+          <p:nvPr/>
+        </p:nvSpPr>
+        <p:spPr>
+          <a:xfrm>
+            <a:off x="8801100" y="2134394"/>
+            <a:ext cx="2552700" cy="2501900"/>
+          </a:xfrm>
+          <a:custGeom>
+            <a:avLst/>
+            <a:gdLst>
+              <a:gd name="connsiteX0" fmla="*/ 0 w 2552700"/>
+              <a:gd name="connsiteY0" fmla="*/ 2501900 h 2501900"/>
+              <a:gd name="connsiteX1" fmla="*/ 1511300 w 2552700"/>
+              <a:gd name="connsiteY1" fmla="*/ 1612900 h 2501900"/>
+              <a:gd name="connsiteX2" fmla="*/ 2552700 w 2552700"/>
+              <a:gd name="connsiteY2" fmla="*/ 0 h 2501900"/>
+            </a:gdLst>
+            <a:ahLst/>
+            <a:cxnLst>
+              <a:cxn ang="0">
+                <a:pos x="connsiteX0" y="connsiteY0"/>
+              </a:cxn>
+              <a:cxn ang="0">
+                <a:pos x="connsiteX1" y="connsiteY1"/>
+              </a:cxn>
+              <a:cxn ang="0">
+                <a:pos x="connsiteX2" y="connsiteY2"/>
+              </a:cxn>
+            </a:cxnLst>
+            <a:rect l="l" t="t" r="r" b="b"/>
+            <a:pathLst>
+              <a:path w="2552700" h="2501900">
+                <a:moveTo>
+                  <a:pt x="0" y="2501900"/>
+                </a:moveTo>
+                <a:cubicBezTo>
+                  <a:pt x="542925" y="2265891"/>
+                  <a:pt x="1085850" y="2029883"/>
+                  <a:pt x="1511300" y="1612900"/>
+                </a:cubicBezTo>
+                <a:cubicBezTo>
+                  <a:pt x="1936750" y="1195917"/>
+                  <a:pt x="2389717" y="268817"/>
+                  <a:pt x="2552700" y="0"/>
+                </a:cubicBezTo>
+              </a:path>
+            </a:pathLst>
+          </a:custGeom>
+          <a:noFill/>
+        </p:spPr>
+        <p:style>
+          <a:lnRef idx="2">
+            <a:schemeClr val="accent1">
+              <a:shade val="50000"/>
+            </a:schemeClr>
+          </a:lnRef>
+          <a:fillRef idx="1">
+            <a:schemeClr val="accent1"/>
+          </a:fillRef>
+          <a:effectRef idx="0">
+            <a:schemeClr val="accent1"/>
+          </a:effectRef>
+          <a:fontRef idx="minor">
+            <a:schemeClr val="lt1"/>
+          </a:fontRef>
+        </p:style>
+        <p:txBody>
+          <a:bodyPr rtlCol="0" anchor="ctr"/>
+          <a:lstStyle/>
+          <a:p>
+            <a:pPr algn="ctr"/>
+            <a:endParaRPr lang="en-AU"/>
+          </a:p>
+        </p:txBody>
+      </p:sp>
+      <p:sp>
+        <p:nvSpPr>
+          <p:cNvPr id="21" name="Flowchart: Connector 20">
+            <a:extLst>
+              <a:ext uri="{FF2B5EF4-FFF2-40B4-BE49-F238E27FC236}">
+                <a16:creationId xmlns:a16="http://schemas.microsoft.com/office/drawing/2014/main" id="{3B756F2C-B093-4DCF-93F8-81A0D2D0156D}"/>
+              </a:ext>
+            </a:extLst>
+          </p:cNvPr>
+          <p:cNvSpPr/>
+          <p:nvPr/>
+        </p:nvSpPr>
+        <p:spPr>
+          <a:xfrm>
+            <a:off x="11074400" y="2463800"/>
+            <a:ext cx="101600" cy="139700"/>
+          </a:xfrm>
+          <a:prstGeom prst="flowChartConnector">
+            <a:avLst/>
+          </a:prstGeom>
+        </p:spPr>
+        <p:style>
+          <a:lnRef idx="2">
+            <a:schemeClr val="accent2">
+              <a:shade val="50000"/>
+            </a:schemeClr>
+          </a:lnRef>
+          <a:fillRef idx="1">
+            <a:schemeClr val="accent2"/>
+          </a:fillRef>
+          <a:effectRef idx="0">
+            <a:schemeClr val="accent2"/>
+          </a:effectRef>
+          <a:fontRef idx="minor">
+            <a:schemeClr val="lt1"/>
+          </a:fontRef>
+        </p:style>
+        <p:txBody>
+          <a:bodyPr rtlCol="0" anchor="ctr"/>
+          <a:lstStyle/>
+          <a:p>
+            <a:pPr algn="ctr"/>
+            <a:endParaRPr lang="en-AU"/>
+          </a:p>
+        </p:txBody>
+      </p:sp>
+      <p:sp>
+        <p:nvSpPr>
+          <p:cNvPr id="22" name="TextBox 21">
+            <a:extLst>
+              <a:ext uri="{FF2B5EF4-FFF2-40B4-BE49-F238E27FC236}">
+                <a16:creationId xmlns:a16="http://schemas.microsoft.com/office/drawing/2014/main" id="{CF469AA3-689B-42CB-A8C6-202C8CA79E64}"/>
+              </a:ext>
+            </a:extLst>
+          </p:cNvPr>
+          <p:cNvSpPr txBox="1"/>
+          <p:nvPr/>
+        </p:nvSpPr>
+        <p:spPr>
+          <a:xfrm>
+            <a:off x="9390852" y="5348843"/>
+            <a:ext cx="1373196" cy="369332"/>
+          </a:xfrm>
+          <a:prstGeom prst="rect">
+            <a:avLst/>
+          </a:prstGeom>
+          <a:noFill/>
+        </p:spPr>
+        <p:txBody>
+          <a:bodyPr wrap="none" rtlCol="0">
+            <a:spAutoFit/>
+          </a:bodyPr>
+          <a:lstStyle/>
+          <a:p>
+            <a:r>
+              <a:rPr lang="en-AU" dirty="0"/>
+              <a:t>Problem size</a:t>
+            </a:r>
+          </a:p>
+        </p:txBody>
+      </p:sp>
+      <p:sp>
+        <p:nvSpPr>
+          <p:cNvPr id="23" name="TextBox 22">
+            <a:extLst>
+              <a:ext uri="{FF2B5EF4-FFF2-40B4-BE49-F238E27FC236}">
+                <a16:creationId xmlns:a16="http://schemas.microsoft.com/office/drawing/2014/main" id="{DAEC0646-070F-44E4-B42F-C8804519E7F1}"/>
+              </a:ext>
+            </a:extLst>
+          </p:cNvPr>
+          <p:cNvSpPr txBox="1"/>
+          <p:nvPr/>
+        </p:nvSpPr>
+        <p:spPr>
+          <a:xfrm rot="16200000">
+            <a:off x="7216505" y="3200677"/>
+            <a:ext cx="2063257" cy="369332"/>
+          </a:xfrm>
+          <a:prstGeom prst="rect">
+            <a:avLst/>
+          </a:prstGeom>
+          <a:noFill/>
+        </p:spPr>
+        <p:txBody>
+          <a:bodyPr wrap="none" rtlCol="0">
+            <a:spAutoFit/>
+          </a:bodyPr>
+          <a:lstStyle/>
+          <a:p>
+            <a:r>
+              <a:rPr lang="en-AU" dirty="0"/>
+              <a:t>Resource (e.g. time)</a:t>
+            </a:r>
+          </a:p>
+        </p:txBody>
+      </p:sp>
+      <p:sp>
+        <p:nvSpPr>
+          <p:cNvPr id="24" name="TextBox 23">
+            <a:extLst>
+              <a:ext uri="{FF2B5EF4-FFF2-40B4-BE49-F238E27FC236}">
+                <a16:creationId xmlns:a16="http://schemas.microsoft.com/office/drawing/2014/main" id="{4E26801E-CD10-45AE-A975-084D10F6B587}"/>
+              </a:ext>
+            </a:extLst>
+          </p:cNvPr>
+          <p:cNvSpPr txBox="1"/>
+          <p:nvPr/>
+        </p:nvSpPr>
+        <p:spPr>
+          <a:xfrm>
+            <a:off x="10106191" y="2234168"/>
+            <a:ext cx="996619" cy="369332"/>
+          </a:xfrm>
+          <a:prstGeom prst="rect">
+            <a:avLst/>
+          </a:prstGeom>
+          <a:noFill/>
+        </p:spPr>
+        <p:txBody>
+          <a:bodyPr wrap="none" rtlCol="0">
+            <a:spAutoFit/>
+          </a:bodyPr>
+          <a:lstStyle/>
+          <a:p>
+            <a:r>
+              <a:rPr lang="en-AU" dirty="0"/>
+              <a:t>Estimate</a:t>
+            </a:r>
+          </a:p>
+        </p:txBody>
+      </p:sp>
+    </p:spTree>
+    <p:extLst>
+      <p:ext uri="{BB962C8B-B14F-4D97-AF65-F5344CB8AC3E}">
+        <p14:creationId xmlns:p14="http://schemas.microsoft.com/office/powerpoint/2010/main" val="1161909697"/>
+      </p:ext>
+    </p:extLst>
+  </p:cSld>
+  <p:clrMapOvr>
+    <a:masterClrMapping/>
+  </p:clrMapOvr>
+</p:sld>
+</file>
+
+<file path=ppt/slides/slide27.xml><?xml version="1.0" encoding="utf-8"?>
+<p:sld xmlns:a="http://schemas.openxmlformats.org/drawingml/2006/main" xmlns:r="http://schemas.openxmlformats.org/officeDocument/2006/relationships" xmlns:p="http://schemas.openxmlformats.org/presentationml/2006/main">
+  <p:cSld>
+    <p:spTree>
+      <p:nvGrpSpPr>
+        <p:cNvPr id="1" name=""/>
+        <p:cNvGrpSpPr/>
+        <p:nvPr/>
+      </p:nvGrpSpPr>
+      <p:grpSpPr>
+        <a:xfrm>
+          <a:off x="0" y="0"/>
+          <a:ext cx="0" cy="0"/>
+          <a:chOff x="0" y="0"/>
+          <a:chExt cx="0" cy="0"/>
+        </a:xfrm>
+      </p:grpSpPr>
+      <p:sp>
+        <p:nvSpPr>
+          <p:cNvPr id="2" name="Title 1">
+            <a:extLst>
+              <a:ext uri="{FF2B5EF4-FFF2-40B4-BE49-F238E27FC236}">
+                <a16:creationId xmlns:a16="http://schemas.microsoft.com/office/drawing/2014/main" id="{1577ABFD-7669-45D7-8010-80FF6A5A1FB4}"/>
+              </a:ext>
+            </a:extLst>
+          </p:cNvPr>
+          <p:cNvSpPr>
+            <a:spLocks noGrp="1"/>
+          </p:cNvSpPr>
+          <p:nvPr>
+            <p:ph type="title"/>
+          </p:nvPr>
+        </p:nvSpPr>
+        <p:spPr/>
+        <p:txBody>
+          <a:bodyPr/>
+          <a:lstStyle/>
+          <a:p>
+            <a:r>
+              <a:rPr lang="en-AU"/>
+              <a:t>Quick note: RDP using prkdsh01</a:t>
+            </a:r>
+          </a:p>
+        </p:txBody>
+      </p:sp>
+      <p:sp>
+        <p:nvSpPr>
+          <p:cNvPr id="4" name="Slide Number Placeholder 3">
+            <a:extLst>
+              <a:ext uri="{FF2B5EF4-FFF2-40B4-BE49-F238E27FC236}">
+                <a16:creationId xmlns:a16="http://schemas.microsoft.com/office/drawing/2014/main" id="{272E563F-1228-49DD-983F-662D115ACD0A}"/>
+              </a:ext>
+            </a:extLst>
+          </p:cNvPr>
+          <p:cNvSpPr>
+            <a:spLocks noGrp="1"/>
+          </p:cNvSpPr>
+          <p:nvPr>
+            <p:ph type="sldNum" sz="quarter" idx="12"/>
+          </p:nvPr>
+        </p:nvSpPr>
+        <p:spPr/>
+        <p:txBody>
+          <a:bodyPr/>
+          <a:lstStyle/>
+          <a:p>
+            <a:fld id="{027315CF-1C63-4A2B-8455-6CD6E5AB9463}" type="slidenum">
+              <a:rPr lang="en-AU" smtClean="0"/>
+              <a:t>27</a:t>
             </a:fld>
             <a:endParaRPr lang="en-AU"/>
           </a:p>
@@ -8399,7 +14837,7 @@
           <p:cNvPr id="5" name="Picture 4">
             <a:extLst>
               <a:ext uri="{FF2B5EF4-FFF2-40B4-BE49-F238E27FC236}">
-                <a16:creationId xmlns:a16="http://schemas.microsoft.com/office/drawing/2014/main" xmlns="" id="{CBBED626-5D32-4B65-AF71-35ABDC30AA52}"/>
+                <a16:creationId xmlns:a16="http://schemas.microsoft.com/office/drawing/2014/main" id="{CBBED626-5D32-4B65-AF71-35ABDC30AA52}"/>
               </a:ext>
             </a:extLst>
           </p:cNvPr>
@@ -8429,7 +14867,7 @@
           <p:cNvPr id="6" name="Picture 5">
             <a:extLst>
               <a:ext uri="{FF2B5EF4-FFF2-40B4-BE49-F238E27FC236}">
-                <a16:creationId xmlns:a16="http://schemas.microsoft.com/office/drawing/2014/main" xmlns="" id="{207BF7AD-9D41-4F8A-95C1-4691E4CFCDB1}"/>
+                <a16:creationId xmlns:a16="http://schemas.microsoft.com/office/drawing/2014/main" id="{207BF7AD-9D41-4F8A-95C1-4691E4CFCDB1}"/>
               </a:ext>
             </a:extLst>
           </p:cNvPr>
@@ -8459,7 +14897,7 @@
           <p:cNvPr id="7" name="Rectangle 6">
             <a:extLst>
               <a:ext uri="{FF2B5EF4-FFF2-40B4-BE49-F238E27FC236}">
-                <a16:creationId xmlns:a16="http://schemas.microsoft.com/office/drawing/2014/main" xmlns="" id="{2803BADC-7425-4C23-BE77-41A248816AFD}"/>
+                <a16:creationId xmlns:a16="http://schemas.microsoft.com/office/drawing/2014/main" id="{2803BADC-7425-4C23-BE77-41A248816AFD}"/>
               </a:ext>
             </a:extLst>
           </p:cNvPr>
@@ -8505,7 +14943,7 @@
           <p:cNvPr id="8" name="Rectangle 7">
             <a:extLst>
               <a:ext uri="{FF2B5EF4-FFF2-40B4-BE49-F238E27FC236}">
-                <a16:creationId xmlns:a16="http://schemas.microsoft.com/office/drawing/2014/main" xmlns="" id="{D1CC5B92-7557-434D-905D-A58E34FE678E}"/>
+                <a16:creationId xmlns:a16="http://schemas.microsoft.com/office/drawing/2014/main" id="{D1CC5B92-7557-434D-905D-A58E34FE678E}"/>
               </a:ext>
             </a:extLst>
           </p:cNvPr>
@@ -8551,7 +14989,7 @@
           <p:cNvPr id="9" name="Arrow: Right 8">
             <a:extLst>
               <a:ext uri="{FF2B5EF4-FFF2-40B4-BE49-F238E27FC236}">
-                <a16:creationId xmlns:a16="http://schemas.microsoft.com/office/drawing/2014/main" xmlns="" id="{FD1BF596-9D1A-4E99-B0CC-DA403507CD37}"/>
+                <a16:creationId xmlns:a16="http://schemas.microsoft.com/office/drawing/2014/main" id="{FD1BF596-9D1A-4E99-B0CC-DA403507CD37}"/>
               </a:ext>
             </a:extLst>
           </p:cNvPr>
@@ -8605,7 +15043,7 @@
 </p:sld>
 </file>
 
-<file path=ppt/slides/slide25.xml><?xml version="1.0" encoding="utf-8"?>
+<file path=ppt/slides/slide28.xml><?xml version="1.0" encoding="utf-8"?>
 <p:sld xmlns:a="http://schemas.openxmlformats.org/drawingml/2006/main" xmlns:r="http://schemas.openxmlformats.org/officeDocument/2006/relationships" xmlns:p="http://schemas.openxmlformats.org/presentationml/2006/main">
   <p:cSld>
     <p:spTree>
@@ -8687,7 +15125,7 @@
           <p:cNvPr id="4" name="Slide Number Placeholder 3">
             <a:extLst>
               <a:ext uri="{FF2B5EF4-FFF2-40B4-BE49-F238E27FC236}">
-                <a16:creationId xmlns:a16="http://schemas.microsoft.com/office/drawing/2014/main" xmlns="" id="{969E4DBB-2C15-486D-844F-D90CC25E70AB}"/>
+                <a16:creationId xmlns:a16="http://schemas.microsoft.com/office/drawing/2014/main" id="{969E4DBB-2C15-486D-844F-D90CC25E70AB}"/>
               </a:ext>
             </a:extLst>
           </p:cNvPr>
@@ -8717,7 +15155,7 @@
                 </a:solidFill>
               </a:rPr>
               <a:pPr/>
-              <a:t>25</a:t>
+              <a:t>28</a:t>
             </a:fld>
             <a:endParaRPr lang="en-US">
               <a:solidFill>
@@ -8740,7 +15178,7 @@
 </p:sld>
 </file>
 
-<file path=ppt/slides/slide26.xml><?xml version="1.0" encoding="utf-8"?>
+<file path=ppt/slides/slide29.xml><?xml version="1.0" encoding="utf-8"?>
 <p:sld xmlns:a="http://schemas.openxmlformats.org/drawingml/2006/main" xmlns:r="http://schemas.openxmlformats.org/officeDocument/2006/relationships" xmlns:p="http://schemas.openxmlformats.org/presentationml/2006/main">
   <p:cSld>
     <p:spTree>
@@ -8762,7 +15200,7 @@
           <p:cNvPr id="2" name="Title 1">
             <a:extLst>
               <a:ext uri="{FF2B5EF4-FFF2-40B4-BE49-F238E27FC236}">
-                <a16:creationId xmlns:a16="http://schemas.microsoft.com/office/drawing/2014/main" xmlns="" id="{0CD8613C-2E47-4419-8A47-1E6A96E9111C}"/>
+                <a16:creationId xmlns:a16="http://schemas.microsoft.com/office/drawing/2014/main" id="{0CD8613C-2E47-4419-8A47-1E6A96E9111C}"/>
               </a:ext>
             </a:extLst>
           </p:cNvPr>
@@ -8790,7 +15228,7 @@
           <p:cNvPr id="3" name="Content Placeholder 2">
             <a:extLst>
               <a:ext uri="{FF2B5EF4-FFF2-40B4-BE49-F238E27FC236}">
-                <a16:creationId xmlns:a16="http://schemas.microsoft.com/office/drawing/2014/main" xmlns="" id="{A9BB7A05-B90B-4E9C-856B-AB1C16C32929}"/>
+                <a16:creationId xmlns:a16="http://schemas.microsoft.com/office/drawing/2014/main" id="{A9BB7A05-B90B-4E9C-856B-AB1C16C32929}"/>
               </a:ext>
             </a:extLst>
           </p:cNvPr>
@@ -8858,7 +15296,7 @@
           <p:cNvPr id="4" name="Slide Number Placeholder 3">
             <a:extLst>
               <a:ext uri="{FF2B5EF4-FFF2-40B4-BE49-F238E27FC236}">
-                <a16:creationId xmlns:a16="http://schemas.microsoft.com/office/drawing/2014/main" xmlns="" id="{C496402E-C767-47B6-A1E3-DF3E892B6F57}"/>
+                <a16:creationId xmlns:a16="http://schemas.microsoft.com/office/drawing/2014/main" id="{C496402E-C767-47B6-A1E3-DF3E892B6F57}"/>
               </a:ext>
             </a:extLst>
           </p:cNvPr>
@@ -8876,7 +15314,7 @@
           <a:p>
             <a:fld id="{027315CF-1C63-4A2B-8455-6CD6E5AB9463}" type="slidenum">
               <a:rPr lang="en-AU" smtClean="0"/>
-              <a:t>26</a:t>
+              <a:t>29</a:t>
             </a:fld>
             <a:endParaRPr lang="en-AU"/>
           </a:p>
@@ -8895,7 +15333,7 @@
 </p:sld>
 </file>
 
-<file path=ppt/slides/slide27.xml><?xml version="1.0" encoding="utf-8"?>
+<file path=ppt/slides/slide3.xml><?xml version="1.0" encoding="utf-8"?>
 <p:sld xmlns:a="http://schemas.openxmlformats.org/drawingml/2006/main" xmlns:r="http://schemas.openxmlformats.org/officeDocument/2006/relationships" xmlns:p="http://schemas.openxmlformats.org/presentationml/2006/main">
   <p:cSld>
     <p:spTree>
@@ -8914,13 +15352,7 @@
       </p:grpSpPr>
       <p:sp>
         <p:nvSpPr>
-          <p:cNvPr id="2" name="Title 1">
-            <a:extLst>
-              <a:ext uri="{FF2B5EF4-FFF2-40B4-BE49-F238E27FC236}">
-                <a16:creationId xmlns:a16="http://schemas.microsoft.com/office/drawing/2014/main" xmlns="" id="{3C4FB5E2-A406-4A02-9C33-0F21B0E92238}"/>
-              </a:ext>
-            </a:extLst>
-          </p:cNvPr>
+          <p:cNvPr id="2" name="Title 1"/>
           <p:cNvSpPr>
             <a:spLocks noGrp="1"/>
           </p:cNvSpPr>
@@ -8933,44 +15365,46 @@
           <a:bodyPr/>
           <a:lstStyle/>
           <a:p>
-            <a:endParaRPr lang="en-AU"/>
-          </a:p>
-        </p:txBody>
-      </p:sp>
-      <p:sp>
-        <p:nvSpPr>
-          <p:cNvPr id="3" name="Content Placeholder 2">
-            <a:extLst>
-              <a:ext uri="{FF2B5EF4-FFF2-40B4-BE49-F238E27FC236}">
-                <a16:creationId xmlns:a16="http://schemas.microsoft.com/office/drawing/2014/main" xmlns="" id="{94CFB689-8210-47B0-BA42-A8DFF29C8E3E}"/>
-              </a:ext>
-            </a:extLst>
-          </p:cNvPr>
-          <p:cNvSpPr>
-            <a:spLocks noGrp="1"/>
-          </p:cNvSpPr>
+            <a:r>
+              <a:rPr lang="en-US"/>
+              <a:t>Introducing Milton</a:t>
+            </a:r>
+            <a:r>
+              <a:rPr lang="mr-IN"/>
+              <a:t>…</a:t>
+            </a:r>
+            <a:endParaRPr lang="en-US"/>
+          </a:p>
+        </p:txBody>
+      </p:sp>
+      <p:pic>
+        <p:nvPicPr>
+          <p:cNvPr id="5" name="Content Placeholder 4" descr="Milton.jpg"/>
+          <p:cNvPicPr>
+            <a:picLocks noGrp="1" noChangeAspect="1"/>
+          </p:cNvPicPr>
           <p:nvPr>
             <p:ph idx="1"/>
           </p:nvPr>
-        </p:nvSpPr>
-        <p:spPr/>
-        <p:txBody>
-          <a:bodyPr/>
-          <a:lstStyle/>
-          <a:p>
-            <a:endParaRPr lang="en-AU"/>
-          </a:p>
-        </p:txBody>
-      </p:sp>
-      <p:sp>
-        <p:nvSpPr>
-          <p:cNvPr id="4" name="Slide Number Placeholder 3">
+        </p:nvPicPr>
+        <p:blipFill>
+          <a:blip r:embed="rId2">
             <a:extLst>
-              <a:ext uri="{FF2B5EF4-FFF2-40B4-BE49-F238E27FC236}">
-                <a16:creationId xmlns:a16="http://schemas.microsoft.com/office/drawing/2014/main" xmlns="" id="{D47DF868-54D0-4BF6-AE5E-289E9806E24B}"/>
+              <a:ext uri="{28A0092B-C50C-407E-A947-70E740481C1C}">
+                <a14:useLocalDpi xmlns:a14="http://schemas.microsoft.com/office/drawing/2010/main" val="0"/>
               </a:ext>
             </a:extLst>
-          </p:cNvPr>
+          </a:blip>
+          <a:srcRect l="-30555" r="-30555"/>
+          <a:stretch>
+            <a:fillRect/>
+          </a:stretch>
+        </p:blipFill>
+        <p:spPr/>
+      </p:pic>
+      <p:sp>
+        <p:nvSpPr>
+          <p:cNvPr id="4" name="Slide Number Placeholder 3"/>
           <p:cNvSpPr>
             <a:spLocks noGrp="1"/>
           </p:cNvSpPr>
@@ -8985,7 +15419,7 @@
           <a:p>
             <a:fld id="{027315CF-1C63-4A2B-8455-6CD6E5AB9463}" type="slidenum">
               <a:rPr lang="en-AU" smtClean="0"/>
-              <a:t>27</a:t>
+              <a:t>3</a:t>
             </a:fld>
             <a:endParaRPr lang="en-AU"/>
           </a:p>
@@ -8994,7 +15428,7 @@
     </p:spTree>
     <p:extLst>
       <p:ext uri="{BB962C8B-B14F-4D97-AF65-F5344CB8AC3E}">
-        <p14:creationId xmlns:p14="http://schemas.microsoft.com/office/powerpoint/2010/main" val="1110199712"/>
+        <p14:creationId xmlns:p14="http://schemas.microsoft.com/office/powerpoint/2010/main" val="3555977631"/>
       </p:ext>
     </p:extLst>
   </p:cSld>
@@ -9004,7 +15438,7 @@
 </p:sld>
 </file>
 
-<file path=ppt/slides/slide28.xml><?xml version="1.0" encoding="utf-8"?>
+<file path=ppt/slides/slide30.xml><?xml version="1.0" encoding="utf-8"?>
 <p:sld xmlns:a="http://schemas.openxmlformats.org/drawingml/2006/main" xmlns:r="http://schemas.openxmlformats.org/officeDocument/2006/relationships" xmlns:p="http://schemas.openxmlformats.org/presentationml/2006/main">
   <p:cSld>
     <p:spTree>
@@ -9026,7 +15460,7 @@
           <p:cNvPr id="2" name="Title 1">
             <a:extLst>
               <a:ext uri="{FF2B5EF4-FFF2-40B4-BE49-F238E27FC236}">
-                <a16:creationId xmlns:a16="http://schemas.microsoft.com/office/drawing/2014/main" xmlns="" id="{C283BDF2-056F-4B39-83E4-C5FE69F70FC6}"/>
+                <a16:creationId xmlns:a16="http://schemas.microsoft.com/office/drawing/2014/main" id="{3C4FB5E2-A406-4A02-9C33-0F21B0E92238}"/>
               </a:ext>
             </a:extLst>
           </p:cNvPr>
@@ -9042,10 +15476,32 @@
           <a:bodyPr/>
           <a:lstStyle/>
           <a:p>
-            <a:r>
-              <a:rPr lang="en-AU"/>
-              <a:t>Iterators example</a:t>
-            </a:r>
+            <a:endParaRPr lang="en-AU"/>
+          </a:p>
+        </p:txBody>
+      </p:sp>
+      <p:sp>
+        <p:nvSpPr>
+          <p:cNvPr id="3" name="Content Placeholder 2">
+            <a:extLst>
+              <a:ext uri="{FF2B5EF4-FFF2-40B4-BE49-F238E27FC236}">
+                <a16:creationId xmlns:a16="http://schemas.microsoft.com/office/drawing/2014/main" id="{94CFB689-8210-47B0-BA42-A8DFF29C8E3E}"/>
+              </a:ext>
+            </a:extLst>
+          </p:cNvPr>
+          <p:cNvSpPr>
+            <a:spLocks noGrp="1"/>
+          </p:cNvSpPr>
+          <p:nvPr>
+            <p:ph idx="1"/>
+          </p:nvPr>
+        </p:nvSpPr>
+        <p:spPr/>
+        <p:txBody>
+          <a:bodyPr/>
+          <a:lstStyle/>
+          <a:p>
+            <a:endParaRPr lang="en-AU"/>
           </a:p>
         </p:txBody>
       </p:sp>
@@ -9054,7 +15510,7 @@
           <p:cNvPr id="4" name="Slide Number Placeholder 3">
             <a:extLst>
               <a:ext uri="{FF2B5EF4-FFF2-40B4-BE49-F238E27FC236}">
-                <a16:creationId xmlns:a16="http://schemas.microsoft.com/office/drawing/2014/main" xmlns="" id="{C3C1A77C-1143-4ADE-B727-56E7F26DB3EC}"/>
+                <a16:creationId xmlns:a16="http://schemas.microsoft.com/office/drawing/2014/main" id="{D47DF868-54D0-4BF6-AE5E-289E9806E24B}"/>
               </a:ext>
             </a:extLst>
           </p:cNvPr>
@@ -9072,7 +15528,94 @@
           <a:p>
             <a:fld id="{027315CF-1C63-4A2B-8455-6CD6E5AB9463}" type="slidenum">
               <a:rPr lang="en-AU" smtClean="0"/>
-              <a:t>28</a:t>
+              <a:t>30</a:t>
+            </a:fld>
+            <a:endParaRPr lang="en-AU"/>
+          </a:p>
+        </p:txBody>
+      </p:sp>
+    </p:spTree>
+    <p:extLst>
+      <p:ext uri="{BB962C8B-B14F-4D97-AF65-F5344CB8AC3E}">
+        <p14:creationId xmlns:p14="http://schemas.microsoft.com/office/powerpoint/2010/main" val="1110199712"/>
+      </p:ext>
+    </p:extLst>
+  </p:cSld>
+  <p:clrMapOvr>
+    <a:masterClrMapping/>
+  </p:clrMapOvr>
+</p:sld>
+</file>
+
+<file path=ppt/slides/slide31.xml><?xml version="1.0" encoding="utf-8"?>
+<p:sld xmlns:a="http://schemas.openxmlformats.org/drawingml/2006/main" xmlns:r="http://schemas.openxmlformats.org/officeDocument/2006/relationships" xmlns:p="http://schemas.openxmlformats.org/presentationml/2006/main">
+  <p:cSld>
+    <p:spTree>
+      <p:nvGrpSpPr>
+        <p:cNvPr id="1" name=""/>
+        <p:cNvGrpSpPr/>
+        <p:nvPr/>
+      </p:nvGrpSpPr>
+      <p:grpSpPr>
+        <a:xfrm>
+          <a:off x="0" y="0"/>
+          <a:ext cx="0" cy="0"/>
+          <a:chOff x="0" y="0"/>
+          <a:chExt cx="0" cy="0"/>
+        </a:xfrm>
+      </p:grpSpPr>
+      <p:sp>
+        <p:nvSpPr>
+          <p:cNvPr id="2" name="Title 1">
+            <a:extLst>
+              <a:ext uri="{FF2B5EF4-FFF2-40B4-BE49-F238E27FC236}">
+                <a16:creationId xmlns:a16="http://schemas.microsoft.com/office/drawing/2014/main" id="{C283BDF2-056F-4B39-83E4-C5FE69F70FC6}"/>
+              </a:ext>
+            </a:extLst>
+          </p:cNvPr>
+          <p:cNvSpPr>
+            <a:spLocks noGrp="1"/>
+          </p:cNvSpPr>
+          <p:nvPr>
+            <p:ph type="title"/>
+          </p:nvPr>
+        </p:nvSpPr>
+        <p:spPr/>
+        <p:txBody>
+          <a:bodyPr/>
+          <a:lstStyle/>
+          <a:p>
+            <a:r>
+              <a:rPr lang="en-AU"/>
+              <a:t>Iterators example</a:t>
+            </a:r>
+          </a:p>
+        </p:txBody>
+      </p:sp>
+      <p:sp>
+        <p:nvSpPr>
+          <p:cNvPr id="4" name="Slide Number Placeholder 3">
+            <a:extLst>
+              <a:ext uri="{FF2B5EF4-FFF2-40B4-BE49-F238E27FC236}">
+                <a16:creationId xmlns:a16="http://schemas.microsoft.com/office/drawing/2014/main" id="{C3C1A77C-1143-4ADE-B727-56E7F26DB3EC}"/>
+              </a:ext>
+            </a:extLst>
+          </p:cNvPr>
+          <p:cNvSpPr>
+            <a:spLocks noGrp="1"/>
+          </p:cNvSpPr>
+          <p:nvPr>
+            <p:ph type="sldNum" sz="quarter" idx="12"/>
+          </p:nvPr>
+        </p:nvSpPr>
+        <p:spPr/>
+        <p:txBody>
+          <a:bodyPr/>
+          <a:lstStyle/>
+          <a:p>
+            <a:fld id="{027315CF-1C63-4A2B-8455-6CD6E5AB9463}" type="slidenum">
+              <a:rPr lang="en-AU" smtClean="0"/>
+              <a:t>31</a:t>
             </a:fld>
             <a:endParaRPr lang="en-AU"/>
           </a:p>
@@ -9083,7 +15626,7 @@
           <p:cNvPr id="3074" name="Picture 2" descr="Machine generated alternative text:&#10;But this approach will cause the entire newX array to be sent to each of the parallel execution &#10;workers. Since each task needs only one column of the array, we'd like to avoid this extra data &#10;communication. &#10;One way to solve this problem is to use an iterator that iterates over the matrix by column: &#10;&gt; applyKerne1 &lt;— function (newX, FUN, d2, d. call, dn. cal I—NULL &#10;+ bye 'col' ) ) &#10;FUN (array (x, d. call , &#10;&gt; applyKerne1 (matrix (1 : 16, &#10;dn. call), . &#10;Using The foreach Package &#10;4), mean, 4, 4) &#10;10 ">
             <a:extLst>
               <a:ext uri="{FF2B5EF4-FFF2-40B4-BE49-F238E27FC236}">
-                <a16:creationId xmlns:a16="http://schemas.microsoft.com/office/drawing/2014/main" xmlns="" id="{F1559482-D86D-4E2F-B60F-354DF8CCA3E2}"/>
+                <a16:creationId xmlns:a16="http://schemas.microsoft.com/office/drawing/2014/main" id="{F1559482-D86D-4E2F-B60F-354DF8CCA3E2}"/>
               </a:ext>
             </a:extLst>
           </p:cNvPr>
@@ -9129,111 +15672,6 @@
     <p:extLst>
       <p:ext uri="{BB962C8B-B14F-4D97-AF65-F5344CB8AC3E}">
         <p14:creationId xmlns:p14="http://schemas.microsoft.com/office/powerpoint/2010/main" val="3477574256"/>
-      </p:ext>
-    </p:extLst>
-  </p:cSld>
-  <p:clrMapOvr>
-    <a:masterClrMapping/>
-  </p:clrMapOvr>
-</p:sld>
-</file>
-
-<file path=ppt/slides/slide3.xml><?xml version="1.0" encoding="utf-8"?>
-<p:sld xmlns:a="http://schemas.openxmlformats.org/drawingml/2006/main" xmlns:r="http://schemas.openxmlformats.org/officeDocument/2006/relationships" xmlns:p="http://schemas.openxmlformats.org/presentationml/2006/main">
-  <p:cSld>
-    <p:spTree>
-      <p:nvGrpSpPr>
-        <p:cNvPr id="1" name=""/>
-        <p:cNvGrpSpPr/>
-        <p:nvPr/>
-      </p:nvGrpSpPr>
-      <p:grpSpPr>
-        <a:xfrm>
-          <a:off x="0" y="0"/>
-          <a:ext cx="0" cy="0"/>
-          <a:chOff x="0" y="0"/>
-          <a:chExt cx="0" cy="0"/>
-        </a:xfrm>
-      </p:grpSpPr>
-      <p:sp>
-        <p:nvSpPr>
-          <p:cNvPr id="2" name="Title 1"/>
-          <p:cNvSpPr>
-            <a:spLocks noGrp="1"/>
-          </p:cNvSpPr>
-          <p:nvPr>
-            <p:ph type="title"/>
-          </p:nvPr>
-        </p:nvSpPr>
-        <p:spPr/>
-        <p:txBody>
-          <a:bodyPr/>
-          <a:lstStyle/>
-          <a:p>
-            <a:r>
-              <a:rPr lang="en-US"/>
-              <a:t>Introducing Milton</a:t>
-            </a:r>
-            <a:r>
-              <a:rPr lang="mr-IN"/>
-              <a:t>…</a:t>
-            </a:r>
-            <a:endParaRPr lang="en-US"/>
-          </a:p>
-        </p:txBody>
-      </p:sp>
-      <p:pic>
-        <p:nvPicPr>
-          <p:cNvPr id="5" name="Content Placeholder 4" descr="Milton.jpg"/>
-          <p:cNvPicPr>
-            <a:picLocks noGrp="1" noChangeAspect="1"/>
-          </p:cNvPicPr>
-          <p:nvPr>
-            <p:ph idx="1"/>
-          </p:nvPr>
-        </p:nvPicPr>
-        <p:blipFill>
-          <a:blip r:embed="rId2">
-            <a:extLst>
-              <a:ext uri="{28A0092B-C50C-407E-A947-70E740481C1C}">
-                <a14:useLocalDpi xmlns:a14="http://schemas.microsoft.com/office/drawing/2010/main" val="0"/>
-              </a:ext>
-            </a:extLst>
-          </a:blip>
-          <a:srcRect l="-30555" r="-30555"/>
-          <a:stretch>
-            <a:fillRect/>
-          </a:stretch>
-        </p:blipFill>
-        <p:spPr/>
-      </p:pic>
-      <p:sp>
-        <p:nvSpPr>
-          <p:cNvPr id="4" name="Slide Number Placeholder 3"/>
-          <p:cNvSpPr>
-            <a:spLocks noGrp="1"/>
-          </p:cNvSpPr>
-          <p:nvPr>
-            <p:ph type="sldNum" sz="quarter" idx="12"/>
-          </p:nvPr>
-        </p:nvSpPr>
-        <p:spPr/>
-        <p:txBody>
-          <a:bodyPr/>
-          <a:lstStyle/>
-          <a:p>
-            <a:fld id="{027315CF-1C63-4A2B-8455-6CD6E5AB9463}" type="slidenum">
-              <a:rPr lang="en-AU" smtClean="0"/>
-              <a:t>3</a:t>
-            </a:fld>
-            <a:endParaRPr lang="en-AU"/>
-          </a:p>
-        </p:txBody>
-      </p:sp>
-    </p:spTree>
-    <p:extLst>
-      <p:ext uri="{BB962C8B-B14F-4D97-AF65-F5344CB8AC3E}">
-        <p14:creationId xmlns:p14="http://schemas.microsoft.com/office/powerpoint/2010/main" val="3555977631"/>
       </p:ext>
     </p:extLst>
   </p:cSld>

--- a/HPC and git talk.pptx
+++ b/HPC and git talk.pptx
@@ -156,6 +156,10 @@
 </p:presentation>
 </file>
 
+<file path=ppt/revisionInfo.xml><?xml version="1.0" encoding="utf-8"?>
+<p1510:revInfo xmlns:a="http://schemas.openxmlformats.org/drawingml/2006/main" xmlns:r="http://schemas.openxmlformats.org/officeDocument/2006/relationships" xmlns:p1510="http://schemas.microsoft.com/office/powerpoint/2015/10/main"/>
+</file>
+
 <file path=ppt/notesMasters/notesMaster1.xml><?xml version="1.0" encoding="utf-8"?>
 <p:notesMaster xmlns:a="http://schemas.openxmlformats.org/drawingml/2006/main" xmlns:r="http://schemas.openxmlformats.org/officeDocument/2006/relationships" xmlns:p="http://schemas.openxmlformats.org/presentationml/2006/main">
   <p:cSld>
@@ -238,7 +242,7 @@
           <a:p>
             <a:fld id="{959E59C8-47F0-4148-92A0-E903AA0AEFBD}" type="datetimeFigureOut">
               <a:rPr lang="en-US" smtClean="0"/>
-              <a:t>7/24/2017</a:t>
+              <a:t>7/27/2017</a:t>
             </a:fld>
             <a:endParaRPr lang="en-US"/>
           </a:p>
@@ -996,7 +1000,7 @@
           <a:p>
             <a:fld id="{FD37BD70-C169-EE4F-AE0D-7C00031A0453}" type="datetime1">
               <a:rPr lang="en-AU" smtClean="0"/>
-              <a:t>24/07/2017</a:t>
+              <a:t>27/07/2017</a:t>
             </a:fld>
             <a:endParaRPr lang="en-AU"/>
           </a:p>
@@ -1196,7 +1200,7 @@
           <a:p>
             <a:fld id="{AA5E890D-1061-D549-967B-04E9B46F6844}" type="datetime1">
               <a:rPr lang="en-AU" smtClean="0"/>
-              <a:t>24/07/2017</a:t>
+              <a:t>27/07/2017</a:t>
             </a:fld>
             <a:endParaRPr lang="en-AU"/>
           </a:p>
@@ -1406,7 +1410,7 @@
           <a:p>
             <a:fld id="{531E7C23-B6B4-F848-9574-D714CDE76D99}" type="datetime1">
               <a:rPr lang="en-AU" smtClean="0"/>
-              <a:t>24/07/2017</a:t>
+              <a:t>27/07/2017</a:t>
             </a:fld>
             <a:endParaRPr lang="en-AU"/>
           </a:p>
@@ -1606,7 +1610,7 @@
           <a:p>
             <a:fld id="{5D301D3D-5DD0-0F4F-B060-E6738F614076}" type="datetime1">
               <a:rPr lang="en-AU" smtClean="0"/>
-              <a:t>24/07/2017</a:t>
+              <a:t>27/07/2017</a:t>
             </a:fld>
             <a:endParaRPr lang="en-AU"/>
           </a:p>
@@ -1882,7 +1886,7 @@
           <a:p>
             <a:fld id="{E81D2BDB-45F5-134D-9850-4BAEE7B174DC}" type="datetime1">
               <a:rPr lang="en-AU" smtClean="0"/>
-              <a:t>24/07/2017</a:t>
+              <a:t>27/07/2017</a:t>
             </a:fld>
             <a:endParaRPr lang="en-AU"/>
           </a:p>
@@ -2150,7 +2154,7 @@
           <a:p>
             <a:fld id="{B3E296D7-817C-DA4D-8B4E-40754920AF10}" type="datetime1">
               <a:rPr lang="en-AU" smtClean="0"/>
-              <a:t>24/07/2017</a:t>
+              <a:t>27/07/2017</a:t>
             </a:fld>
             <a:endParaRPr lang="en-AU"/>
           </a:p>
@@ -2565,7 +2569,7 @@
           <a:p>
             <a:fld id="{2D2BF31A-20C5-B545-AA33-6B394EC01457}" type="datetime1">
               <a:rPr lang="en-AU" smtClean="0"/>
-              <a:t>24/07/2017</a:t>
+              <a:t>27/07/2017</a:t>
             </a:fld>
             <a:endParaRPr lang="en-AU"/>
           </a:p>
@@ -2707,7 +2711,7 @@
           <a:p>
             <a:fld id="{AD65C01F-5870-D24F-BA8A-F4213FEE327C}" type="datetime1">
               <a:rPr lang="en-AU" smtClean="0"/>
-              <a:t>24/07/2017</a:t>
+              <a:t>27/07/2017</a:t>
             </a:fld>
             <a:endParaRPr lang="en-AU"/>
           </a:p>
@@ -2820,7 +2824,7 @@
           <a:p>
             <a:fld id="{B4B86442-F9E4-3A45-BC77-41EBC9D70B75}" type="datetime1">
               <a:rPr lang="en-AU" smtClean="0"/>
-              <a:t>24/07/2017</a:t>
+              <a:t>27/07/2017</a:t>
             </a:fld>
             <a:endParaRPr lang="en-AU"/>
           </a:p>
@@ -3133,7 +3137,7 @@
           <a:p>
             <a:fld id="{01CBC31E-32FA-B44E-9147-BDF257D7328A}" type="datetime1">
               <a:rPr lang="en-AU" smtClean="0"/>
-              <a:t>24/07/2017</a:t>
+              <a:t>27/07/2017</a:t>
             </a:fld>
             <a:endParaRPr lang="en-AU"/>
           </a:p>
@@ -3422,7 +3426,7 @@
           <a:p>
             <a:fld id="{85B6AABF-4892-604A-8A61-DD9A6F9C430E}" type="datetime1">
               <a:rPr lang="en-AU" smtClean="0"/>
-              <a:t>24/07/2017</a:t>
+              <a:t>27/07/2017</a:t>
             </a:fld>
             <a:endParaRPr lang="en-AU"/>
           </a:p>
@@ -3665,7 +3669,7 @@
           <a:p>
             <a:fld id="{4177F074-3B1D-FD42-999E-F241BC395434}" type="datetime1">
               <a:rPr lang="en-AU" smtClean="0"/>
-              <a:t>24/07/2017</a:t>
+              <a:t>27/07/2017</a:t>
             </a:fld>
             <a:endParaRPr lang="en-AU"/>
           </a:p>
@@ -13943,35 +13947,48 @@
             <p:ph idx="1"/>
           </p:nvPr>
         </p:nvSpPr>
-        <p:spPr/>
+        <p:spPr>
+          <a:xfrm>
+            <a:off x="838200" y="1825625"/>
+            <a:ext cx="10629900" cy="4351338"/>
+          </a:xfrm>
+        </p:spPr>
         <p:txBody>
           <a:bodyPr/>
           <a:lstStyle/>
           <a:p>
             <a:r>
-              <a:rPr lang="en-US"/>
+              <a:rPr lang="en-US" dirty="0"/>
               <a:t>Since the entire R environment is copied when using socket clusters, exclude variables not used in the function.</a:t>
             </a:r>
           </a:p>
           <a:p>
             <a:r>
-              <a:rPr lang="en-US"/>
+              <a:rPr lang="en-US" dirty="0"/>
               <a:t>In the </a:t>
             </a:r>
             <a:r>
-              <a:rPr lang="en-US" i="1" err="1"/>
+              <a:rPr lang="en-US" i="1" dirty="0" err="1"/>
               <a:t>foreach</a:t>
             </a:r>
             <a:r>
-              <a:rPr lang="en-US"/>
-              <a:t> context this is done using the .exclude = c(</a:t>
-            </a:r>
-            <a:r>
-              <a:rPr lang="en-US" err="1"/>
+              <a:rPr lang="en-US" dirty="0"/>
+              <a:t> context this is done using the .</a:t>
+            </a:r>
+            <a:r>
+              <a:rPr lang="en-US" dirty="0" err="1"/>
+              <a:t>noexport</a:t>
+            </a:r>
+            <a:r>
+              <a:rPr lang="en-US" dirty="0"/>
+              <a:t> = c(</a:t>
+            </a:r>
+            <a:r>
+              <a:rPr lang="en-US" dirty="0" err="1"/>
               <a:t>list_of_vars</a:t>
             </a:r>
             <a:r>
-              <a:rPr lang="en-US"/>
+              <a:rPr lang="en-US" dirty="0"/>
               <a:t>)</a:t>
             </a:r>
           </a:p>
